--- a/Poster/BDM_poster.pptx
+++ b/Poster/BDM_poster.pptx
@@ -7243,7 +7243,7 @@
         </p:nvSpPr>
         <p:spPr bwMode="auto">
           <a:xfrm>
-            <a:off x="9901312" y="7789814"/>
+            <a:off x="9901312" y="7704907"/>
             <a:ext cx="11237538" cy="9996213"/>
           </a:xfrm>
           <a:prstGeom prst="rect">
@@ -7705,6 +7705,54 @@
               </a:rPr>
               <a:t> function). The full computation of aggregated variance is calculated in the SQL query where the value would be added based on the position for each different key. </a:t>
             </a:r>
+            <a:r>
+              <a:rPr lang="en-US" sz="2400" dirty="0">
+                <a:effectLst/>
+                <a:latin typeface="Arial" panose="020B0604020202020204" pitchFamily="34" charset="0"/>
+                <a:ea typeface="Calibri" panose="020F0502020204030204" pitchFamily="34" charset="0"/>
+              </a:rPr>
+              <a:t>The version with the position in the data frame is more efficient than the </a:t>
+            </a:r>
+            <a:r>
+              <a:rPr lang="en-US" sz="2400" dirty="0" err="1">
+                <a:effectLst/>
+                <a:latin typeface="Arial" panose="020B0604020202020204" pitchFamily="34" charset="0"/>
+                <a:ea typeface="Calibri" panose="020F0502020204030204" pitchFamily="34" charset="0"/>
+              </a:rPr>
+              <a:t>udf</a:t>
+            </a:r>
+            <a:r>
+              <a:rPr lang="en-US" sz="2400" dirty="0">
+                <a:effectLst/>
+                <a:latin typeface="Arial" panose="020B0604020202020204" pitchFamily="34" charset="0"/>
+                <a:ea typeface="Calibri" panose="020F0502020204030204" pitchFamily="34" charset="0"/>
+              </a:rPr>
+              <a:t> function since Spark can not optimize the </a:t>
+            </a:r>
+            <a:r>
+              <a:rPr lang="en-US" sz="2400" dirty="0" err="1">
+                <a:effectLst/>
+                <a:latin typeface="Arial" panose="020B0604020202020204" pitchFamily="34" charset="0"/>
+                <a:ea typeface="Calibri" panose="020F0502020204030204" pitchFamily="34" charset="0"/>
+              </a:rPr>
+              <a:t>udf</a:t>
+            </a:r>
+            <a:r>
+              <a:rPr lang="en-US" sz="2400" dirty="0">
+                <a:effectLst/>
+                <a:latin typeface="Arial" panose="020B0604020202020204" pitchFamily="34" charset="0"/>
+                <a:ea typeface="Calibri" panose="020F0502020204030204" pitchFamily="34" charset="0"/>
+              </a:rPr>
+              <a:t> function. Our previous algorithms were written in Python which was slower than Java. We decide to switch to the second version and to use Java to speed up the algorithm.</a:t>
+            </a:r>
+            <a:r>
+              <a:rPr lang="en-GB" sz="2400" dirty="0">
+                <a:effectLst/>
+                <a:latin typeface="Arial" panose="020B0604020202020204" pitchFamily="34" charset="0"/>
+                <a:ea typeface="Calibri" panose="020F0502020204030204" pitchFamily="34" charset="0"/>
+              </a:rPr>
+              <a:t> </a:t>
+            </a:r>
             <a:endParaRPr lang="en-NL" sz="2400" dirty="0">
               <a:effectLst/>
               <a:latin typeface="Arial" panose="020B0604020202020204" pitchFamily="34" charset="0"/>
@@ -7784,7 +7832,8 @@
                 <a:solidFill>
                   <a:srgbClr val="000000"/>
                 </a:solidFill>
-                <a:latin typeface="Calibri" charset="0"/>
+                <a:latin typeface="Courier New" panose="02070309020205020404" pitchFamily="49" charset="0"/>
+                <a:cs typeface="Courier New" panose="02070309020205020404" pitchFamily="49" charset="0"/>
               </a:rPr>
               <a:t>SELECT </a:t>
             </a:r>
@@ -7793,7 +7842,8 @@
                 <a:solidFill>
                   <a:srgbClr val="000000"/>
                 </a:solidFill>
-                <a:latin typeface="Calibri" charset="0"/>
+                <a:latin typeface="Courier New" panose="02070309020205020404" pitchFamily="49" charset="0"/>
+                <a:cs typeface="Courier New" panose="02070309020205020404" pitchFamily="49" charset="0"/>
               </a:rPr>
               <a:t>triple_id</a:t>
             </a:r>
@@ -7802,7 +7852,8 @@
                 <a:solidFill>
                   <a:srgbClr val="000000"/>
                 </a:solidFill>
-                <a:latin typeface="Calibri" charset="0"/>
+                <a:latin typeface="Courier New" panose="02070309020205020404" pitchFamily="49" charset="0"/>
+                <a:cs typeface="Courier New" panose="02070309020205020404" pitchFamily="49" charset="0"/>
               </a:rPr>
               <a:t>, VAR_POP(col) FROM (</a:t>
             </a:r>
@@ -7830,7 +7881,8 @@
                 <a:solidFill>
                   <a:srgbClr val="000000"/>
                 </a:solidFill>
-                <a:latin typeface="Calibri" charset="0"/>
+                <a:latin typeface="Courier New" panose="02070309020205020404" pitchFamily="49" charset="0"/>
+                <a:cs typeface="Courier New" panose="02070309020205020404" pitchFamily="49" charset="0"/>
               </a:rPr>
               <a:t>        SELECT CONCAT(v1.key, ',', v2.key, ',', v3.key) AS </a:t>
             </a:r>
@@ -7839,7 +7891,8 @@
                 <a:solidFill>
                   <a:srgbClr val="000000"/>
                 </a:solidFill>
-                <a:latin typeface="Calibri" charset="0"/>
+                <a:latin typeface="Courier New" panose="02070309020205020404" pitchFamily="49" charset="0"/>
+                <a:cs typeface="Courier New" panose="02070309020205020404" pitchFamily="49" charset="0"/>
               </a:rPr>
               <a:t>triple_id</a:t>
             </a:r>
@@ -7848,7 +7901,8 @@
                 <a:solidFill>
                   <a:srgbClr val="000000"/>
                 </a:solidFill>
-                <a:latin typeface="Calibri" charset="0"/>
+                <a:latin typeface="Courier New" panose="02070309020205020404" pitchFamily="49" charset="0"/>
+                <a:cs typeface="Courier New" panose="02070309020205020404" pitchFamily="49" charset="0"/>
               </a:rPr>
               <a:t>, v1.pos, v1.col + v2.col + v3.col as col</a:t>
             </a:r>
@@ -7876,7 +7930,8 @@
                 <a:solidFill>
                   <a:srgbClr val="000000"/>
                 </a:solidFill>
-                <a:latin typeface="Calibri" charset="0"/>
+                <a:latin typeface="Courier New" panose="02070309020205020404" pitchFamily="49" charset="0"/>
+                <a:cs typeface="Courier New" panose="02070309020205020404" pitchFamily="49" charset="0"/>
               </a:rPr>
               <a:t>        FROM vectors as v1 </a:t>
             </a:r>
@@ -7904,7 +7959,8 @@
                 <a:solidFill>
                   <a:srgbClr val="000000"/>
                 </a:solidFill>
-                <a:latin typeface="Calibri" charset="0"/>
+                <a:latin typeface="Courier New" panose="02070309020205020404" pitchFamily="49" charset="0"/>
+                <a:cs typeface="Courier New" panose="02070309020205020404" pitchFamily="49" charset="0"/>
               </a:rPr>
               <a:t>        INNER JOIN vectors as v2 ON (v1.key &lt; v2.key AND v1.pos = v2.pos)</a:t>
             </a:r>
@@ -7932,7 +7988,8 @@
                 <a:solidFill>
                   <a:srgbClr val="000000"/>
                 </a:solidFill>
-                <a:latin typeface="Calibri" charset="0"/>
+                <a:latin typeface="Courier New" panose="02070309020205020404" pitchFamily="49" charset="0"/>
+                <a:cs typeface="Courier New" panose="02070309020205020404" pitchFamily="49" charset="0"/>
               </a:rPr>
               <a:t>        INNER JOIN vectors as v3 ON (v2.key &lt; v3.key AND v2.pos = v3.pos))</a:t>
             </a:r>
@@ -7960,7 +8017,8 @@
                 <a:solidFill>
                   <a:srgbClr val="000000"/>
                 </a:solidFill>
-                <a:latin typeface="Calibri" charset="0"/>
+                <a:latin typeface="Courier New" panose="02070309020205020404" pitchFamily="49" charset="0"/>
+                <a:cs typeface="Courier New" panose="02070309020205020404" pitchFamily="49" charset="0"/>
               </a:rPr>
               <a:t>        GROUP BY </a:t>
             </a:r>
@@ -7969,7 +8027,8 @@
                 <a:solidFill>
                   <a:srgbClr val="000000"/>
                 </a:solidFill>
-                <a:latin typeface="Calibri" charset="0"/>
+                <a:latin typeface="Courier New" panose="02070309020205020404" pitchFamily="49" charset="0"/>
+                <a:cs typeface="Courier New" panose="02070309020205020404" pitchFamily="49" charset="0"/>
               </a:rPr>
               <a:t>triple_id</a:t>
             </a:r>
@@ -7977,7 +8036,8 @@
               <a:solidFill>
                 <a:srgbClr val="000000"/>
               </a:solidFill>
-              <a:latin typeface="Calibri" charset="0"/>
+              <a:latin typeface="Courier New" panose="02070309020205020404" pitchFamily="49" charset="0"/>
+              <a:cs typeface="Courier New" panose="02070309020205020404" pitchFamily="49" charset="0"/>
             </a:endParaRPr>
           </a:p>
           <a:p>
@@ -8003,35 +8063,11 @@
                 <a:solidFill>
                   <a:srgbClr val="000000"/>
                 </a:solidFill>
-                <a:latin typeface="Calibri" charset="0"/>
+                <a:latin typeface="Courier New" panose="02070309020205020404" pitchFamily="49" charset="0"/>
+                <a:cs typeface="Courier New" panose="02070309020205020404" pitchFamily="49" charset="0"/>
               </a:rPr>
               <a:t>        HAVING VAR_POP(col) &lt; {TAU_PARAMETER};)</a:t>
             </a:r>
-          </a:p>
-          <a:p>
-            <a:pPr marL="0" marR="0" lvl="0" indent="0" algn="l" defTabSz="2949575" rtl="0" eaLnBrk="1" fontAlgn="base" latinLnBrk="0" hangingPunct="1">
-              <a:lnSpc>
-                <a:spcPts val="3200"/>
-              </a:lnSpc>
-              <a:spcBef>
-                <a:spcPct val="0"/>
-              </a:spcBef>
-              <a:spcAft>
-                <a:spcPct val="0"/>
-              </a:spcAft>
-              <a:buClrTx/>
-              <a:buSzTx/>
-              <a:buFontTx/>
-              <a:buNone/>
-              <a:tabLst/>
-              <a:defRPr/>
-            </a:pPr>
-            <a:endParaRPr lang="en-US" sz="2400" dirty="0">
-              <a:solidFill>
-                <a:srgbClr val="000000"/>
-              </a:solidFill>
-              <a:latin typeface="Calibri" charset="0"/>
-            </a:endParaRPr>
           </a:p>
           <a:p>
             <a:pPr marL="0" marR="0" lvl="0" indent="0" algn="l" defTabSz="2949575" rtl="0" eaLnBrk="1" fontAlgn="base" latinLnBrk="0" hangingPunct="1">
@@ -9709,8 +9745,8 @@
         </p:blipFill>
         <p:spPr>
           <a:xfrm>
-            <a:off x="566670" y="20450323"/>
-            <a:ext cx="6096000" cy="4572000"/>
+            <a:off x="1908824" y="24787013"/>
+            <a:ext cx="5510852" cy="4133139"/>
           </a:xfrm>
           <a:prstGeom prst="rect">
             <a:avLst/>
@@ -9734,7 +9770,7 @@
         <p:spPr bwMode="auto">
           <a:xfrm>
             <a:off x="9901312" y="14905707"/>
-            <a:ext cx="10153128" cy="13897544"/>
+            <a:ext cx="10153128" cy="9996213"/>
           </a:xfrm>
           <a:prstGeom prst="rect">
             <a:avLst/>
@@ -9881,6 +9917,26 @@
             </a:endParaRPr>
           </a:p>
           <a:p>
+            <a:pPr defTabSz="2949575">
+              <a:lnSpc>
+                <a:spcPts val="3200"/>
+              </a:lnSpc>
+              <a:defRPr/>
+            </a:pPr>
+            <a:r>
+              <a:rPr lang="en-GB" sz="2400" dirty="0">
+                <a:solidFill>
+                  <a:srgbClr val="000000"/>
+                </a:solidFill>
+                <a:effectLst/>
+                <a:latin typeface="Courier New" panose="02070309020205020404" pitchFamily="49" charset="0"/>
+                <a:ea typeface="Calibri" panose="020F0502020204030204" pitchFamily="34" charset="0"/>
+                <a:cs typeface="Courier New" panose="02070309020205020404" pitchFamily="49" charset="0"/>
+              </a:rPr>
+              <a:t>Pseudo code Count-min sketch:</a:t>
+            </a:r>
+          </a:p>
+          <a:p>
             <a:pPr marL="285750" indent="-285750" defTabSz="2949575">
               <a:lnSpc>
                 <a:spcPts val="3200"/>
@@ -9891,15 +9947,23 @@
             </a:pPr>
             <a:r>
               <a:rPr lang="en-GB" sz="2400" dirty="0">
+                <a:solidFill>
+                  <a:srgbClr val="000000"/>
+                </a:solidFill>
                 <a:effectLst/>
-                <a:latin typeface="Arial" panose="020B0604020202020204" pitchFamily="34" charset="0"/>
+                <a:latin typeface="Courier New" panose="02070309020205020404" pitchFamily="49" charset="0"/>
                 <a:ea typeface="Calibri" panose="020F0502020204030204" pitchFamily="34" charset="0"/>
+                <a:cs typeface="Courier New" panose="02070309020205020404" pitchFamily="49" charset="0"/>
               </a:rPr>
               <a:t>Store variables width and depth based on epsilon and delta</a:t>
             </a:r>
             <a:endParaRPr lang="en-GB" sz="2400" dirty="0">
-              <a:latin typeface="Arial" panose="020B0604020202020204" pitchFamily="34" charset="0"/>
+              <a:solidFill>
+                <a:srgbClr val="000000"/>
+              </a:solidFill>
+              <a:latin typeface="Courier New" panose="02070309020205020404" pitchFamily="49" charset="0"/>
               <a:ea typeface="Calibri" panose="020F0502020204030204" pitchFamily="34" charset="0"/>
+              <a:cs typeface="Courier New" panose="02070309020205020404" pitchFamily="49" charset="0"/>
             </a:endParaRPr>
           </a:p>
           <a:p>
@@ -9913,23 +9977,23 @@
             </a:pPr>
             <a:r>
               <a:rPr lang="en-GB" sz="2400" dirty="0">
+                <a:solidFill>
+                  <a:srgbClr val="000000"/>
+                </a:solidFill>
                 <a:effectLst/>
-                <a:latin typeface="Arial" panose="020B0604020202020204" pitchFamily="34" charset="0"/>
+                <a:latin typeface="Courier New" panose="02070309020205020404" pitchFamily="49" charset="0"/>
                 <a:ea typeface="Calibri" panose="020F0502020204030204" pitchFamily="34" charset="0"/>
+                <a:cs typeface="Courier New" panose="02070309020205020404" pitchFamily="49" charset="0"/>
               </a:rPr>
-              <a:t>Create empty dictionary which is </a:t>
-            </a:r>
-            <a:r>
-              <a:rPr lang="en-GB" sz="2400" dirty="0" err="1">
-                <a:effectLst/>
-                <a:latin typeface="Arial" panose="020B0604020202020204" pitchFamily="34" charset="0"/>
-                <a:ea typeface="Calibri" panose="020F0502020204030204" pitchFamily="34" charset="0"/>
-              </a:rPr>
-              <a:t>cms</a:t>
+              <a:t>Create empty dictionary which is CMS</a:t>
             </a:r>
             <a:endParaRPr lang="en-GB" sz="2400" dirty="0">
-              <a:latin typeface="Arial" panose="020B0604020202020204" pitchFamily="34" charset="0"/>
+              <a:solidFill>
+                <a:srgbClr val="000000"/>
+              </a:solidFill>
+              <a:latin typeface="Courier New" panose="02070309020205020404" pitchFamily="49" charset="0"/>
               <a:ea typeface="Calibri" panose="020F0502020204030204" pitchFamily="34" charset="0"/>
+              <a:cs typeface="Courier New" panose="02070309020205020404" pitchFamily="49" charset="0"/>
             </a:endParaRPr>
           </a:p>
           <a:p>
@@ -9943,23 +10007,23 @@
             </a:pPr>
             <a:r>
               <a:rPr lang="en-GB" sz="2400" dirty="0">
+                <a:solidFill>
+                  <a:srgbClr val="000000"/>
+                </a:solidFill>
                 <a:effectLst/>
-                <a:latin typeface="Arial" panose="020B0604020202020204" pitchFamily="34" charset="0"/>
+                <a:latin typeface="Courier New" panose="02070309020205020404" pitchFamily="49" charset="0"/>
                 <a:ea typeface="Calibri" panose="020F0502020204030204" pitchFamily="34" charset="0"/>
+                <a:cs typeface="Courier New" panose="02070309020205020404" pitchFamily="49" charset="0"/>
               </a:rPr>
-              <a:t>Store hashed data in </a:t>
-            </a:r>
-            <a:r>
-              <a:rPr lang="en-GB" sz="2400" dirty="0" err="1">
-                <a:effectLst/>
-                <a:latin typeface="Arial" panose="020B0604020202020204" pitchFamily="34" charset="0"/>
-                <a:ea typeface="Calibri" panose="020F0502020204030204" pitchFamily="34" charset="0"/>
-              </a:rPr>
-              <a:t>cms</a:t>
+              <a:t>Store hashed data in CMS</a:t>
             </a:r>
             <a:endParaRPr lang="en-GB" sz="2400" dirty="0">
-              <a:latin typeface="Arial" panose="020B0604020202020204" pitchFamily="34" charset="0"/>
+              <a:solidFill>
+                <a:srgbClr val="000000"/>
+              </a:solidFill>
+              <a:latin typeface="Courier New" panose="02070309020205020404" pitchFamily="49" charset="0"/>
               <a:ea typeface="Calibri" panose="020F0502020204030204" pitchFamily="34" charset="0"/>
+              <a:cs typeface="Courier New" panose="02070309020205020404" pitchFamily="49" charset="0"/>
             </a:endParaRPr>
           </a:p>
           <a:p>
@@ -9973,27 +10037,15 @@
             </a:pPr>
             <a:r>
               <a:rPr lang="en-GB" sz="2400" dirty="0">
+                <a:solidFill>
+                  <a:srgbClr val="000000"/>
+                </a:solidFill>
                 <a:effectLst/>
-                <a:latin typeface="Arial" panose="020B0604020202020204" pitchFamily="34" charset="0"/>
+                <a:latin typeface="Courier New" panose="02070309020205020404" pitchFamily="49" charset="0"/>
                 <a:ea typeface="Calibri" panose="020F0502020204030204" pitchFamily="34" charset="0"/>
+                <a:cs typeface="Courier New" panose="02070309020205020404" pitchFamily="49" charset="0"/>
               </a:rPr>
-              <a:t>Add values of hashed data together in </a:t>
-            </a:r>
-            <a:r>
-              <a:rPr lang="en-GB" sz="2400" dirty="0" err="1">
-                <a:effectLst/>
-                <a:latin typeface="Arial" panose="020B0604020202020204" pitchFamily="34" charset="0"/>
-                <a:ea typeface="Calibri" panose="020F0502020204030204" pitchFamily="34" charset="0"/>
-              </a:rPr>
-              <a:t>cms</a:t>
-            </a:r>
-            <a:r>
-              <a:rPr lang="en-GB" sz="2400" dirty="0">
-                <a:effectLst/>
-                <a:latin typeface="Arial" panose="020B0604020202020204" pitchFamily="34" charset="0"/>
-                <a:ea typeface="Calibri" panose="020F0502020204030204" pitchFamily="34" charset="0"/>
-              </a:rPr>
-              <a:t> based on position</a:t>
+              <a:t>Add values of hashed data together in CMS based on position</a:t>
             </a:r>
           </a:p>
           <a:p>
@@ -10007,16 +10059,24 @@
             </a:pPr>
             <a:r>
               <a:rPr lang="en-GB" sz="2400" dirty="0">
+                <a:solidFill>
+                  <a:srgbClr val="000000"/>
+                </a:solidFill>
                 <a:effectLst/>
-                <a:latin typeface="Arial" panose="020B0604020202020204" pitchFamily="34" charset="0"/>
+                <a:latin typeface="Courier New" panose="02070309020205020404" pitchFamily="49" charset="0"/>
                 <a:ea typeface="Calibri" panose="020F0502020204030204" pitchFamily="34" charset="0"/>
+                <a:cs typeface="Courier New" panose="02070309020205020404" pitchFamily="49" charset="0"/>
               </a:rPr>
               <a:t>Calculate variance for aggregated triple variance</a:t>
             </a:r>
             <a:r>
               <a:rPr lang="en-GB" sz="2400" dirty="0">
-                <a:latin typeface="Arial" panose="020B0604020202020204" pitchFamily="34" charset="0"/>
+                <a:solidFill>
+                  <a:srgbClr val="000000"/>
+                </a:solidFill>
+                <a:latin typeface="Courier New" panose="02070309020205020404" pitchFamily="49" charset="0"/>
                 <a:ea typeface="Calibri" panose="020F0502020204030204" pitchFamily="34" charset="0"/>
+                <a:cs typeface="Courier New" panose="02070309020205020404" pitchFamily="49" charset="0"/>
               </a:rPr>
               <a:t> </a:t>
             </a:r>
@@ -10032,9 +10092,13 @@
             </a:pPr>
             <a:r>
               <a:rPr lang="en-GB" sz="2400" dirty="0">
+                <a:solidFill>
+                  <a:srgbClr val="000000"/>
+                </a:solidFill>
                 <a:effectLst/>
-                <a:latin typeface="Arial" panose="020B0604020202020204" pitchFamily="34" charset="0"/>
+                <a:latin typeface="Courier New" panose="02070309020205020404" pitchFamily="49" charset="0"/>
                 <a:ea typeface="Calibri" panose="020F0502020204030204" pitchFamily="34" charset="0"/>
+                <a:cs typeface="Courier New" panose="02070309020205020404" pitchFamily="49" charset="0"/>
               </a:rPr>
               <a:t>Get triples keys which are below threshold tau</a:t>
             </a:r>
@@ -10050,9 +10114,13 @@
             </a:pPr>
             <a:r>
               <a:rPr lang="en-GB" sz="2400" dirty="0">
+                <a:solidFill>
+                  <a:srgbClr val="000000"/>
+                </a:solidFill>
                 <a:effectLst/>
-                <a:latin typeface="Arial" panose="020B0604020202020204" pitchFamily="34" charset="0"/>
+                <a:latin typeface="Courier New" panose="02070309020205020404" pitchFamily="49" charset="0"/>
                 <a:ea typeface="Calibri" panose="020F0502020204030204" pitchFamily="34" charset="0"/>
+                <a:cs typeface="Courier New" panose="02070309020205020404" pitchFamily="49" charset="0"/>
               </a:rPr>
               <a:t>Return triples of vector ids &lt;X,Y,Z&gt;</a:t>
             </a:r>
@@ -10192,6 +10260,361 @@
               <a:latin typeface="Calibri" charset="0"/>
               <a:ea typeface="ＭＳ Ｐゴシック" charset="-128"/>
               <a:cs typeface="+mn-cs"/>
+            </a:endParaRPr>
+          </a:p>
+          <a:p>
+            <a:pPr marL="0" marR="0" lvl="0" indent="0" algn="l" defTabSz="2949575" rtl="0" eaLnBrk="1" fontAlgn="base" latinLnBrk="0" hangingPunct="1">
+              <a:lnSpc>
+                <a:spcPts val="3200"/>
+              </a:lnSpc>
+              <a:spcBef>
+                <a:spcPct val="0"/>
+              </a:spcBef>
+              <a:spcAft>
+                <a:spcPct val="0"/>
+              </a:spcAft>
+              <a:buClrTx/>
+              <a:buSzTx/>
+              <a:buFontTx/>
+              <a:buNone/>
+              <a:tabLst/>
+              <a:defRPr/>
+            </a:pPr>
+            <a:endParaRPr kumimoji="0" lang="en-US" sz="2400" b="0" i="0" u="none" strike="noStrike" kern="1200" cap="none" spc="0" normalizeH="0" baseline="0" noProof="0" dirty="0">
+              <a:ln>
+                <a:noFill/>
+              </a:ln>
+              <a:solidFill>
+                <a:srgbClr val="000000"/>
+              </a:solidFill>
+              <a:effectLst/>
+              <a:uLnTx/>
+              <a:uFillTx/>
+              <a:latin typeface="Calibri" charset="0"/>
+              <a:ea typeface="ＭＳ Ｐゴシック" charset="-128"/>
+              <a:cs typeface="+mn-cs"/>
+            </a:endParaRPr>
+          </a:p>
+        </p:txBody>
+      </p:sp>
+      <p:sp>
+        <p:nvSpPr>
+          <p:cNvPr id="17" name="Text Box 9">
+            <a:extLst>
+              <a:ext uri="{FF2B5EF4-FFF2-40B4-BE49-F238E27FC236}">
+                <a16:creationId xmlns:a16="http://schemas.microsoft.com/office/drawing/2014/main" id="{82A40F8D-61B4-79DC-1464-3EB376A02EB6}"/>
+              </a:ext>
+            </a:extLst>
+          </p:cNvPr>
+          <p:cNvSpPr txBox="1">
+            <a:spLocks noChangeArrowheads="1"/>
+          </p:cNvSpPr>
+          <p:nvPr/>
+        </p:nvSpPr>
+        <p:spPr bwMode="auto">
+          <a:xfrm>
+            <a:off x="9769599" y="26235601"/>
+            <a:ext cx="11237538" cy="3663829"/>
+          </a:xfrm>
+          <a:prstGeom prst="rect">
+            <a:avLst/>
+          </a:prstGeom>
+          <a:noFill/>
+          <a:ln w="9525">
+            <a:noFill/>
+            <a:miter lim="800000"/>
+            <a:headEnd/>
+            <a:tailEnd/>
+          </a:ln>
+        </p:spPr>
+        <p:txBody>
+          <a:bodyPr lIns="0" tIns="0" rIns="0" bIns="0"/>
+          <a:lstStyle/>
+          <a:p>
+            <a:pPr defTabSz="2949575">
+              <a:lnSpc>
+                <a:spcPts val="4400"/>
+              </a:lnSpc>
+              <a:defRPr/>
+            </a:pPr>
+            <a:r>
+              <a:rPr lang="en-US" sz="3200" b="1" dirty="0">
+                <a:solidFill>
+                  <a:srgbClr val="0066CC"/>
+                </a:solidFill>
+                <a:latin typeface="Calibri" charset="0"/>
+              </a:rPr>
+              <a:t>Ethical and other aspects</a:t>
+            </a:r>
+          </a:p>
+          <a:p>
+            <a:pPr marL="0" marR="0" lvl="0" indent="0" algn="l" defTabSz="2949575" rtl="0" eaLnBrk="1" fontAlgn="base" latinLnBrk="0" hangingPunct="1">
+              <a:lnSpc>
+                <a:spcPts val="3200"/>
+              </a:lnSpc>
+              <a:spcBef>
+                <a:spcPct val="0"/>
+              </a:spcBef>
+              <a:spcAft>
+                <a:spcPct val="0"/>
+              </a:spcAft>
+              <a:buClrTx/>
+              <a:buSzTx/>
+              <a:buFontTx/>
+              <a:buNone/>
+              <a:tabLst/>
+              <a:defRPr/>
+            </a:pPr>
+            <a:r>
+              <a:rPr kumimoji="0" lang="en-US" sz="2400" b="1" i="0" u="none" strike="noStrike" kern="1200" cap="none" spc="0" normalizeH="0" baseline="0" noProof="0" dirty="0">
+                <a:ln>
+                  <a:noFill/>
+                </a:ln>
+                <a:solidFill>
+                  <a:srgbClr val="000000"/>
+                </a:solidFill>
+                <a:effectLst/>
+                <a:uLnTx/>
+                <a:uFillTx/>
+                <a:latin typeface="Calibri" charset="0"/>
+                <a:ea typeface="ＭＳ Ｐゴシック" charset="-128"/>
+                <a:cs typeface="+mn-cs"/>
+              </a:rPr>
+              <a:t>Bold</a:t>
+            </a:r>
+            <a:endParaRPr lang="en-US" sz="4400" b="1" dirty="0">
+              <a:solidFill>
+                <a:srgbClr val="0066CC"/>
+              </a:solidFill>
+              <a:latin typeface="Calibri" charset="0"/>
+            </a:endParaRPr>
+          </a:p>
+          <a:p>
+            <a:pPr marL="0" marR="0" lvl="0" indent="0" algn="l" defTabSz="2949575" rtl="0" eaLnBrk="1" fontAlgn="base" latinLnBrk="0" hangingPunct="1">
+              <a:lnSpc>
+                <a:spcPts val="3200"/>
+              </a:lnSpc>
+              <a:spcBef>
+                <a:spcPct val="0"/>
+              </a:spcBef>
+              <a:spcAft>
+                <a:spcPct val="0"/>
+              </a:spcAft>
+              <a:buClrTx/>
+              <a:buSzTx/>
+              <a:buFontTx/>
+              <a:buNone/>
+              <a:tabLst/>
+              <a:defRPr/>
+            </a:pPr>
+            <a:endParaRPr lang="en-US" sz="2400" dirty="0">
+              <a:solidFill>
+                <a:srgbClr val="000000"/>
+              </a:solidFill>
+              <a:latin typeface="Calibri" charset="0"/>
+            </a:endParaRPr>
+          </a:p>
+          <a:p>
+            <a:pPr marL="0" marR="0" lvl="0" indent="0" algn="l" defTabSz="2949575" rtl="0" eaLnBrk="1" fontAlgn="base" latinLnBrk="0" hangingPunct="1">
+              <a:lnSpc>
+                <a:spcPts val="3200"/>
+              </a:lnSpc>
+              <a:spcBef>
+                <a:spcPct val="0"/>
+              </a:spcBef>
+              <a:spcAft>
+                <a:spcPct val="0"/>
+              </a:spcAft>
+              <a:buClrTx/>
+              <a:buSzTx/>
+              <a:buFontTx/>
+              <a:buNone/>
+              <a:tabLst/>
+              <a:defRPr/>
+            </a:pPr>
+            <a:endParaRPr lang="en-US" sz="2400" dirty="0">
+              <a:solidFill>
+                <a:srgbClr val="000000"/>
+              </a:solidFill>
+              <a:latin typeface="Calibri" charset="0"/>
+            </a:endParaRPr>
+          </a:p>
+          <a:p>
+            <a:pPr marL="0" marR="0" lvl="0" indent="0" algn="l" defTabSz="2949575" rtl="0" eaLnBrk="1" fontAlgn="base" latinLnBrk="0" hangingPunct="1">
+              <a:lnSpc>
+                <a:spcPts val="3200"/>
+              </a:lnSpc>
+              <a:spcBef>
+                <a:spcPct val="0"/>
+              </a:spcBef>
+              <a:spcAft>
+                <a:spcPct val="0"/>
+              </a:spcAft>
+              <a:buClrTx/>
+              <a:buSzTx/>
+              <a:buFontTx/>
+              <a:buNone/>
+              <a:tabLst/>
+              <a:defRPr/>
+            </a:pPr>
+            <a:endParaRPr lang="en-US" sz="2400" dirty="0">
+              <a:solidFill>
+                <a:srgbClr val="000000"/>
+              </a:solidFill>
+              <a:latin typeface="Calibri" charset="0"/>
+            </a:endParaRPr>
+          </a:p>
+          <a:p>
+            <a:pPr marL="0" marR="0" lvl="0" indent="0" algn="l" defTabSz="2949575" rtl="0" eaLnBrk="1" fontAlgn="base" latinLnBrk="0" hangingPunct="1">
+              <a:lnSpc>
+                <a:spcPts val="3200"/>
+              </a:lnSpc>
+              <a:spcBef>
+                <a:spcPct val="0"/>
+              </a:spcBef>
+              <a:spcAft>
+                <a:spcPct val="0"/>
+              </a:spcAft>
+              <a:buClrTx/>
+              <a:buSzTx/>
+              <a:buFontTx/>
+              <a:buNone/>
+              <a:tabLst/>
+              <a:defRPr/>
+            </a:pPr>
+            <a:endParaRPr lang="en-US" sz="2400" dirty="0">
+              <a:solidFill>
+                <a:srgbClr val="000000"/>
+              </a:solidFill>
+              <a:latin typeface="Calibri" charset="0"/>
+            </a:endParaRPr>
+          </a:p>
+          <a:p>
+            <a:pPr marL="0" marR="0" lvl="0" indent="0" algn="l" defTabSz="2949575" rtl="0" eaLnBrk="1" fontAlgn="base" latinLnBrk="0" hangingPunct="1">
+              <a:lnSpc>
+                <a:spcPts val="3200"/>
+              </a:lnSpc>
+              <a:spcBef>
+                <a:spcPct val="0"/>
+              </a:spcBef>
+              <a:spcAft>
+                <a:spcPct val="0"/>
+              </a:spcAft>
+              <a:buClrTx/>
+              <a:buSzTx/>
+              <a:buFontTx/>
+              <a:buNone/>
+              <a:tabLst/>
+              <a:defRPr/>
+            </a:pPr>
+            <a:endParaRPr lang="en-US" sz="2400" dirty="0">
+              <a:solidFill>
+                <a:srgbClr val="000000"/>
+              </a:solidFill>
+              <a:latin typeface="Calibri" charset="0"/>
+            </a:endParaRPr>
+          </a:p>
+          <a:p>
+            <a:pPr marL="0" marR="0" lvl="0" indent="0" algn="l" defTabSz="2949575" rtl="0" eaLnBrk="1" fontAlgn="base" latinLnBrk="0" hangingPunct="1">
+              <a:lnSpc>
+                <a:spcPts val="3200"/>
+              </a:lnSpc>
+              <a:spcBef>
+                <a:spcPct val="0"/>
+              </a:spcBef>
+              <a:spcAft>
+                <a:spcPct val="0"/>
+              </a:spcAft>
+              <a:buClrTx/>
+              <a:buSzTx/>
+              <a:buFontTx/>
+              <a:buNone/>
+              <a:tabLst/>
+              <a:defRPr/>
+            </a:pPr>
+            <a:endParaRPr lang="en-US" sz="2400" dirty="0">
+              <a:solidFill>
+                <a:srgbClr val="000000"/>
+              </a:solidFill>
+              <a:latin typeface="Calibri" charset="0"/>
+            </a:endParaRPr>
+          </a:p>
+          <a:p>
+            <a:pPr marL="0" marR="0" lvl="0" indent="0" algn="l" defTabSz="2949575" rtl="0" eaLnBrk="1" fontAlgn="base" latinLnBrk="0" hangingPunct="1">
+              <a:lnSpc>
+                <a:spcPts val="3200"/>
+              </a:lnSpc>
+              <a:spcBef>
+                <a:spcPct val="0"/>
+              </a:spcBef>
+              <a:spcAft>
+                <a:spcPct val="0"/>
+              </a:spcAft>
+              <a:buClrTx/>
+              <a:buSzTx/>
+              <a:buFontTx/>
+              <a:buNone/>
+              <a:tabLst/>
+              <a:defRPr/>
+            </a:pPr>
+            <a:endParaRPr lang="en-US" sz="2400" dirty="0">
+              <a:solidFill>
+                <a:srgbClr val="000000"/>
+              </a:solidFill>
+              <a:latin typeface="Calibri" charset="0"/>
+            </a:endParaRPr>
+          </a:p>
+          <a:p>
+            <a:pPr marL="0" marR="0" lvl="0" indent="0" algn="l" defTabSz="2949575" rtl="0" eaLnBrk="1" fontAlgn="base" latinLnBrk="0" hangingPunct="1">
+              <a:lnSpc>
+                <a:spcPts val="3200"/>
+              </a:lnSpc>
+              <a:spcBef>
+                <a:spcPct val="0"/>
+              </a:spcBef>
+              <a:spcAft>
+                <a:spcPct val="0"/>
+              </a:spcAft>
+              <a:buClrTx/>
+              <a:buSzTx/>
+              <a:buFontTx/>
+              <a:buNone/>
+              <a:tabLst/>
+              <a:defRPr/>
+            </a:pPr>
+            <a:endParaRPr lang="en-US" sz="2400" dirty="0">
+              <a:solidFill>
+                <a:srgbClr val="000000"/>
+              </a:solidFill>
+              <a:latin typeface="Calibri" charset="0"/>
+            </a:endParaRPr>
+          </a:p>
+          <a:p>
+            <a:pPr algn="ctr" rtl="0" fontAlgn="base">
+              <a:lnSpc>
+                <a:spcPts val="2400"/>
+              </a:lnSpc>
+              <a:spcBef>
+                <a:spcPts val="0"/>
+              </a:spcBef>
+              <a:spcAft>
+                <a:spcPts val="0"/>
+              </a:spcAft>
+            </a:pPr>
+            <a:r>
+              <a:rPr lang="en-US" sz="1800" kern="1200" dirty="0">
+                <a:solidFill>
+                  <a:srgbClr val="000000"/>
+                </a:solidFill>
+                <a:effectLst/>
+                <a:latin typeface="Calibri" panose="020F0502020204030204" pitchFamily="34" charset="0"/>
+                <a:ea typeface="ＭＳ Ｐゴシック" panose="020B0600070205080204" pitchFamily="34" charset="-128"/>
+                <a:cs typeface="+mn-cs"/>
+              </a:rPr>
+              <a:t>Figure 1, Figure description</a:t>
+            </a:r>
+            <a:endParaRPr lang="en-US" sz="800" dirty="0">
+              <a:effectLst/>
             </a:endParaRPr>
           </a:p>
           <a:p>

--- a/Poster/BDM_poster.pptx
+++ b/Poster/BDM_poster.pptx
@@ -6997,8 +6997,8 @@
         </p:nvSpPr>
         <p:spPr bwMode="auto">
           <a:xfrm>
-            <a:off x="247950" y="7704907"/>
-            <a:ext cx="8784976" cy="5544615"/>
+            <a:off x="247950" y="7704908"/>
+            <a:ext cx="8784976" cy="4721196"/>
           </a:xfrm>
           <a:prstGeom prst="rect">
             <a:avLst/>
@@ -7030,48 +7030,6 @@
               </a:rPr>
               <a:t>Creating a data frame/dataset and RDD</a:t>
             </a:r>
-          </a:p>
-          <a:p>
-            <a:pPr marL="0" marR="0" lvl="0" indent="0" algn="l" defTabSz="2949575" rtl="0" eaLnBrk="1" fontAlgn="base" latinLnBrk="0" hangingPunct="1">
-              <a:lnSpc>
-                <a:spcPts val="3200"/>
-              </a:lnSpc>
-              <a:spcBef>
-                <a:spcPct val="0"/>
-              </a:spcBef>
-              <a:spcAft>
-                <a:spcPct val="0"/>
-              </a:spcAft>
-              <a:buClrTx/>
-              <a:buSzTx/>
-              <a:buFontTx/>
-              <a:buNone/>
-              <a:tabLst/>
-              <a:defRPr/>
-            </a:pPr>
-            <a:r>
-              <a:rPr kumimoji="0" lang="en-US" sz="2000" b="1" i="0" u="none" strike="noStrike" kern="1200" cap="none" spc="0" normalizeH="0" baseline="0" noProof="0" dirty="0">
-                <a:ln>
-                  <a:noFill/>
-                </a:ln>
-                <a:solidFill>
-                  <a:srgbClr val="000000"/>
-                </a:solidFill>
-                <a:effectLst/>
-                <a:uLnTx/>
-                <a:uFillTx/>
-                <a:latin typeface="Calibri" charset="0"/>
-                <a:ea typeface="ＭＳ Ｐゴシック" charset="-128"/>
-                <a:cs typeface="+mn-cs"/>
-              </a:rPr>
-              <a:t>Bold</a:t>
-            </a:r>
-            <a:endParaRPr lang="en-US" sz="4000" b="1" dirty="0">
-              <a:solidFill>
-                <a:srgbClr val="0066CC"/>
-              </a:solidFill>
-              <a:latin typeface="Calibri" charset="0"/>
-            </a:endParaRPr>
           </a:p>
           <a:p>
             <a:pPr defTabSz="2949575">
@@ -7127,44 +7085,6 @@
             </a:endParaRPr>
           </a:p>
           <a:p>
-            <a:pPr defTabSz="2949575">
-              <a:lnSpc>
-                <a:spcPts val="3200"/>
-              </a:lnSpc>
-              <a:defRPr/>
-            </a:pPr>
-            <a:endParaRPr lang="en-NL" sz="1800" dirty="0">
-              <a:effectLst/>
-              <a:latin typeface="Arial" panose="020B0604020202020204" pitchFamily="34" charset="0"/>
-              <a:ea typeface="Calibri" panose="020F0502020204030204" pitchFamily="34" charset="0"/>
-            </a:endParaRPr>
-          </a:p>
-          <a:p>
-            <a:pPr marL="0" marR="0" lvl="0" indent="0" algn="l" defTabSz="2949575" rtl="0" eaLnBrk="1" fontAlgn="base" latinLnBrk="0" hangingPunct="1">
-              <a:lnSpc>
-                <a:spcPts val="3200"/>
-              </a:lnSpc>
-              <a:spcBef>
-                <a:spcPct val="0"/>
-              </a:spcBef>
-              <a:spcAft>
-                <a:spcPct val="0"/>
-              </a:spcAft>
-              <a:buClrTx/>
-              <a:buSzTx/>
-              <a:buFontTx/>
-              <a:buNone/>
-              <a:tabLst/>
-              <a:defRPr/>
-            </a:pPr>
-            <a:endParaRPr lang="en-US" sz="2000" dirty="0">
-              <a:solidFill>
-                <a:srgbClr val="000000"/>
-              </a:solidFill>
-              <a:latin typeface="Calibri" charset="0"/>
-            </a:endParaRPr>
-          </a:p>
-          <a:p>
             <a:pPr algn="ctr" rtl="0" fontAlgn="base">
               <a:lnSpc>
                 <a:spcPts val="2400"/>
@@ -7176,18 +7096,6 @@
                 <a:spcPts val="0"/>
               </a:spcAft>
             </a:pPr>
-            <a:r>
-              <a:rPr lang="en-US" sz="1600" kern="1200" dirty="0">
-                <a:solidFill>
-                  <a:srgbClr val="000000"/>
-                </a:solidFill>
-                <a:effectLst/>
-                <a:latin typeface="Calibri" panose="020F0502020204030204" pitchFamily="34" charset="0"/>
-                <a:ea typeface="ＭＳ Ｐゴシック" panose="020B0600070205080204" pitchFamily="34" charset="-128"/>
-                <a:cs typeface="+mn-cs"/>
-              </a:rPr>
-              <a:t>Figure 1, Figure description</a:t>
-            </a:r>
             <a:endParaRPr lang="en-US" sz="700" dirty="0">
               <a:effectLst/>
             </a:endParaRPr>
@@ -7296,21 +7204,13 @@
               <a:defRPr/>
             </a:pPr>
             <a:r>
-              <a:rPr kumimoji="0" lang="en-US" sz="2400" b="1" i="0" u="none" strike="noStrike" kern="1200" cap="none" spc="0" normalizeH="0" baseline="0" noProof="0" dirty="0">
-                <a:ln>
-                  <a:noFill/>
-                </a:ln>
+              <a:rPr lang="en-US" sz="2400" b="1" dirty="0">
                 <a:solidFill>
                   <a:srgbClr val="000000"/>
                 </a:solidFill>
-                <a:effectLst/>
-                <a:uLnTx/>
-                <a:uFillTx/>
                 <a:latin typeface="Calibri" charset="0"/>
-                <a:ea typeface="ＭＳ Ｐゴシック" charset="-128"/>
-                <a:cs typeface="+mn-cs"/>
               </a:rPr>
-              <a:t>Bold</a:t>
+              <a:t>Architecture</a:t>
             </a:r>
             <a:endParaRPr lang="en-US" sz="4400" b="1" dirty="0">
               <a:solidFill>
@@ -7598,7 +7498,7 @@
         </p:nvSpPr>
         <p:spPr bwMode="auto">
           <a:xfrm>
-            <a:off x="247950" y="13669516"/>
+            <a:off x="247950" y="12426103"/>
             <a:ext cx="9293322" cy="12874060"/>
           </a:xfrm>
           <a:prstGeom prst="rect">
@@ -7751,7 +7651,14 @@
                 <a:latin typeface="Arial" panose="020B0604020202020204" pitchFamily="34" charset="0"/>
                 <a:ea typeface="Calibri" panose="020F0502020204030204" pitchFamily="34" charset="0"/>
               </a:rPr>
-              <a:t> </a:t>
+              <a:t> Differen</a:t>
+            </a:r>
+            <a:r>
+              <a:rPr lang="en-GB" sz="2400" dirty="0">
+                <a:latin typeface="Arial" panose="020B0604020202020204" pitchFamily="34" charset="0"/>
+                <a:ea typeface="Calibri" panose="020F0502020204030204" pitchFamily="34" charset="0"/>
+              </a:rPr>
+              <a:t>t optimization techniques have been applied to the Python version like indexing, repartition and storing in temporary view.</a:t>
             </a:r>
             <a:endParaRPr lang="en-NL" sz="2400" dirty="0">
               <a:effectLst/>
@@ -8422,13 +8329,13 @@
           <p:nvPr>
             <p:extLst>
               <p:ext uri="{D42A27DB-BD31-4B8C-83A1-F6EECF244321}">
-                <p14:modId xmlns:p14="http://schemas.microsoft.com/office/powerpoint/2010/main" val="134773058"/>
+                <p14:modId xmlns:p14="http://schemas.microsoft.com/office/powerpoint/2010/main" val="3905716400"/>
               </p:ext>
             </p:extLst>
           </p:nvPr>
         </p:nvGraphicFramePr>
         <p:xfrm>
-          <a:off x="247950" y="11220392"/>
+          <a:off x="191273" y="10800654"/>
           <a:ext cx="4308810" cy="1567528"/>
         </p:xfrm>
         <a:graphic>
@@ -8941,7 +8848,7 @@
         </p:nvSpPr>
         <p:spPr bwMode="auto">
           <a:xfrm>
-            <a:off x="4774929" y="11785537"/>
+            <a:off x="4652395" y="11433358"/>
             <a:ext cx="432048" cy="360040"/>
           </a:xfrm>
           <a:prstGeom prst="rightArrow">
@@ -9013,13 +8920,13 @@
           <p:nvPr>
             <p:extLst>
               <p:ext uri="{D42A27DB-BD31-4B8C-83A1-F6EECF244321}">
-                <p14:modId xmlns:p14="http://schemas.microsoft.com/office/powerpoint/2010/main" val="3977937001"/>
+                <p14:modId xmlns:p14="http://schemas.microsoft.com/office/powerpoint/2010/main" val="1986825254"/>
               </p:ext>
             </p:extLst>
           </p:nvPr>
         </p:nvGraphicFramePr>
         <p:xfrm>
-          <a:off x="5425146" y="11191431"/>
+          <a:off x="5444483" y="10800654"/>
           <a:ext cx="4116126" cy="1625449"/>
         </p:xfrm>
         <a:graphic>
@@ -10652,6 +10559,42 @@
           </a:p>
         </p:txBody>
       </p:sp>
+      <p:pic>
+        <p:nvPicPr>
+          <p:cNvPr id="19" name="Picture 18" descr="Diagram&#10;&#10;Description automatically generated">
+            <a:extLst>
+              <a:ext uri="{FF2B5EF4-FFF2-40B4-BE49-F238E27FC236}">
+                <a16:creationId xmlns:a16="http://schemas.microsoft.com/office/drawing/2014/main" id="{76BCB943-0D2B-D73D-61A8-A3AD1A0244DD}"/>
+              </a:ext>
+            </a:extLst>
+          </p:cNvPr>
+          <p:cNvPicPr>
+            <a:picLocks noChangeAspect="1"/>
+          </p:cNvPicPr>
+          <p:nvPr/>
+        </p:nvPicPr>
+        <p:blipFill>
+          <a:blip r:embed="rId3">
+            <a:extLst>
+              <a:ext uri="{28A0092B-C50C-407E-A947-70E740481C1C}">
+                <a14:useLocalDpi xmlns:a14="http://schemas.microsoft.com/office/drawing/2010/main" val="0"/>
+              </a:ext>
+            </a:extLst>
+          </a:blip>
+          <a:stretch>
+            <a:fillRect/>
+          </a:stretch>
+        </p:blipFill>
+        <p:spPr>
+          <a:xfrm>
+            <a:off x="9769599" y="9152962"/>
+            <a:ext cx="11617201" cy="1632352"/>
+          </a:xfrm>
+          <a:prstGeom prst="rect">
+            <a:avLst/>
+          </a:prstGeom>
+        </p:spPr>
+      </p:pic>
     </p:spTree>
   </p:cSld>
   <p:clrMapOvr>

--- a/Poster/BDM_poster.pptx
+++ b/Poster/BDM_poster.pptx
@@ -6933,13 +6933,85 @@
               </a:lnSpc>
             </a:pPr>
             <a:r>
-              <a:rPr lang="en-US" sz="2800" b="1" dirty="0">
+              <a:rPr lang="en-US" sz="1800" b="1" dirty="0">
                 <a:solidFill>
                   <a:srgbClr val="FFFFFF"/>
                 </a:solidFill>
                 <a:latin typeface="Calibri" charset="0"/>
               </a:rPr>
-              <a:t>Thomas de Lange (2648586) &amp; Dalton Harmsen (1293885) &amp; Roëlle Bänffer (1523198) &amp; &amp; &amp;</a:t>
+              <a:t>Group 23 - Thomas de Lange (2648586) &amp; Dalton Harmsen (1293885) &amp; Roëlle Bänffer (1523198) &amp; </a:t>
+            </a:r>
+            <a:r>
+              <a:rPr lang="en-US" sz="1800" b="1" dirty="0" err="1">
+                <a:solidFill>
+                  <a:srgbClr val="FFFFFF"/>
+                </a:solidFill>
+                <a:latin typeface="Calibri" charset="0"/>
+              </a:rPr>
+              <a:t>Lieke</a:t>
+            </a:r>
+            <a:r>
+              <a:rPr lang="en-US" sz="1800" b="1" dirty="0">
+                <a:solidFill>
+                  <a:srgbClr val="FFFFFF"/>
+                </a:solidFill>
+                <a:latin typeface="Calibri" charset="0"/>
+              </a:rPr>
+              <a:t> van den </a:t>
+            </a:r>
+            <a:r>
+              <a:rPr lang="en-US" sz="1800" b="1" dirty="0" err="1">
+                <a:solidFill>
+                  <a:srgbClr val="FFFFFF"/>
+                </a:solidFill>
+                <a:latin typeface="Calibri" charset="0"/>
+              </a:rPr>
+              <a:t>Biggelaar</a:t>
+            </a:r>
+            <a:r>
+              <a:rPr lang="en-US" sz="1800" b="1" dirty="0">
+                <a:solidFill>
+                  <a:srgbClr val="FFFFFF"/>
+                </a:solidFill>
+                <a:latin typeface="Calibri" charset="0"/>
+              </a:rPr>
+              <a:t> (0000000) &amp; Rik </a:t>
+            </a:r>
+            <a:r>
+              <a:rPr lang="en-US" sz="1800" b="1" dirty="0" err="1">
+                <a:solidFill>
+                  <a:srgbClr val="FFFFFF"/>
+                </a:solidFill>
+                <a:latin typeface="Calibri" charset="0"/>
+              </a:rPr>
+              <a:t>Litjens</a:t>
+            </a:r>
+            <a:r>
+              <a:rPr lang="en-US" sz="1800" b="1" dirty="0">
+                <a:solidFill>
+                  <a:srgbClr val="FFFFFF"/>
+                </a:solidFill>
+                <a:latin typeface="Calibri" charset="0"/>
+              </a:rPr>
+              <a:t> (0000000) &amp; Marco </a:t>
+            </a:r>
+            <a:r>
+              <a:rPr lang="en-US" sz="1800" b="1" dirty="0" err="1">
+                <a:solidFill>
+                  <a:srgbClr val="FFFFFF"/>
+                </a:solidFill>
+                <a:latin typeface="Calibri" charset="0"/>
+              </a:rPr>
+              <a:t>Pleket</a:t>
+            </a:r>
+            <a:r>
+              <a:rPr lang="en-US" sz="1800" b="1" dirty="0">
+                <a:solidFill>
+                  <a:srgbClr val="FFFFFF"/>
+                </a:solidFill>
+                <a:latin typeface="Calibri" charset="0"/>
+              </a:rPr>
+              <a:t> (0000000)</a:t>
             </a:r>
           </a:p>
         </p:txBody>

--- a/Poster/BDM_poster.pptx
+++ b/Poster/BDM_poster.pptx
@@ -6975,7 +6975,7 @@
                 </a:solidFill>
                 <a:latin typeface="Calibri" charset="0"/>
               </a:rPr>
-              <a:t> (0000000) &amp; Rik </a:t>
+              <a:t> (1479652) &amp; Rik </a:t>
             </a:r>
             <a:r>
               <a:rPr lang="en-US" sz="1800" b="1" dirty="0" err="1">
@@ -6993,7 +6993,7 @@
                 </a:solidFill>
                 <a:latin typeface="Calibri" charset="0"/>
               </a:rPr>
-              <a:t> (0000000) &amp; Marco </a:t>
+              <a:t> (1317059) &amp; Marco </a:t>
             </a:r>
             <a:r>
               <a:rPr lang="en-US" sz="1800" b="1" dirty="0" err="1">
@@ -7011,7 +7011,7 @@
                 </a:solidFill>
                 <a:latin typeface="Calibri" charset="0"/>
               </a:rPr>
-              <a:t> (0000000)</a:t>
+              <a:t> (1295713)</a:t>
             </a:r>
           </a:p>
         </p:txBody>
@@ -10161,54 +10161,6 @@
             </a:r>
           </a:p>
           <a:p>
-            <a:pPr marL="285750" indent="-285750" defTabSz="2949575">
-              <a:lnSpc>
-                <a:spcPts val="3200"/>
-              </a:lnSpc>
-              <a:buFontTx/>
-              <a:buChar char="-"/>
-              <a:defRPr/>
-            </a:pPr>
-            <a:endParaRPr lang="en-NL" sz="1800" dirty="0">
-              <a:effectLst/>
-              <a:latin typeface="Arial" panose="020B0604020202020204" pitchFamily="34" charset="0"/>
-              <a:ea typeface="Calibri" panose="020F0502020204030204" pitchFamily="34" charset="0"/>
-            </a:endParaRPr>
-          </a:p>
-          <a:p>
-            <a:pPr marL="0" marR="0" lvl="0" indent="0" algn="l" defTabSz="2949575" rtl="0" eaLnBrk="1" fontAlgn="base" latinLnBrk="0" hangingPunct="1">
-              <a:lnSpc>
-                <a:spcPts val="3200"/>
-              </a:lnSpc>
-              <a:spcBef>
-                <a:spcPct val="0"/>
-              </a:spcBef>
-              <a:spcAft>
-                <a:spcPct val="0"/>
-              </a:spcAft>
-              <a:buClrTx/>
-              <a:buSzTx/>
-              <a:buFontTx/>
-              <a:buNone/>
-              <a:tabLst/>
-              <a:defRPr/>
-            </a:pPr>
-            <a:endParaRPr kumimoji="0" lang="en-NL" sz="1800" b="0" i="0" u="none" strike="noStrike" kern="1200" cap="none" spc="0" normalizeH="0" baseline="0" noProof="0" dirty="0">
-              <a:ln>
-                <a:noFill/>
-              </a:ln>
-              <a:solidFill>
-                <a:srgbClr val="101073"/>
-              </a:solidFill>
-              <a:effectLst/>
-              <a:uLnTx/>
-              <a:uFillTx/>
-              <a:latin typeface="Arial" panose="020B0604020202020204" pitchFamily="34" charset="0"/>
-              <a:ea typeface="Calibri" panose="020F0502020204030204" pitchFamily="34" charset="0"/>
-              <a:cs typeface="+mn-cs"/>
-            </a:endParaRPr>
-          </a:p>
-          <a:p>
             <a:pPr marL="0" marR="0" lvl="0" indent="0" algn="l" defTabSz="2949575" rtl="0" eaLnBrk="1" fontAlgn="base" latinLnBrk="0" hangingPunct="1">
               <a:lnSpc>
                 <a:spcPts val="3200"/>
@@ -10292,8 +10244,8 @@
         </p:nvSpPr>
         <p:spPr bwMode="auto">
           <a:xfrm>
-            <a:off x="9769599" y="26235601"/>
-            <a:ext cx="11237538" cy="3663829"/>
+            <a:off x="9769599" y="24901921"/>
+            <a:ext cx="11237538" cy="4981450"/>
           </a:xfrm>
           <a:prstGeom prst="rect">
             <a:avLst/>
@@ -10411,15 +10363,26 @@
               <a:tabLst/>
               <a:defRPr/>
             </a:pPr>
-            <a:endParaRPr lang="en-US" sz="2400" dirty="0">
-              <a:solidFill>
-                <a:srgbClr val="000000"/>
-              </a:solidFill>
-              <a:latin typeface="Calibri" charset="0"/>
-            </a:endParaRPr>
+            <a:r>
+              <a:rPr kumimoji="0" lang="en-US" sz="2400" b="0" i="0" u="none" strike="noStrike" kern="1200" cap="none" spc="0" normalizeH="0" baseline="0" noProof="0" dirty="0">
+                <a:ln>
+                  <a:noFill/>
+                </a:ln>
+                <a:solidFill>
+                  <a:srgbClr val="101073"/>
+                </a:solidFill>
+                <a:effectLst/>
+                <a:uLnTx/>
+                <a:uFillTx/>
+                <a:latin typeface="Arial" panose="020B0604020202020204" pitchFamily="34" charset="0"/>
+                <a:ea typeface="Calibri" panose="020F0502020204030204" pitchFamily="34" charset="0"/>
+                <a:cs typeface="+mn-cs"/>
+              </a:rPr>
+              <a:t>To compute variances for a large dataset, there are various options:</a:t>
+            </a:r>
           </a:p>
           <a:p>
-            <a:pPr marL="0" marR="0" lvl="0" indent="0" algn="l" defTabSz="2949575" rtl="0" eaLnBrk="1" fontAlgn="base" latinLnBrk="0" hangingPunct="1">
+            <a:pPr marL="342900" marR="0" lvl="0" indent="-342900" algn="l" defTabSz="2949575" rtl="0" eaLnBrk="1" fontAlgn="base" latinLnBrk="0" hangingPunct="1">
               <a:lnSpc>
                 <a:spcPts val="3200"/>
               </a:lnSpc>
@@ -10432,19 +10395,30 @@
               <a:buClrTx/>
               <a:buSzTx/>
               <a:buFontTx/>
-              <a:buNone/>
+              <a:buChar char="-"/>
               <a:tabLst/>
               <a:defRPr/>
             </a:pPr>
-            <a:endParaRPr lang="en-US" sz="2400" dirty="0">
-              <a:solidFill>
-                <a:srgbClr val="000000"/>
-              </a:solidFill>
-              <a:latin typeface="Calibri" charset="0"/>
-            </a:endParaRPr>
+            <a:r>
+              <a:rPr kumimoji="0" lang="en-US" sz="2400" b="0" i="0" u="none" strike="noStrike" kern="1200" cap="none" spc="0" normalizeH="0" baseline="0" noProof="0" dirty="0">
+                <a:ln>
+                  <a:noFill/>
+                </a:ln>
+                <a:solidFill>
+                  <a:srgbClr val="101073"/>
+                </a:solidFill>
+                <a:effectLst/>
+                <a:uLnTx/>
+                <a:uFillTx/>
+                <a:latin typeface="Arial" panose="020B0604020202020204" pitchFamily="34" charset="0"/>
+                <a:ea typeface="Calibri" panose="020F0502020204030204" pitchFamily="34" charset="0"/>
+                <a:cs typeface="+mn-cs"/>
+              </a:rPr>
+              <a:t>Relational databases can quickly compute results using query optimization but do not utilize distributed computing.</a:t>
+            </a:r>
           </a:p>
           <a:p>
-            <a:pPr marL="0" marR="0" lvl="0" indent="0" algn="l" defTabSz="2949575" rtl="0" eaLnBrk="1" fontAlgn="base" latinLnBrk="0" hangingPunct="1">
+            <a:pPr marL="342900" marR="0" lvl="0" indent="-342900" algn="l" defTabSz="2949575" rtl="0" eaLnBrk="1" fontAlgn="base" latinLnBrk="0" hangingPunct="1">
               <a:lnSpc>
                 <a:spcPts val="3200"/>
               </a:lnSpc>
@@ -10457,19 +10431,30 @@
               <a:buClrTx/>
               <a:buSzTx/>
               <a:buFontTx/>
-              <a:buNone/>
+              <a:buChar char="-"/>
               <a:tabLst/>
               <a:defRPr/>
             </a:pPr>
-            <a:endParaRPr lang="en-US" sz="2400" dirty="0">
-              <a:solidFill>
-                <a:srgbClr val="000000"/>
-              </a:solidFill>
-              <a:latin typeface="Calibri" charset="0"/>
-            </a:endParaRPr>
+            <a:r>
+              <a:rPr kumimoji="0" lang="en-US" sz="2400" b="0" i="0" u="none" strike="noStrike" kern="1200" cap="none" spc="0" normalizeH="0" baseline="0" noProof="0" dirty="0">
+                <a:ln>
+                  <a:noFill/>
+                </a:ln>
+                <a:solidFill>
+                  <a:srgbClr val="101073"/>
+                </a:solidFill>
+                <a:effectLst/>
+                <a:uLnTx/>
+                <a:uFillTx/>
+                <a:latin typeface="Arial" panose="020B0604020202020204" pitchFamily="34" charset="0"/>
+                <a:ea typeface="Calibri" panose="020F0502020204030204" pitchFamily="34" charset="0"/>
+                <a:cs typeface="+mn-cs"/>
+              </a:rPr>
+              <a:t>Multi-threaded programs on powerful servers are fast but may have communication issues between threads.</a:t>
+            </a:r>
           </a:p>
           <a:p>
-            <a:pPr marL="0" marR="0" lvl="0" indent="0" algn="l" defTabSz="2949575" rtl="0" eaLnBrk="1" fontAlgn="base" latinLnBrk="0" hangingPunct="1">
+            <a:pPr marL="342900" marR="0" lvl="0" indent="-342900" algn="l" defTabSz="2949575" rtl="0" eaLnBrk="1" fontAlgn="base" latinLnBrk="0" hangingPunct="1">
               <a:lnSpc>
                 <a:spcPts val="3200"/>
               </a:lnSpc>
@@ -10482,19 +10467,30 @@
               <a:buClrTx/>
               <a:buSzTx/>
               <a:buFontTx/>
-              <a:buNone/>
+              <a:buChar char="-"/>
               <a:tabLst/>
               <a:defRPr/>
             </a:pPr>
-            <a:endParaRPr lang="en-US" sz="2400" dirty="0">
-              <a:solidFill>
-                <a:srgbClr val="000000"/>
-              </a:solidFill>
-              <a:latin typeface="Calibri" charset="0"/>
-            </a:endParaRPr>
+            <a:r>
+              <a:rPr kumimoji="0" lang="en-US" sz="2400" b="0" i="0" u="none" strike="noStrike" kern="1200" cap="none" spc="0" normalizeH="0" baseline="0" noProof="0" dirty="0">
+                <a:ln>
+                  <a:noFill/>
+                </a:ln>
+                <a:solidFill>
+                  <a:srgbClr val="101073"/>
+                </a:solidFill>
+                <a:effectLst/>
+                <a:uLnTx/>
+                <a:uFillTx/>
+                <a:latin typeface="Arial" panose="020B0604020202020204" pitchFamily="34" charset="0"/>
+                <a:ea typeface="Calibri" panose="020F0502020204030204" pitchFamily="34" charset="0"/>
+                <a:cs typeface="+mn-cs"/>
+              </a:rPr>
+              <a:t>Company-owned clusters provide control and privacy, but require initial investment, while cloud resources offer scalability at higher cost. </a:t>
+            </a:r>
           </a:p>
           <a:p>
-            <a:pPr marL="0" marR="0" lvl="0" indent="0" algn="l" defTabSz="2949575" rtl="0" eaLnBrk="1" fontAlgn="base" latinLnBrk="0" hangingPunct="1">
+            <a:pPr marL="342900" marR="0" lvl="0" indent="-342900" algn="l" defTabSz="2949575" rtl="0" eaLnBrk="1" fontAlgn="base" latinLnBrk="0" hangingPunct="1">
               <a:lnSpc>
                 <a:spcPts val="3200"/>
               </a:lnSpc>
@@ -10507,60 +10503,27 @@
               <a:buClrTx/>
               <a:buSzTx/>
               <a:buFontTx/>
-              <a:buNone/>
+              <a:buChar char="-"/>
               <a:tabLst/>
               <a:defRPr/>
             </a:pPr>
-            <a:endParaRPr lang="en-US" sz="2400" dirty="0">
-              <a:solidFill>
-                <a:srgbClr val="000000"/>
-              </a:solidFill>
-              <a:latin typeface="Calibri" charset="0"/>
-            </a:endParaRPr>
-          </a:p>
-          <a:p>
-            <a:pPr marL="0" marR="0" lvl="0" indent="0" algn="l" defTabSz="2949575" rtl="0" eaLnBrk="1" fontAlgn="base" latinLnBrk="0" hangingPunct="1">
-              <a:lnSpc>
-                <a:spcPts val="3200"/>
-              </a:lnSpc>
-              <a:spcBef>
-                <a:spcPct val="0"/>
-              </a:spcBef>
-              <a:spcAft>
-                <a:spcPct val="0"/>
-              </a:spcAft>
-              <a:buClrTx/>
-              <a:buSzTx/>
-              <a:buFontTx/>
-              <a:buNone/>
-              <a:tabLst/>
-              <a:defRPr/>
-            </a:pPr>
-            <a:endParaRPr lang="en-US" sz="2400" dirty="0">
-              <a:solidFill>
-                <a:srgbClr val="000000"/>
-              </a:solidFill>
-              <a:latin typeface="Calibri" charset="0"/>
-            </a:endParaRPr>
-          </a:p>
-          <a:p>
-            <a:pPr marL="0" marR="0" lvl="0" indent="0" algn="l" defTabSz="2949575" rtl="0" eaLnBrk="1" fontAlgn="base" latinLnBrk="0" hangingPunct="1">
-              <a:lnSpc>
-                <a:spcPts val="3200"/>
-              </a:lnSpc>
-              <a:spcBef>
-                <a:spcPct val="0"/>
-              </a:spcBef>
-              <a:spcAft>
-                <a:spcPct val="0"/>
-              </a:spcAft>
-              <a:buClrTx/>
-              <a:buSzTx/>
-              <a:buFontTx/>
-              <a:buNone/>
-              <a:tabLst/>
-              <a:defRPr/>
-            </a:pPr>
+            <a:r>
+              <a:rPr kumimoji="0" lang="en-US" sz="2400" b="0" i="0" u="none" strike="noStrike" kern="1200" cap="none" spc="0" normalizeH="0" baseline="0" noProof="0" dirty="0">
+                <a:ln>
+                  <a:noFill/>
+                </a:ln>
+                <a:solidFill>
+                  <a:srgbClr val="101073"/>
+                </a:solidFill>
+                <a:effectLst/>
+                <a:uLnTx/>
+                <a:uFillTx/>
+                <a:latin typeface="Arial" panose="020B0604020202020204" pitchFamily="34" charset="0"/>
+                <a:ea typeface="Calibri" panose="020F0502020204030204" pitchFamily="34" charset="0"/>
+                <a:cs typeface="+mn-cs"/>
+              </a:rPr>
+              <a:t>Approximation techniques are suitable when error bounds are acceptable, while Spark can precisely calculate results.</a:t>
+            </a:r>
             <a:endParaRPr lang="en-US" sz="2400" dirty="0">
               <a:solidFill>
                 <a:srgbClr val="000000"/>

--- a/Poster/BDM_poster.pptx
+++ b/Poster/BDM_poster.pptx
@@ -7492,34 +7492,6 @@
             </a:endParaRPr>
           </a:p>
           <a:p>
-            <a:pPr algn="ctr" rtl="0" fontAlgn="base">
-              <a:lnSpc>
-                <a:spcPts val="2400"/>
-              </a:lnSpc>
-              <a:spcBef>
-                <a:spcPts val="0"/>
-              </a:spcBef>
-              <a:spcAft>
-                <a:spcPts val="0"/>
-              </a:spcAft>
-            </a:pPr>
-            <a:r>
-              <a:rPr lang="en-US" sz="1800" kern="1200" dirty="0">
-                <a:solidFill>
-                  <a:srgbClr val="000000"/>
-                </a:solidFill>
-                <a:effectLst/>
-                <a:latin typeface="Calibri" panose="020F0502020204030204" pitchFamily="34" charset="0"/>
-                <a:ea typeface="ＭＳ Ｐゴシック" panose="020B0600070205080204" pitchFamily="34" charset="-128"/>
-                <a:cs typeface="+mn-cs"/>
-              </a:rPr>
-              <a:t>Figure 1, Figure description</a:t>
-            </a:r>
-            <a:endParaRPr lang="en-US" sz="800" dirty="0">
-              <a:effectLst/>
-            </a:endParaRPr>
-          </a:p>
-          <a:p>
             <a:pPr marL="0" marR="0" lvl="0" indent="0" algn="l" defTabSz="2949575" rtl="0" eaLnBrk="1" fontAlgn="base" latinLnBrk="0" hangingPunct="1">
               <a:lnSpc>
                 <a:spcPts val="3200"/>
@@ -7602,42 +7574,6 @@
                 <a:latin typeface="Calibri" charset="0"/>
               </a:rPr>
               <a:t>SparkSQL: find all triples of vectors &lt;X,Y,Z&gt; with aggregate variance at most tau</a:t>
-            </a:r>
-          </a:p>
-          <a:p>
-            <a:pPr marL="0" marR="0" lvl="0" indent="0" algn="l" defTabSz="2949575" rtl="0" eaLnBrk="1" fontAlgn="base" latinLnBrk="0" hangingPunct="1">
-              <a:lnSpc>
-                <a:spcPts val="3200"/>
-              </a:lnSpc>
-              <a:spcBef>
-                <a:spcPct val="0"/>
-              </a:spcBef>
-              <a:spcAft>
-                <a:spcPct val="0"/>
-              </a:spcAft>
-              <a:buClrTx/>
-              <a:buSzTx/>
-              <a:buFontTx/>
-              <a:buNone/>
-              <a:tabLst/>
-              <a:defRPr/>
-            </a:pPr>
-            <a:r>
-              <a:rPr kumimoji="0" lang="en-US" sz="2400" b="1" i="0" u="none" strike="noStrike" kern="1200" cap="none" spc="0" normalizeH="0" baseline="0" noProof="0" dirty="0">
-                <a:ln>
-                  <a:noFill/>
-                </a:ln>
-                <a:solidFill>
-                  <a:srgbClr val="000000"/>
-                </a:solidFill>
-                <a:effectLst/>
-                <a:uLnTx/>
-                <a:uFillTx/>
-                <a:latin typeface="Calibri" charset="0"/>
-                <a:ea typeface="ＭＳ Ｐゴシック" charset="-128"/>
-                <a:cs typeface="+mn-cs"/>
-              </a:rPr>
-              <a:t>Bold</a:t>
             </a:r>
             <a:endParaRPr lang="en-US" sz="4400" b="1" dirty="0">
               <a:solidFill>
@@ -7732,55 +7668,6 @@
               </a:rPr>
               <a:t>t optimization techniques have been applied to the Python version like indexing, repartition and storing in temporary view.</a:t>
             </a:r>
-            <a:endParaRPr lang="en-NL" sz="2400" dirty="0">
-              <a:effectLst/>
-              <a:latin typeface="Arial" panose="020B0604020202020204" pitchFamily="34" charset="0"/>
-              <a:ea typeface="Calibri" panose="020F0502020204030204" pitchFamily="34" charset="0"/>
-            </a:endParaRPr>
-          </a:p>
-          <a:p>
-            <a:pPr marL="0" marR="0" lvl="0" indent="0" algn="l" defTabSz="2949575" rtl="0" eaLnBrk="1" fontAlgn="base" latinLnBrk="0" hangingPunct="1">
-              <a:lnSpc>
-                <a:spcPts val="3200"/>
-              </a:lnSpc>
-              <a:spcBef>
-                <a:spcPct val="0"/>
-              </a:spcBef>
-              <a:spcAft>
-                <a:spcPct val="0"/>
-              </a:spcAft>
-              <a:buClrTx/>
-              <a:buSzTx/>
-              <a:buFontTx/>
-              <a:buNone/>
-              <a:tabLst/>
-              <a:defRPr/>
-            </a:pPr>
-            <a:endParaRPr lang="en-US" sz="2400" dirty="0">
-              <a:solidFill>
-                <a:srgbClr val="000000"/>
-              </a:solidFill>
-              <a:latin typeface="Calibri" charset="0"/>
-            </a:endParaRPr>
-          </a:p>
-          <a:p>
-            <a:pPr marL="0" marR="0" lvl="0" indent="0" algn="l" defTabSz="2949575" rtl="0" eaLnBrk="1" fontAlgn="base" latinLnBrk="0" hangingPunct="1">
-              <a:lnSpc>
-                <a:spcPts val="3200"/>
-              </a:lnSpc>
-              <a:spcBef>
-                <a:spcPct val="0"/>
-              </a:spcBef>
-              <a:spcAft>
-                <a:spcPct val="0"/>
-              </a:spcAft>
-              <a:buClrTx/>
-              <a:buSzTx/>
-              <a:buFontTx/>
-              <a:buNone/>
-              <a:tabLst/>
-              <a:defRPr/>
-            </a:pPr>
             <a:endParaRPr lang="en-US" sz="2400" dirty="0">
               <a:solidFill>
                 <a:srgbClr val="000000"/>
@@ -8274,56 +8161,6 @@
             </a:endParaRPr>
           </a:p>
           <a:p>
-            <a:pPr marL="0" marR="0" lvl="0" indent="0" algn="l" defTabSz="2949575" rtl="0" eaLnBrk="1" fontAlgn="base" latinLnBrk="0" hangingPunct="1">
-              <a:lnSpc>
-                <a:spcPts val="3200"/>
-              </a:lnSpc>
-              <a:spcBef>
-                <a:spcPct val="0"/>
-              </a:spcBef>
-              <a:spcAft>
-                <a:spcPct val="0"/>
-              </a:spcAft>
-              <a:buClrTx/>
-              <a:buSzTx/>
-              <a:buFontTx/>
-              <a:buNone/>
-              <a:tabLst/>
-              <a:defRPr/>
-            </a:pPr>
-            <a:endParaRPr lang="en-US" sz="2400" dirty="0">
-              <a:solidFill>
-                <a:srgbClr val="000000"/>
-              </a:solidFill>
-              <a:latin typeface="Calibri" charset="0"/>
-            </a:endParaRPr>
-          </a:p>
-          <a:p>
-            <a:pPr marL="0" marR="0" lvl="0" indent="0" algn="l" defTabSz="2949575" rtl="0" eaLnBrk="1" fontAlgn="base" latinLnBrk="0" hangingPunct="1">
-              <a:lnSpc>
-                <a:spcPts val="3200"/>
-              </a:lnSpc>
-              <a:spcBef>
-                <a:spcPct val="0"/>
-              </a:spcBef>
-              <a:spcAft>
-                <a:spcPct val="0"/>
-              </a:spcAft>
-              <a:buClrTx/>
-              <a:buSzTx/>
-              <a:buFontTx/>
-              <a:buNone/>
-              <a:tabLst/>
-              <a:defRPr/>
-            </a:pPr>
-            <a:endParaRPr lang="en-US" sz="2400" dirty="0">
-              <a:solidFill>
-                <a:srgbClr val="000000"/>
-              </a:solidFill>
-              <a:latin typeface="Calibri" charset="0"/>
-            </a:endParaRPr>
-          </a:p>
-          <a:p>
             <a:pPr algn="ctr" rtl="0" fontAlgn="base">
               <a:lnSpc>
                 <a:spcPts val="2400"/>
@@ -8345,30 +8182,8 @@
                 <a:ea typeface="ＭＳ Ｐゴシック" panose="020B0600070205080204" pitchFamily="34" charset="-128"/>
                 <a:cs typeface="+mn-cs"/>
               </a:rPr>
-              <a:t>Figure 1, Figure description</a:t>
+              <a:t>Figure 1, Histogram of number of triples of vectors per tau</a:t>
             </a:r>
-            <a:endParaRPr lang="en-US" sz="800" dirty="0">
-              <a:effectLst/>
-            </a:endParaRPr>
-          </a:p>
-          <a:p>
-            <a:pPr marL="0" marR="0" lvl="0" indent="0" algn="l" defTabSz="2949575" rtl="0" eaLnBrk="1" fontAlgn="base" latinLnBrk="0" hangingPunct="1">
-              <a:lnSpc>
-                <a:spcPts val="3200"/>
-              </a:lnSpc>
-              <a:spcBef>
-                <a:spcPct val="0"/>
-              </a:spcBef>
-              <a:spcAft>
-                <a:spcPct val="0"/>
-              </a:spcAft>
-              <a:buClrTx/>
-              <a:buSzTx/>
-              <a:buFontTx/>
-              <a:buNone/>
-              <a:tabLst/>
-              <a:defRPr/>
-            </a:pPr>
             <a:endParaRPr kumimoji="0" lang="en-US" sz="2400" b="0" i="0" u="none" strike="noStrike" kern="1200" cap="none" spc="0" normalizeH="0" baseline="0" noProof="0" dirty="0">
               <a:ln>
                 <a:noFill/>
@@ -9702,36 +9517,6 @@
           </a:graphicData>
         </a:graphic>
       </p:graphicFrame>
-      <p:pic>
-        <p:nvPicPr>
-          <p:cNvPr id="11" name="Picture 10">
-            <a:extLst>
-              <a:ext uri="{FF2B5EF4-FFF2-40B4-BE49-F238E27FC236}">
-                <a16:creationId xmlns:a16="http://schemas.microsoft.com/office/drawing/2014/main" id="{66FB3A3C-07B6-EE4F-0F86-9D6ECC43AE37}"/>
-              </a:ext>
-            </a:extLst>
-          </p:cNvPr>
-          <p:cNvPicPr>
-            <a:picLocks noChangeAspect="1"/>
-          </p:cNvPicPr>
-          <p:nvPr/>
-        </p:nvPicPr>
-        <p:blipFill>
-          <a:blip r:embed="rId2"/>
-          <a:stretch>
-            <a:fillRect/>
-          </a:stretch>
-        </p:blipFill>
-        <p:spPr>
-          <a:xfrm>
-            <a:off x="1908824" y="24787013"/>
-            <a:ext cx="5510852" cy="4133139"/>
-          </a:xfrm>
-          <a:prstGeom prst="rect">
-            <a:avLst/>
-          </a:prstGeom>
-        </p:spPr>
-      </p:pic>
       <p:sp>
         <p:nvSpPr>
           <p:cNvPr id="16" name="Text Box 9">
@@ -9783,74 +9568,6 @@
             </a:r>
           </a:p>
           <a:p>
-            <a:pPr marL="0" marR="0" lvl="0" indent="0" algn="l" defTabSz="2949575" rtl="0" eaLnBrk="1" fontAlgn="base" latinLnBrk="0" hangingPunct="1">
-              <a:lnSpc>
-                <a:spcPts val="3200"/>
-              </a:lnSpc>
-              <a:spcBef>
-                <a:spcPct val="0"/>
-              </a:spcBef>
-              <a:spcAft>
-                <a:spcPct val="0"/>
-              </a:spcAft>
-              <a:buClrTx/>
-              <a:buSzTx/>
-              <a:buFontTx/>
-              <a:buNone/>
-              <a:tabLst/>
-              <a:defRPr/>
-            </a:pPr>
-            <a:r>
-              <a:rPr kumimoji="0" lang="en-US" sz="2400" b="1" i="0" u="none" strike="noStrike" kern="1200" cap="none" spc="0" normalizeH="0" baseline="0" noProof="0" dirty="0">
-                <a:ln>
-                  <a:noFill/>
-                </a:ln>
-                <a:solidFill>
-                  <a:srgbClr val="000000"/>
-                </a:solidFill>
-                <a:effectLst/>
-                <a:uLnTx/>
-                <a:uFillTx/>
-                <a:latin typeface="Calibri" charset="0"/>
-                <a:ea typeface="ＭＳ Ｐゴシック" charset="-128"/>
-                <a:cs typeface="+mn-cs"/>
-              </a:rPr>
-              <a:t>Bold</a:t>
-            </a:r>
-            <a:endParaRPr lang="en-US" sz="4400" b="1" dirty="0">
-              <a:solidFill>
-                <a:srgbClr val="0066CC"/>
-              </a:solidFill>
-              <a:latin typeface="Calibri" charset="0"/>
-            </a:endParaRPr>
-          </a:p>
-          <a:p>
-            <a:pPr marL="0" marR="0" lvl="0" indent="0" algn="l" defTabSz="2949575" rtl="0" eaLnBrk="1" fontAlgn="base" latinLnBrk="0" hangingPunct="1">
-              <a:lnSpc>
-                <a:spcPts val="3200"/>
-              </a:lnSpc>
-              <a:spcBef>
-                <a:spcPct val="0"/>
-              </a:spcBef>
-              <a:spcAft>
-                <a:spcPct val="0"/>
-              </a:spcAft>
-              <a:buClrTx/>
-              <a:buSzTx/>
-              <a:buFontTx/>
-              <a:buNone/>
-              <a:tabLst/>
-              <a:defRPr/>
-            </a:pPr>
-            <a:endParaRPr lang="en-GB" sz="1800" dirty="0">
-              <a:solidFill>
-                <a:srgbClr val="101073"/>
-              </a:solidFill>
-              <a:latin typeface="Arial" panose="020B0604020202020204" pitchFamily="34" charset="0"/>
-              <a:ea typeface="Calibri" panose="020F0502020204030204" pitchFamily="34" charset="0"/>
-            </a:endParaRPr>
-          </a:p>
-          <a:p>
             <a:pPr defTabSz="2949575">
               <a:lnSpc>
                 <a:spcPts val="3200"/>
@@ -9863,7 +9580,7 @@
                 <a:latin typeface="Arial" panose="020B0604020202020204" pitchFamily="34" charset="0"/>
                 <a:ea typeface="Calibri" panose="020F0502020204030204" pitchFamily="34" charset="0"/>
               </a:rPr>
-              <a:t>The sketch is created by storing each vector with an hash function. Different functions are applied on the sketch to get the aggregated variance. Dyadic intervals are used to get the triples which are below a certain tau threshold. We give the sketch the width and the depth which are calculated with the following formula. The update </a:t>
+              <a:t>The sketch is created by storing each vector with a hash function. Different functions are applied on the sketch to get the aggregated variance. Dyadic intervals are used to get the triples which are below a certain tau threshold. We give the sketch the width and the depth which are calculated with the following formula. The update </a:t>
             </a:r>
             <a:r>
               <a:rPr lang="en-GB" sz="2400" dirty="0" err="1">
@@ -9881,19 +9598,6 @@
               </a:rPr>
               <a:t> function add the vector to the hash table. The add function in the sketch adds the vector values based on position.</a:t>
             </a:r>
-          </a:p>
-          <a:p>
-            <a:pPr defTabSz="2949575">
-              <a:lnSpc>
-                <a:spcPts val="3200"/>
-              </a:lnSpc>
-              <a:defRPr/>
-            </a:pPr>
-            <a:endParaRPr lang="en-GB" sz="2400" dirty="0">
-              <a:effectLst/>
-              <a:latin typeface="Arial" panose="020B0604020202020204" pitchFamily="34" charset="0"/>
-              <a:ea typeface="Calibri" panose="020F0502020204030204" pitchFamily="34" charset="0"/>
-            </a:endParaRPr>
           </a:p>
           <a:p>
             <a:pPr defTabSz="2949575">
@@ -10141,26 +9845,6 @@
             </a:endParaRPr>
           </a:p>
           <a:p>
-            <a:pPr defTabSz="2949575">
-              <a:lnSpc>
-                <a:spcPts val="3200"/>
-              </a:lnSpc>
-              <a:defRPr/>
-            </a:pPr>
-            <a:r>
-              <a:rPr lang="en-US" sz="1800" kern="1200" dirty="0">
-                <a:solidFill>
-                  <a:srgbClr val="000000"/>
-                </a:solidFill>
-                <a:effectLst/>
-                <a:latin typeface="Calibri" panose="020F0502020204030204" pitchFamily="34" charset="0"/>
-                <a:ea typeface="ＭＳ Ｐゴシック" panose="020B0600070205080204" pitchFamily="34" charset="-128"/>
-                <a:cs typeface="+mn-cs"/>
-              </a:rPr>
-              <a:t>Figure 1, Figure description</a:t>
-            </a:r>
-          </a:p>
-          <a:p>
             <a:pPr marL="0" marR="0" lvl="0" indent="0" algn="l" defTabSz="2949575" rtl="0" eaLnBrk="1" fontAlgn="base" latinLnBrk="0" hangingPunct="1">
               <a:lnSpc>
                 <a:spcPts val="3200"/>
@@ -10244,8 +9928,8 @@
         </p:nvSpPr>
         <p:spPr bwMode="auto">
           <a:xfrm>
-            <a:off x="9769599" y="24901921"/>
-            <a:ext cx="11237538" cy="4981450"/>
+            <a:off x="9901312" y="25204613"/>
+            <a:ext cx="11229039" cy="4981450"/>
           </a:xfrm>
           <a:prstGeom prst="rect">
             <a:avLst/>
@@ -10277,73 +9961,6 @@
               </a:rPr>
               <a:t>Ethical and other aspects</a:t>
             </a:r>
-          </a:p>
-          <a:p>
-            <a:pPr marL="0" marR="0" lvl="0" indent="0" algn="l" defTabSz="2949575" rtl="0" eaLnBrk="1" fontAlgn="base" latinLnBrk="0" hangingPunct="1">
-              <a:lnSpc>
-                <a:spcPts val="3200"/>
-              </a:lnSpc>
-              <a:spcBef>
-                <a:spcPct val="0"/>
-              </a:spcBef>
-              <a:spcAft>
-                <a:spcPct val="0"/>
-              </a:spcAft>
-              <a:buClrTx/>
-              <a:buSzTx/>
-              <a:buFontTx/>
-              <a:buNone/>
-              <a:tabLst/>
-              <a:defRPr/>
-            </a:pPr>
-            <a:r>
-              <a:rPr kumimoji="0" lang="en-US" sz="2400" b="1" i="0" u="none" strike="noStrike" kern="1200" cap="none" spc="0" normalizeH="0" baseline="0" noProof="0" dirty="0">
-                <a:ln>
-                  <a:noFill/>
-                </a:ln>
-                <a:solidFill>
-                  <a:srgbClr val="000000"/>
-                </a:solidFill>
-                <a:effectLst/>
-                <a:uLnTx/>
-                <a:uFillTx/>
-                <a:latin typeface="Calibri" charset="0"/>
-                <a:ea typeface="ＭＳ Ｐゴシック" charset="-128"/>
-                <a:cs typeface="+mn-cs"/>
-              </a:rPr>
-              <a:t>Bold</a:t>
-            </a:r>
-            <a:endParaRPr lang="en-US" sz="4400" b="1" dirty="0">
-              <a:solidFill>
-                <a:srgbClr val="0066CC"/>
-              </a:solidFill>
-              <a:latin typeface="Calibri" charset="0"/>
-            </a:endParaRPr>
-          </a:p>
-          <a:p>
-            <a:pPr marL="0" marR="0" lvl="0" indent="0" algn="l" defTabSz="2949575" rtl="0" eaLnBrk="1" fontAlgn="base" latinLnBrk="0" hangingPunct="1">
-              <a:lnSpc>
-                <a:spcPts val="3200"/>
-              </a:lnSpc>
-              <a:spcBef>
-                <a:spcPct val="0"/>
-              </a:spcBef>
-              <a:spcAft>
-                <a:spcPct val="0"/>
-              </a:spcAft>
-              <a:buClrTx/>
-              <a:buSzTx/>
-              <a:buFontTx/>
-              <a:buNone/>
-              <a:tabLst/>
-              <a:defRPr/>
-            </a:pPr>
-            <a:endParaRPr lang="en-US" sz="2400" dirty="0">
-              <a:solidFill>
-                <a:srgbClr val="000000"/>
-              </a:solidFill>
-              <a:latin typeface="Calibri" charset="0"/>
-            </a:endParaRPr>
           </a:p>
           <a:p>
             <a:pPr marL="0" marR="0" lvl="0" indent="0" algn="l" defTabSz="2949575" rtl="0" eaLnBrk="1" fontAlgn="base" latinLnBrk="0" hangingPunct="1">
@@ -10531,67 +10148,6 @@
               <a:latin typeface="Calibri" charset="0"/>
             </a:endParaRPr>
           </a:p>
-          <a:p>
-            <a:pPr algn="ctr" rtl="0" fontAlgn="base">
-              <a:lnSpc>
-                <a:spcPts val="2400"/>
-              </a:lnSpc>
-              <a:spcBef>
-                <a:spcPts val="0"/>
-              </a:spcBef>
-              <a:spcAft>
-                <a:spcPts val="0"/>
-              </a:spcAft>
-            </a:pPr>
-            <a:r>
-              <a:rPr lang="en-US" sz="1800" kern="1200" dirty="0">
-                <a:solidFill>
-                  <a:srgbClr val="000000"/>
-                </a:solidFill>
-                <a:effectLst/>
-                <a:latin typeface="Calibri" panose="020F0502020204030204" pitchFamily="34" charset="0"/>
-                <a:ea typeface="ＭＳ Ｐゴシック" panose="020B0600070205080204" pitchFamily="34" charset="-128"/>
-                <a:cs typeface="+mn-cs"/>
-              </a:rPr>
-              <a:t>Figure 1, Figure description</a:t>
-            </a:r>
-            <a:endParaRPr lang="en-US" sz="800" dirty="0">
-              <a:effectLst/>
-            </a:endParaRPr>
-          </a:p>
-          <a:p>
-            <a:pPr marL="0" marR="0" lvl="0" indent="0" algn="l" defTabSz="2949575" rtl="0" eaLnBrk="1" fontAlgn="base" latinLnBrk="0" hangingPunct="1">
-              <a:lnSpc>
-                <a:spcPts val="3200"/>
-              </a:lnSpc>
-              <a:spcBef>
-                <a:spcPct val="0"/>
-              </a:spcBef>
-              <a:spcAft>
-                <a:spcPct val="0"/>
-              </a:spcAft>
-              <a:buClrTx/>
-              <a:buSzTx/>
-              <a:buFontTx/>
-              <a:buNone/>
-              <a:tabLst/>
-              <a:defRPr/>
-            </a:pPr>
-            <a:endParaRPr kumimoji="0" lang="en-US" sz="2400" b="0" i="0" u="none" strike="noStrike" kern="1200" cap="none" spc="0" normalizeH="0" baseline="0" noProof="0" dirty="0">
-              <a:ln>
-                <a:noFill/>
-              </a:ln>
-              <a:solidFill>
-                <a:srgbClr val="000000"/>
-              </a:solidFill>
-              <a:effectLst/>
-              <a:uLnTx/>
-              <a:uFillTx/>
-              <a:latin typeface="Calibri" charset="0"/>
-              <a:ea typeface="ＭＳ Ｐゴシック" charset="-128"/>
-              <a:cs typeface="+mn-cs"/>
-            </a:endParaRPr>
-          </a:p>
         </p:txBody>
       </p:sp>
       <p:pic>
@@ -10600,6 +10156,42 @@
             <a:extLst>
               <a:ext uri="{FF2B5EF4-FFF2-40B4-BE49-F238E27FC236}">
                 <a16:creationId xmlns:a16="http://schemas.microsoft.com/office/drawing/2014/main" id="{76BCB943-0D2B-D73D-61A8-A3AD1A0244DD}"/>
+              </a:ext>
+            </a:extLst>
+          </p:cNvPr>
+          <p:cNvPicPr>
+            <a:picLocks noChangeAspect="1"/>
+          </p:cNvPicPr>
+          <p:nvPr/>
+        </p:nvPicPr>
+        <p:blipFill>
+          <a:blip r:embed="rId2">
+            <a:extLst>
+              <a:ext uri="{28A0092B-C50C-407E-A947-70E740481C1C}">
+                <a14:useLocalDpi xmlns:a14="http://schemas.microsoft.com/office/drawing/2010/main" val="0"/>
+              </a:ext>
+            </a:extLst>
+          </a:blip>
+          <a:stretch>
+            <a:fillRect/>
+          </a:stretch>
+        </p:blipFill>
+        <p:spPr>
+          <a:xfrm>
+            <a:off x="9769599" y="9152962"/>
+            <a:ext cx="11617201" cy="1632352"/>
+          </a:xfrm>
+          <a:prstGeom prst="rect">
+            <a:avLst/>
+          </a:prstGeom>
+        </p:spPr>
+      </p:pic>
+      <p:pic>
+        <p:nvPicPr>
+          <p:cNvPr id="10" name="Picture 9" descr="Chart, histogram&#10;&#10;Description automatically generated">
+            <a:extLst>
+              <a:ext uri="{FF2B5EF4-FFF2-40B4-BE49-F238E27FC236}">
+                <a16:creationId xmlns:a16="http://schemas.microsoft.com/office/drawing/2014/main" id="{75A8E5A4-EA13-16DB-FE20-6BCC73FAE127}"/>
               </a:ext>
             </a:extLst>
           </p:cNvPr>
@@ -10622,8 +10214,8 @@
         </p:blipFill>
         <p:spPr>
           <a:xfrm>
-            <a:off x="9769599" y="9152962"/>
-            <a:ext cx="11617201" cy="1632352"/>
+            <a:off x="2125562" y="22898595"/>
+            <a:ext cx="5485714" cy="3657143"/>
           </a:xfrm>
           <a:prstGeom prst="rect">
             <a:avLst/>

--- a/Poster/BDM_poster.pptx
+++ b/Poster/BDM_poster.pptx
@@ -466,7 +466,7 @@
               <a:pPr>
                 <a:defRPr/>
               </a:pPr>
-              <a:t>‹#›</a:t>
+              <a:t>‹nr.›</a:t>
             </a:fld>
             <a:endParaRPr lang="nl-NL"/>
           </a:p>
@@ -7069,8 +7069,8 @@
         </p:nvSpPr>
         <p:spPr bwMode="auto">
           <a:xfrm>
-            <a:off x="247950" y="7704908"/>
-            <a:ext cx="8784976" cy="4721196"/>
+            <a:off x="247949" y="7704908"/>
+            <a:ext cx="9431683" cy="4721196"/>
           </a:xfrm>
           <a:prstGeom prst="rect">
             <a:avLst/>
@@ -7116,7 +7116,7 @@
                 <a:latin typeface="Arial" panose="020B0604020202020204" pitchFamily="34" charset="0"/>
                 <a:ea typeface="Calibri" panose="020F0502020204030204" pitchFamily="34" charset="0"/>
               </a:rPr>
-              <a:t>The data frame/ dataset is created by Spark by first reading the csv which gives us the data frame. The c0 column is used as a key for the vector. The original c1 column values are split and the posexplode() function is used to create a row for each position of the vector.  For the RDD, we split the key and values. The RDD is a tuple with first the key followed by the values of the vector.</a:t>
+              <a:t>The data frame is created by reading the. The c0 column is used as a key for the vector. The original c1 column values are split and the posexplode() function is used to create a row for each position of the vector.  For the RDD, we split the key and values. The RDD is a tuple with the key followed by the values of the vector.</a:t>
             </a:r>
           </a:p>
           <a:p>
@@ -7223,8 +7223,8 @@
         </p:nvSpPr>
         <p:spPr bwMode="auto">
           <a:xfrm>
-            <a:off x="9901312" y="7704907"/>
-            <a:ext cx="11237538" cy="9996213"/>
+            <a:off x="9901312" y="7704908"/>
+            <a:ext cx="11237538" cy="6552728"/>
           </a:xfrm>
           <a:prstGeom prst="rect">
             <a:avLst/>
@@ -7254,25 +7254,29 @@
                 </a:solidFill>
                 <a:latin typeface="Calibri" charset="0"/>
               </a:rPr>
-              <a:t>Without SparkSQL: find all triples of vectors &lt;X,Y,Z&gt; with aggregate variance at most tau</a:t>
+              <a:t>Without </a:t>
             </a:r>
+            <a:r>
+              <a:rPr lang="en-US" sz="3200" b="1" dirty="0" err="1">
+                <a:solidFill>
+                  <a:srgbClr val="0066CC"/>
+                </a:solidFill>
+                <a:latin typeface="Calibri" charset="0"/>
+              </a:rPr>
+              <a:t>SparkSQL</a:t>
+            </a:r>
+            <a:endParaRPr lang="en-US" sz="3200" b="1" dirty="0">
+              <a:solidFill>
+                <a:srgbClr val="0066CC"/>
+              </a:solidFill>
+              <a:latin typeface="Calibri" charset="0"/>
+            </a:endParaRPr>
           </a:p>
           <a:p>
-            <a:pPr marL="0" marR="0" lvl="0" indent="0" algn="l" defTabSz="2949575" rtl="0" eaLnBrk="1" fontAlgn="base" latinLnBrk="0" hangingPunct="1">
+            <a:pPr defTabSz="2949575">
               <a:lnSpc>
-                <a:spcPts val="3200"/>
+                <a:spcPts val="4400"/>
               </a:lnSpc>
-              <a:spcBef>
-                <a:spcPct val="0"/>
-              </a:spcBef>
-              <a:spcAft>
-                <a:spcPct val="0"/>
-              </a:spcAft>
-              <a:buClrTx/>
-              <a:buSzTx/>
-              <a:buFontTx/>
-              <a:buNone/>
-              <a:tabLst/>
               <a:defRPr/>
             </a:pPr>
             <a:r>
@@ -7367,190 +7371,41 @@
             </a:endParaRPr>
           </a:p>
           <a:p>
-            <a:pPr marL="0" marR="0" lvl="0" indent="0" algn="l" defTabSz="2949575" rtl="0" eaLnBrk="1" fontAlgn="base" latinLnBrk="0" hangingPunct="1">
+            <a:pPr defTabSz="2949575">
               <a:lnSpc>
                 <a:spcPts val="3200"/>
               </a:lnSpc>
-              <a:spcBef>
-                <a:spcPct val="0"/>
-              </a:spcBef>
-              <a:spcAft>
-                <a:spcPct val="0"/>
-              </a:spcAft>
-              <a:buClrTx/>
-              <a:buSzTx/>
-              <a:buFontTx/>
-              <a:buNone/>
-              <a:tabLst/>
               <a:defRPr/>
             </a:pPr>
-            <a:endParaRPr lang="en-US" sz="2400" dirty="0">
-              <a:solidFill>
-                <a:srgbClr val="000000"/>
-              </a:solidFill>
-              <a:latin typeface="Calibri" charset="0"/>
-            </a:endParaRPr>
-          </a:p>
-          <a:p>
-            <a:pPr marL="0" marR="0" lvl="0" indent="0" algn="l" defTabSz="2949575" rtl="0" eaLnBrk="1" fontAlgn="base" latinLnBrk="0" hangingPunct="1">
-              <a:lnSpc>
-                <a:spcPts val="3200"/>
-              </a:lnSpc>
-              <a:spcBef>
-                <a:spcPct val="0"/>
-              </a:spcBef>
-              <a:spcAft>
-                <a:spcPct val="0"/>
-              </a:spcAft>
-              <a:buClrTx/>
-              <a:buSzTx/>
-              <a:buFontTx/>
-              <a:buNone/>
-              <a:tabLst/>
-              <a:defRPr/>
-            </a:pPr>
-            <a:endParaRPr lang="en-US" sz="2400" dirty="0">
-              <a:solidFill>
-                <a:srgbClr val="000000"/>
-              </a:solidFill>
-              <a:latin typeface="Calibri" charset="0"/>
-            </a:endParaRPr>
-          </a:p>
-          <a:p>
-            <a:pPr marL="0" marR="0" lvl="0" indent="0" algn="l" defTabSz="2949575" rtl="0" eaLnBrk="1" fontAlgn="base" latinLnBrk="0" hangingPunct="1">
-              <a:lnSpc>
-                <a:spcPts val="3200"/>
-              </a:lnSpc>
-              <a:spcBef>
-                <a:spcPct val="0"/>
-              </a:spcBef>
-              <a:spcAft>
-                <a:spcPct val="0"/>
-              </a:spcAft>
-              <a:buClrTx/>
-              <a:buSzTx/>
-              <a:buFontTx/>
-              <a:buNone/>
-              <a:tabLst/>
-              <a:defRPr/>
-            </a:pPr>
-            <a:endParaRPr lang="en-US" sz="2400" dirty="0">
-              <a:solidFill>
-                <a:srgbClr val="000000"/>
-              </a:solidFill>
-              <a:latin typeface="Calibri" charset="0"/>
-            </a:endParaRPr>
-          </a:p>
-          <a:p>
-            <a:pPr marL="0" marR="0" lvl="0" indent="0" algn="l" defTabSz="2949575" rtl="0" eaLnBrk="1" fontAlgn="base" latinLnBrk="0" hangingPunct="1">
-              <a:lnSpc>
-                <a:spcPts val="3200"/>
-              </a:lnSpc>
-              <a:spcBef>
-                <a:spcPct val="0"/>
-              </a:spcBef>
-              <a:spcAft>
-                <a:spcPct val="0"/>
-              </a:spcAft>
-              <a:buClrTx/>
-              <a:buSzTx/>
-              <a:buFontTx/>
-              <a:buNone/>
-              <a:tabLst/>
-              <a:defRPr/>
-            </a:pPr>
-            <a:endParaRPr lang="en-US" sz="2400" dirty="0">
-              <a:solidFill>
-                <a:srgbClr val="000000"/>
-              </a:solidFill>
-              <a:latin typeface="Calibri" charset="0"/>
-            </a:endParaRPr>
-          </a:p>
-          <a:p>
-            <a:pPr marL="0" marR="0" lvl="0" indent="0" algn="l" defTabSz="2949575" rtl="0" eaLnBrk="1" fontAlgn="base" latinLnBrk="0" hangingPunct="1">
-              <a:lnSpc>
-                <a:spcPts val="3200"/>
-              </a:lnSpc>
-              <a:spcBef>
-                <a:spcPct val="0"/>
-              </a:spcBef>
-              <a:spcAft>
-                <a:spcPct val="0"/>
-              </a:spcAft>
-              <a:buClrTx/>
-              <a:buSzTx/>
-              <a:buFontTx/>
-              <a:buNone/>
-              <a:tabLst/>
-              <a:defRPr/>
-            </a:pPr>
-            <a:endParaRPr lang="en-US" sz="2400" dirty="0">
-              <a:solidFill>
-                <a:srgbClr val="000000"/>
-              </a:solidFill>
-              <a:latin typeface="Calibri" charset="0"/>
-            </a:endParaRPr>
-          </a:p>
-          <a:p>
-            <a:pPr algn="ctr" rtl="0" fontAlgn="base">
-              <a:lnSpc>
-                <a:spcPts val="2400"/>
-              </a:lnSpc>
-              <a:spcBef>
-                <a:spcPts val="0"/>
-              </a:spcBef>
-              <a:spcAft>
-                <a:spcPts val="0"/>
-              </a:spcAft>
-            </a:pPr>
             <a:r>
-              <a:rPr lang="en-US" sz="1800" kern="1200" dirty="0">
-                <a:solidFill>
-                  <a:srgbClr val="000000"/>
-                </a:solidFill>
+              <a:rPr lang="en-GB" sz="2400" dirty="0">
                 <a:effectLst/>
-                <a:latin typeface="Calibri" panose="020F0502020204030204" pitchFamily="34" charset="0"/>
-                <a:ea typeface="ＭＳ Ｐゴシック" panose="020B0600070205080204" pitchFamily="34" charset="-128"/>
-                <a:cs typeface="+mn-cs"/>
+                <a:latin typeface="Arial" panose="020B0604020202020204" pitchFamily="34" charset="0"/>
+                <a:ea typeface="Calibri" panose="020F0502020204030204" pitchFamily="34" charset="0"/>
               </a:rPr>
-              <a:t>Figure 1, Figure description</a:t>
+              <a:t>The architecture uses two paths; one creates a broadcast variable that stores the vectors for each key, and the other finds the triples of the keys. </a:t>
             </a:r>
-            <a:endParaRPr lang="en-US" sz="800" dirty="0">
-              <a:effectLst/>
-            </a:endParaRPr>
-          </a:p>
-          <a:p>
-            <a:pPr marL="0" marR="0" lvl="0" indent="0" algn="l" defTabSz="2949575" rtl="0" eaLnBrk="1" fontAlgn="base" latinLnBrk="0" hangingPunct="1">
-              <a:lnSpc>
-                <a:spcPts val="3200"/>
-              </a:lnSpc>
-              <a:spcBef>
-                <a:spcPct val="0"/>
-              </a:spcBef>
-              <a:spcAft>
-                <a:spcPct val="0"/>
-              </a:spcAft>
-              <a:buClrTx/>
-              <a:buSzTx/>
-              <a:buFontTx/>
-              <a:buNone/>
-              <a:tabLst/>
-              <a:defRPr/>
-            </a:pPr>
-            <a:endParaRPr kumimoji="0" lang="en-US" sz="2400" b="0" i="0" u="none" strike="noStrike" kern="1200" cap="none" spc="0" normalizeH="0" baseline="0" noProof="0" dirty="0">
-              <a:ln>
-                <a:noFill/>
-              </a:ln>
-              <a:solidFill>
-                <a:srgbClr val="000000"/>
-              </a:solidFill>
-              <a:effectLst/>
-              <a:uLnTx/>
-              <a:uFillTx/>
-              <a:latin typeface="Calibri" charset="0"/>
-              <a:ea typeface="ＭＳ Ｐゴシック" charset="-128"/>
-              <a:cs typeface="+mn-cs"/>
-            </a:endParaRPr>
+            <a:r>
+              <a:rPr lang="en-GB" sz="2400" dirty="0">
+                <a:latin typeface="Arial" panose="020B0604020202020204" pitchFamily="34" charset="0"/>
+                <a:ea typeface="Calibri" panose="020F0502020204030204" pitchFamily="34" charset="0"/>
+              </a:rPr>
+              <a:t>Combining the paths, it is possible to compute the aggregated variance of the triples. Finally, only the triples that are at most tau remain and are counted. Optimization is performed by switching from python to java. Together with swapping the cartesian() methods with </a:t>
+            </a:r>
+            <a:r>
+              <a:rPr lang="en-GB" sz="2400" dirty="0" err="1">
+                <a:latin typeface="Arial" panose="020B0604020202020204" pitchFamily="34" charset="0"/>
+                <a:ea typeface="Calibri" panose="020F0502020204030204" pitchFamily="34" charset="0"/>
+              </a:rPr>
+              <a:t>flatmap</a:t>
+            </a:r>
+            <a:r>
+              <a:rPr lang="en-GB" sz="2400" dirty="0">
+                <a:latin typeface="Arial" panose="020B0604020202020204" pitchFamily="34" charset="0"/>
+                <a:ea typeface="Calibri" panose="020F0502020204030204" pitchFamily="34" charset="0"/>
+              </a:rPr>
+              <a:t>() and broadcasting, which improved by 60%.  Then we also added repartitions(20) and performed a cache() throughout. This improved by another 5s per tau. Resulting in an execution time of 20s per tau on 250x10000. The results are tau 410 = count 10, tau 20 = count 2. This is the same as the results from Q2, but much quicker computed.</a:t>
+            </a:r>
           </a:p>
         </p:txBody>
       </p:sp>
@@ -7570,8 +7425,8 @@
         </p:nvSpPr>
         <p:spPr bwMode="auto">
           <a:xfrm>
-            <a:off x="247950" y="12426103"/>
-            <a:ext cx="9293322" cy="12874060"/>
+            <a:off x="268429" y="11991031"/>
+            <a:ext cx="9501170" cy="12874060"/>
           </a:xfrm>
           <a:prstGeom prst="rect">
             <a:avLst/>
@@ -7595,49 +7450,13 @@
               <a:defRPr/>
             </a:pPr>
             <a:r>
-              <a:rPr lang="en-US" sz="3200" b="1" dirty="0">
+              <a:rPr lang="en-US" sz="3200" b="1" dirty="0" err="1">
                 <a:solidFill>
                   <a:srgbClr val="0066CC"/>
                 </a:solidFill>
                 <a:latin typeface="Calibri" charset="0"/>
               </a:rPr>
-              <a:t>SparkSQL: find all triples of vectors &lt;X,Y,Z&gt; with aggregate variance at most tau</a:t>
-            </a:r>
-          </a:p>
-          <a:p>
-            <a:pPr marL="0" marR="0" lvl="0" indent="0" algn="l" defTabSz="2949575" rtl="0" eaLnBrk="1" fontAlgn="base" latinLnBrk="0" hangingPunct="1">
-              <a:lnSpc>
-                <a:spcPts val="3200"/>
-              </a:lnSpc>
-              <a:spcBef>
-                <a:spcPct val="0"/>
-              </a:spcBef>
-              <a:spcAft>
-                <a:spcPct val="0"/>
-              </a:spcAft>
-              <a:buClrTx/>
-              <a:buSzTx/>
-              <a:buFontTx/>
-              <a:buNone/>
-              <a:tabLst/>
-              <a:defRPr/>
-            </a:pPr>
-            <a:r>
-              <a:rPr kumimoji="0" lang="en-US" sz="2400" b="1" i="0" u="none" strike="noStrike" kern="1200" cap="none" spc="0" normalizeH="0" baseline="0" noProof="0" dirty="0">
-                <a:ln>
-                  <a:noFill/>
-                </a:ln>
-                <a:solidFill>
-                  <a:srgbClr val="000000"/>
-                </a:solidFill>
-                <a:effectLst/>
-                <a:uLnTx/>
-                <a:uFillTx/>
-                <a:latin typeface="Calibri" charset="0"/>
-                <a:ea typeface="ＭＳ Ｐゴシック" charset="-128"/>
-                <a:cs typeface="+mn-cs"/>
-              </a:rPr>
-              <a:t>Bold</a:t>
+              <a:t>SparkSQL</a:t>
             </a:r>
             <a:endParaRPr lang="en-US" sz="4400" b="1" dirty="0">
               <a:solidFill>
@@ -7659,7 +7478,7 @@
                 <a:latin typeface="Arial" panose="020B0604020202020204" pitchFamily="34" charset="0"/>
                 <a:ea typeface="Calibri" panose="020F0502020204030204" pitchFamily="34" charset="0"/>
               </a:rPr>
-              <a:t>The first version of Q2 consists of a different Q1a where the data would be split into a data frame with key, position, and value (using the built-in </a:t>
+              <a:t>The first version consists of a different data frame where the data would be split into a data frame with key, position, and value (using the built-in </a:t>
             </a:r>
             <a:r>
               <a:rPr lang="en-GB" sz="2400" i="1" dirty="0">
@@ -7686,12 +7505,11 @@
               <a:t>The version with the position in the data frame is more efficient than the </a:t>
             </a:r>
             <a:r>
-              <a:rPr lang="en-US" sz="2400" dirty="0" err="1">
-                <a:effectLst/>
+              <a:rPr lang="en-US" sz="2400" dirty="0">
                 <a:latin typeface="Arial" panose="020B0604020202020204" pitchFamily="34" charset="0"/>
                 <a:ea typeface="Calibri" panose="020F0502020204030204" pitchFamily="34" charset="0"/>
               </a:rPr>
-              <a:t>udf</a:t>
+              <a:t>UDF </a:t>
             </a:r>
             <a:r>
               <a:rPr lang="en-US" sz="2400" dirty="0">
@@ -7699,23 +7517,7 @@
                 <a:latin typeface="Arial" panose="020B0604020202020204" pitchFamily="34" charset="0"/>
                 <a:ea typeface="Calibri" panose="020F0502020204030204" pitchFamily="34" charset="0"/>
               </a:rPr>
-              <a:t> function since Spark can not optimize the </a:t>
-            </a:r>
-            <a:r>
-              <a:rPr lang="en-US" sz="2400" dirty="0" err="1">
-                <a:effectLst/>
-                <a:latin typeface="Arial" panose="020B0604020202020204" pitchFamily="34" charset="0"/>
-                <a:ea typeface="Calibri" panose="020F0502020204030204" pitchFamily="34" charset="0"/>
-              </a:rPr>
-              <a:t>udf</a:t>
-            </a:r>
-            <a:r>
-              <a:rPr lang="en-US" sz="2400" dirty="0">
-                <a:effectLst/>
-                <a:latin typeface="Arial" panose="020B0604020202020204" pitchFamily="34" charset="0"/>
-                <a:ea typeface="Calibri" panose="020F0502020204030204" pitchFamily="34" charset="0"/>
-              </a:rPr>
-              <a:t> function. Our previous algorithms were written in Python which was slower than Java. We decide to switch to the second version and to use Java to speed up the algorithm.</a:t>
+              <a:t>since Spark can not optimize the UDF. Our previous algorithms were written in Python which was slower than Java. We decide to switch to the second version and to use Java to speed up the algorithm.</a:t>
             </a:r>
             <a:r>
               <a:rPr lang="en-GB" sz="2400" dirty="0">
@@ -7737,316 +7539,6 @@
               <a:latin typeface="Arial" panose="020B0604020202020204" pitchFamily="34" charset="0"/>
               <a:ea typeface="Calibri" panose="020F0502020204030204" pitchFamily="34" charset="0"/>
             </a:endParaRPr>
-          </a:p>
-          <a:p>
-            <a:pPr marL="0" marR="0" lvl="0" indent="0" algn="l" defTabSz="2949575" rtl="0" eaLnBrk="1" fontAlgn="base" latinLnBrk="0" hangingPunct="1">
-              <a:lnSpc>
-                <a:spcPts val="3200"/>
-              </a:lnSpc>
-              <a:spcBef>
-                <a:spcPct val="0"/>
-              </a:spcBef>
-              <a:spcAft>
-                <a:spcPct val="0"/>
-              </a:spcAft>
-              <a:buClrTx/>
-              <a:buSzTx/>
-              <a:buFontTx/>
-              <a:buNone/>
-              <a:tabLst/>
-              <a:defRPr/>
-            </a:pPr>
-            <a:endParaRPr lang="en-US" sz="2400" dirty="0">
-              <a:solidFill>
-                <a:srgbClr val="000000"/>
-              </a:solidFill>
-              <a:latin typeface="Calibri" charset="0"/>
-            </a:endParaRPr>
-          </a:p>
-          <a:p>
-            <a:pPr marL="0" marR="0" lvl="0" indent="0" algn="l" defTabSz="2949575" rtl="0" eaLnBrk="1" fontAlgn="base" latinLnBrk="0" hangingPunct="1">
-              <a:lnSpc>
-                <a:spcPts val="3200"/>
-              </a:lnSpc>
-              <a:spcBef>
-                <a:spcPct val="0"/>
-              </a:spcBef>
-              <a:spcAft>
-                <a:spcPct val="0"/>
-              </a:spcAft>
-              <a:buClrTx/>
-              <a:buSzTx/>
-              <a:buFontTx/>
-              <a:buNone/>
-              <a:tabLst/>
-              <a:defRPr/>
-            </a:pPr>
-            <a:endParaRPr lang="en-US" sz="2400" dirty="0">
-              <a:solidFill>
-                <a:srgbClr val="000000"/>
-              </a:solidFill>
-              <a:latin typeface="Calibri" charset="0"/>
-            </a:endParaRPr>
-          </a:p>
-          <a:p>
-            <a:pPr marL="0" marR="0" lvl="0" indent="0" algn="l" defTabSz="2949575" rtl="0" eaLnBrk="1" fontAlgn="base" latinLnBrk="0" hangingPunct="1">
-              <a:lnSpc>
-                <a:spcPts val="3200"/>
-              </a:lnSpc>
-              <a:spcBef>
-                <a:spcPct val="0"/>
-              </a:spcBef>
-              <a:spcAft>
-                <a:spcPct val="0"/>
-              </a:spcAft>
-              <a:buClrTx/>
-              <a:buSzTx/>
-              <a:buFontTx/>
-              <a:buNone/>
-              <a:tabLst/>
-              <a:defRPr/>
-            </a:pPr>
-            <a:r>
-              <a:rPr lang="en-US" sz="2400" dirty="0">
-                <a:solidFill>
-                  <a:srgbClr val="000000"/>
-                </a:solidFill>
-                <a:latin typeface="Courier New" panose="02070309020205020404" pitchFamily="49" charset="0"/>
-                <a:cs typeface="Courier New" panose="02070309020205020404" pitchFamily="49" charset="0"/>
-              </a:rPr>
-              <a:t>SELECT </a:t>
-            </a:r>
-            <a:r>
-              <a:rPr lang="en-US" sz="2400" dirty="0" err="1">
-                <a:solidFill>
-                  <a:srgbClr val="000000"/>
-                </a:solidFill>
-                <a:latin typeface="Courier New" panose="02070309020205020404" pitchFamily="49" charset="0"/>
-                <a:cs typeface="Courier New" panose="02070309020205020404" pitchFamily="49" charset="0"/>
-              </a:rPr>
-              <a:t>triple_id</a:t>
-            </a:r>
-            <a:r>
-              <a:rPr lang="en-US" sz="2400" dirty="0">
-                <a:solidFill>
-                  <a:srgbClr val="000000"/>
-                </a:solidFill>
-                <a:latin typeface="Courier New" panose="02070309020205020404" pitchFamily="49" charset="0"/>
-                <a:cs typeface="Courier New" panose="02070309020205020404" pitchFamily="49" charset="0"/>
-              </a:rPr>
-              <a:t>, VAR_POP(col) FROM (</a:t>
-            </a:r>
-          </a:p>
-          <a:p>
-            <a:pPr marL="0" marR="0" lvl="0" indent="0" algn="l" defTabSz="2949575" rtl="0" eaLnBrk="1" fontAlgn="base" latinLnBrk="0" hangingPunct="1">
-              <a:lnSpc>
-                <a:spcPts val="3200"/>
-              </a:lnSpc>
-              <a:spcBef>
-                <a:spcPct val="0"/>
-              </a:spcBef>
-              <a:spcAft>
-                <a:spcPct val="0"/>
-              </a:spcAft>
-              <a:buClrTx/>
-              <a:buSzTx/>
-              <a:buFontTx/>
-              <a:buNone/>
-              <a:tabLst/>
-              <a:defRPr/>
-            </a:pPr>
-            <a:r>
-              <a:rPr lang="en-US" sz="2400" dirty="0">
-                <a:solidFill>
-                  <a:srgbClr val="000000"/>
-                </a:solidFill>
-                <a:latin typeface="Courier New" panose="02070309020205020404" pitchFamily="49" charset="0"/>
-                <a:cs typeface="Courier New" panose="02070309020205020404" pitchFamily="49" charset="0"/>
-              </a:rPr>
-              <a:t>        SELECT CONCAT(v1.key, ',', v2.key, ',', v3.key) AS </a:t>
-            </a:r>
-            <a:r>
-              <a:rPr lang="en-US" sz="2400" dirty="0" err="1">
-                <a:solidFill>
-                  <a:srgbClr val="000000"/>
-                </a:solidFill>
-                <a:latin typeface="Courier New" panose="02070309020205020404" pitchFamily="49" charset="0"/>
-                <a:cs typeface="Courier New" panose="02070309020205020404" pitchFamily="49" charset="0"/>
-              </a:rPr>
-              <a:t>triple_id</a:t>
-            </a:r>
-            <a:r>
-              <a:rPr lang="en-US" sz="2400" dirty="0">
-                <a:solidFill>
-                  <a:srgbClr val="000000"/>
-                </a:solidFill>
-                <a:latin typeface="Courier New" panose="02070309020205020404" pitchFamily="49" charset="0"/>
-                <a:cs typeface="Courier New" panose="02070309020205020404" pitchFamily="49" charset="0"/>
-              </a:rPr>
-              <a:t>, v1.pos, v1.col + v2.col + v3.col as col</a:t>
-            </a:r>
-          </a:p>
-          <a:p>
-            <a:pPr marL="0" marR="0" lvl="0" indent="0" algn="l" defTabSz="2949575" rtl="0" eaLnBrk="1" fontAlgn="base" latinLnBrk="0" hangingPunct="1">
-              <a:lnSpc>
-                <a:spcPts val="3200"/>
-              </a:lnSpc>
-              <a:spcBef>
-                <a:spcPct val="0"/>
-              </a:spcBef>
-              <a:spcAft>
-                <a:spcPct val="0"/>
-              </a:spcAft>
-              <a:buClrTx/>
-              <a:buSzTx/>
-              <a:buFontTx/>
-              <a:buNone/>
-              <a:tabLst/>
-              <a:defRPr/>
-            </a:pPr>
-            <a:r>
-              <a:rPr lang="en-US" sz="2400" dirty="0">
-                <a:solidFill>
-                  <a:srgbClr val="000000"/>
-                </a:solidFill>
-                <a:latin typeface="Courier New" panose="02070309020205020404" pitchFamily="49" charset="0"/>
-                <a:cs typeface="Courier New" panose="02070309020205020404" pitchFamily="49" charset="0"/>
-              </a:rPr>
-              <a:t>        FROM vectors as v1 </a:t>
-            </a:r>
-          </a:p>
-          <a:p>
-            <a:pPr marL="0" marR="0" lvl="0" indent="0" algn="l" defTabSz="2949575" rtl="0" eaLnBrk="1" fontAlgn="base" latinLnBrk="0" hangingPunct="1">
-              <a:lnSpc>
-                <a:spcPts val="3200"/>
-              </a:lnSpc>
-              <a:spcBef>
-                <a:spcPct val="0"/>
-              </a:spcBef>
-              <a:spcAft>
-                <a:spcPct val="0"/>
-              </a:spcAft>
-              <a:buClrTx/>
-              <a:buSzTx/>
-              <a:buFontTx/>
-              <a:buNone/>
-              <a:tabLst/>
-              <a:defRPr/>
-            </a:pPr>
-            <a:r>
-              <a:rPr lang="en-US" sz="2400" dirty="0">
-                <a:solidFill>
-                  <a:srgbClr val="000000"/>
-                </a:solidFill>
-                <a:latin typeface="Courier New" panose="02070309020205020404" pitchFamily="49" charset="0"/>
-                <a:cs typeface="Courier New" panose="02070309020205020404" pitchFamily="49" charset="0"/>
-              </a:rPr>
-              <a:t>        INNER JOIN vectors as v2 ON (v1.key &lt; v2.key AND v1.pos = v2.pos)</a:t>
-            </a:r>
-          </a:p>
-          <a:p>
-            <a:pPr marL="0" marR="0" lvl="0" indent="0" algn="l" defTabSz="2949575" rtl="0" eaLnBrk="1" fontAlgn="base" latinLnBrk="0" hangingPunct="1">
-              <a:lnSpc>
-                <a:spcPts val="3200"/>
-              </a:lnSpc>
-              <a:spcBef>
-                <a:spcPct val="0"/>
-              </a:spcBef>
-              <a:spcAft>
-                <a:spcPct val="0"/>
-              </a:spcAft>
-              <a:buClrTx/>
-              <a:buSzTx/>
-              <a:buFontTx/>
-              <a:buNone/>
-              <a:tabLst/>
-              <a:defRPr/>
-            </a:pPr>
-            <a:r>
-              <a:rPr lang="en-US" sz="2400" dirty="0">
-                <a:solidFill>
-                  <a:srgbClr val="000000"/>
-                </a:solidFill>
-                <a:latin typeface="Courier New" panose="02070309020205020404" pitchFamily="49" charset="0"/>
-                <a:cs typeface="Courier New" panose="02070309020205020404" pitchFamily="49" charset="0"/>
-              </a:rPr>
-              <a:t>        INNER JOIN vectors as v3 ON (v2.key &lt; v3.key AND v2.pos = v3.pos))</a:t>
-            </a:r>
-          </a:p>
-          <a:p>
-            <a:pPr marL="0" marR="0" lvl="0" indent="0" algn="l" defTabSz="2949575" rtl="0" eaLnBrk="1" fontAlgn="base" latinLnBrk="0" hangingPunct="1">
-              <a:lnSpc>
-                <a:spcPts val="3200"/>
-              </a:lnSpc>
-              <a:spcBef>
-                <a:spcPct val="0"/>
-              </a:spcBef>
-              <a:spcAft>
-                <a:spcPct val="0"/>
-              </a:spcAft>
-              <a:buClrTx/>
-              <a:buSzTx/>
-              <a:buFontTx/>
-              <a:buNone/>
-              <a:tabLst/>
-              <a:defRPr/>
-            </a:pPr>
-            <a:r>
-              <a:rPr lang="en-US" sz="2400" dirty="0">
-                <a:solidFill>
-                  <a:srgbClr val="000000"/>
-                </a:solidFill>
-                <a:latin typeface="Courier New" panose="02070309020205020404" pitchFamily="49" charset="0"/>
-                <a:cs typeface="Courier New" panose="02070309020205020404" pitchFamily="49" charset="0"/>
-              </a:rPr>
-              <a:t>        GROUP BY </a:t>
-            </a:r>
-            <a:r>
-              <a:rPr lang="en-US" sz="2400" dirty="0" err="1">
-                <a:solidFill>
-                  <a:srgbClr val="000000"/>
-                </a:solidFill>
-                <a:latin typeface="Courier New" panose="02070309020205020404" pitchFamily="49" charset="0"/>
-                <a:cs typeface="Courier New" panose="02070309020205020404" pitchFamily="49" charset="0"/>
-              </a:rPr>
-              <a:t>triple_id</a:t>
-            </a:r>
-            <a:endParaRPr lang="en-US" sz="2400" dirty="0">
-              <a:solidFill>
-                <a:srgbClr val="000000"/>
-              </a:solidFill>
-              <a:latin typeface="Courier New" panose="02070309020205020404" pitchFamily="49" charset="0"/>
-              <a:cs typeface="Courier New" panose="02070309020205020404" pitchFamily="49" charset="0"/>
-            </a:endParaRPr>
-          </a:p>
-          <a:p>
-            <a:pPr marL="0" marR="0" lvl="0" indent="0" algn="l" defTabSz="2949575" rtl="0" eaLnBrk="1" fontAlgn="base" latinLnBrk="0" hangingPunct="1">
-              <a:lnSpc>
-                <a:spcPts val="3200"/>
-              </a:lnSpc>
-              <a:spcBef>
-                <a:spcPct val="0"/>
-              </a:spcBef>
-              <a:spcAft>
-                <a:spcPct val="0"/>
-              </a:spcAft>
-              <a:buClrTx/>
-              <a:buSzTx/>
-              <a:buFontTx/>
-              <a:buNone/>
-              <a:tabLst/>
-              <a:defRPr/>
-            </a:pPr>
-            <a:r>
-              <a:rPr lang="en-US" sz="2400" dirty="0">
-                <a:solidFill>
-                  <a:srgbClr val="000000"/>
-                </a:solidFill>
-                <a:latin typeface="Courier New" panose="02070309020205020404" pitchFamily="49" charset="0"/>
-                <a:cs typeface="Courier New" panose="02070309020205020404" pitchFamily="49" charset="0"/>
-              </a:rPr>
-              <a:t>        HAVING VAR_POP(col) &lt; {TAU_PARAMETER};)</a:t>
-            </a:r>
           </a:p>
           <a:p>
             <a:pPr marL="0" marR="0" lvl="0" indent="0" algn="l" defTabSz="2949575" rtl="0" eaLnBrk="1" fontAlgn="base" latinLnBrk="0" hangingPunct="1">
@@ -8324,31 +7816,253 @@
             </a:endParaRPr>
           </a:p>
           <a:p>
-            <a:pPr algn="ctr" rtl="0" fontAlgn="base">
+            <a:pPr marL="0" marR="0" lvl="0" indent="0" algn="l" defTabSz="2949575" rtl="0" eaLnBrk="1" fontAlgn="base" latinLnBrk="0" hangingPunct="1">
               <a:lnSpc>
-                <a:spcPts val="2400"/>
+                <a:spcPts val="3200"/>
               </a:lnSpc>
               <a:spcBef>
-                <a:spcPts val="0"/>
+                <a:spcPct val="0"/>
               </a:spcBef>
               <a:spcAft>
-                <a:spcPts val="0"/>
+                <a:spcPct val="0"/>
               </a:spcAft>
+              <a:buClrTx/>
+              <a:buSzTx/>
+              <a:buFontTx/>
+              <a:buNone/>
+              <a:tabLst/>
+              <a:defRPr/>
             </a:pPr>
-            <a:r>
-              <a:rPr lang="en-US" sz="1800" kern="1200" dirty="0">
-                <a:solidFill>
-                  <a:srgbClr val="000000"/>
-                </a:solidFill>
-                <a:effectLst/>
-                <a:latin typeface="Calibri" panose="020F0502020204030204" pitchFamily="34" charset="0"/>
-                <a:ea typeface="ＭＳ Ｐゴシック" panose="020B0600070205080204" pitchFamily="34" charset="-128"/>
-                <a:cs typeface="+mn-cs"/>
-              </a:rPr>
-              <a:t>Figure 1, Figure description</a:t>
-            </a:r>
-            <a:endParaRPr lang="en-US" sz="800" dirty="0">
-              <a:effectLst/>
+            <a:endParaRPr lang="en-US" sz="2400" dirty="0">
+              <a:solidFill>
+                <a:srgbClr val="000000"/>
+              </a:solidFill>
+              <a:latin typeface="Calibri" charset="0"/>
+            </a:endParaRPr>
+          </a:p>
+          <a:p>
+            <a:pPr marL="0" marR="0" lvl="0" indent="0" algn="l" defTabSz="2949575" rtl="0" eaLnBrk="1" fontAlgn="base" latinLnBrk="0" hangingPunct="1">
+              <a:lnSpc>
+                <a:spcPts val="3200"/>
+              </a:lnSpc>
+              <a:spcBef>
+                <a:spcPct val="0"/>
+              </a:spcBef>
+              <a:spcAft>
+                <a:spcPct val="0"/>
+              </a:spcAft>
+              <a:buClrTx/>
+              <a:buSzTx/>
+              <a:buFontTx/>
+              <a:buNone/>
+              <a:tabLst/>
+              <a:defRPr/>
+            </a:pPr>
+            <a:endParaRPr lang="en-US" sz="2400" dirty="0">
+              <a:solidFill>
+                <a:srgbClr val="000000"/>
+              </a:solidFill>
+              <a:latin typeface="Calibri" charset="0"/>
+            </a:endParaRPr>
+          </a:p>
+          <a:p>
+            <a:pPr marL="0" marR="0" lvl="0" indent="0" algn="l" defTabSz="2949575" rtl="0" eaLnBrk="1" fontAlgn="base" latinLnBrk="0" hangingPunct="1">
+              <a:lnSpc>
+                <a:spcPts val="3200"/>
+              </a:lnSpc>
+              <a:spcBef>
+                <a:spcPct val="0"/>
+              </a:spcBef>
+              <a:spcAft>
+                <a:spcPct val="0"/>
+              </a:spcAft>
+              <a:buClrTx/>
+              <a:buSzTx/>
+              <a:buFontTx/>
+              <a:buNone/>
+              <a:tabLst/>
+              <a:defRPr/>
+            </a:pPr>
+            <a:endParaRPr lang="en-US" sz="2400" dirty="0">
+              <a:solidFill>
+                <a:srgbClr val="000000"/>
+              </a:solidFill>
+              <a:latin typeface="Calibri" charset="0"/>
+            </a:endParaRPr>
+          </a:p>
+          <a:p>
+            <a:pPr marL="0" marR="0" lvl="0" indent="0" algn="l" defTabSz="2949575" rtl="0" eaLnBrk="1" fontAlgn="base" latinLnBrk="0" hangingPunct="1">
+              <a:lnSpc>
+                <a:spcPts val="3200"/>
+              </a:lnSpc>
+              <a:spcBef>
+                <a:spcPct val="0"/>
+              </a:spcBef>
+              <a:spcAft>
+                <a:spcPct val="0"/>
+              </a:spcAft>
+              <a:buClrTx/>
+              <a:buSzTx/>
+              <a:buFontTx/>
+              <a:buNone/>
+              <a:tabLst/>
+              <a:defRPr/>
+            </a:pPr>
+            <a:endParaRPr lang="en-US" sz="2400" dirty="0">
+              <a:solidFill>
+                <a:srgbClr val="000000"/>
+              </a:solidFill>
+              <a:latin typeface="Calibri" charset="0"/>
+            </a:endParaRPr>
+          </a:p>
+          <a:p>
+            <a:pPr marL="0" marR="0" lvl="0" indent="0" algn="l" defTabSz="2949575" rtl="0" eaLnBrk="1" fontAlgn="base" latinLnBrk="0" hangingPunct="1">
+              <a:lnSpc>
+                <a:spcPts val="3200"/>
+              </a:lnSpc>
+              <a:spcBef>
+                <a:spcPct val="0"/>
+              </a:spcBef>
+              <a:spcAft>
+                <a:spcPct val="0"/>
+              </a:spcAft>
+              <a:buClrTx/>
+              <a:buSzTx/>
+              <a:buFontTx/>
+              <a:buNone/>
+              <a:tabLst/>
+              <a:defRPr/>
+            </a:pPr>
+            <a:endParaRPr lang="en-US" sz="2400" dirty="0">
+              <a:solidFill>
+                <a:srgbClr val="000000"/>
+              </a:solidFill>
+              <a:latin typeface="Calibri" charset="0"/>
+            </a:endParaRPr>
+          </a:p>
+          <a:p>
+            <a:pPr marL="0" marR="0" lvl="0" indent="0" algn="l" defTabSz="2949575" rtl="0" eaLnBrk="1" fontAlgn="base" latinLnBrk="0" hangingPunct="1">
+              <a:lnSpc>
+                <a:spcPts val="3200"/>
+              </a:lnSpc>
+              <a:spcBef>
+                <a:spcPct val="0"/>
+              </a:spcBef>
+              <a:spcAft>
+                <a:spcPct val="0"/>
+              </a:spcAft>
+              <a:buClrTx/>
+              <a:buSzTx/>
+              <a:buFontTx/>
+              <a:buNone/>
+              <a:tabLst/>
+              <a:defRPr/>
+            </a:pPr>
+            <a:endParaRPr lang="en-US" sz="2400" dirty="0">
+              <a:solidFill>
+                <a:srgbClr val="000000"/>
+              </a:solidFill>
+              <a:latin typeface="Calibri" charset="0"/>
+            </a:endParaRPr>
+          </a:p>
+          <a:p>
+            <a:pPr marL="0" marR="0" lvl="0" indent="0" algn="l" defTabSz="2949575" rtl="0" eaLnBrk="1" fontAlgn="base" latinLnBrk="0" hangingPunct="1">
+              <a:lnSpc>
+                <a:spcPts val="3200"/>
+              </a:lnSpc>
+              <a:spcBef>
+                <a:spcPct val="0"/>
+              </a:spcBef>
+              <a:spcAft>
+                <a:spcPct val="0"/>
+              </a:spcAft>
+              <a:buClrTx/>
+              <a:buSzTx/>
+              <a:buFontTx/>
+              <a:buNone/>
+              <a:tabLst/>
+              <a:defRPr/>
+            </a:pPr>
+            <a:endParaRPr lang="en-US" sz="2400" dirty="0">
+              <a:solidFill>
+                <a:srgbClr val="000000"/>
+              </a:solidFill>
+              <a:latin typeface="Calibri" charset="0"/>
+            </a:endParaRPr>
+          </a:p>
+          <a:p>
+            <a:pPr marL="0" marR="0" lvl="0" indent="0" algn="l" defTabSz="2949575" rtl="0" eaLnBrk="1" fontAlgn="base" latinLnBrk="0" hangingPunct="1">
+              <a:lnSpc>
+                <a:spcPts val="3200"/>
+              </a:lnSpc>
+              <a:spcBef>
+                <a:spcPct val="0"/>
+              </a:spcBef>
+              <a:spcAft>
+                <a:spcPct val="0"/>
+              </a:spcAft>
+              <a:buClrTx/>
+              <a:buSzTx/>
+              <a:buFontTx/>
+              <a:buNone/>
+              <a:tabLst/>
+              <a:defRPr/>
+            </a:pPr>
+            <a:endParaRPr lang="en-US" sz="2400" dirty="0">
+              <a:solidFill>
+                <a:srgbClr val="000000"/>
+              </a:solidFill>
+              <a:latin typeface="Calibri" charset="0"/>
+            </a:endParaRPr>
+          </a:p>
+          <a:p>
+            <a:pPr marL="0" marR="0" lvl="0" indent="0" algn="l" defTabSz="2949575" rtl="0" eaLnBrk="1" fontAlgn="base" latinLnBrk="0" hangingPunct="1">
+              <a:lnSpc>
+                <a:spcPts val="3200"/>
+              </a:lnSpc>
+              <a:spcBef>
+                <a:spcPct val="0"/>
+              </a:spcBef>
+              <a:spcAft>
+                <a:spcPct val="0"/>
+              </a:spcAft>
+              <a:buClrTx/>
+              <a:buSzTx/>
+              <a:buFontTx/>
+              <a:buNone/>
+              <a:tabLst/>
+              <a:defRPr/>
+            </a:pPr>
+            <a:endParaRPr lang="en-US" sz="2400" dirty="0">
+              <a:solidFill>
+                <a:srgbClr val="000000"/>
+              </a:solidFill>
+              <a:latin typeface="Calibri" charset="0"/>
+            </a:endParaRPr>
+          </a:p>
+          <a:p>
+            <a:pPr marL="0" marR="0" lvl="0" indent="0" algn="l" defTabSz="2949575" rtl="0" eaLnBrk="1" fontAlgn="base" latinLnBrk="0" hangingPunct="1">
+              <a:lnSpc>
+                <a:spcPts val="3200"/>
+              </a:lnSpc>
+              <a:spcBef>
+                <a:spcPct val="0"/>
+              </a:spcBef>
+              <a:spcAft>
+                <a:spcPct val="0"/>
+              </a:spcAft>
+              <a:buClrTx/>
+              <a:buSzTx/>
+              <a:buFontTx/>
+              <a:buNone/>
+              <a:tabLst/>
+              <a:defRPr/>
+            </a:pPr>
+            <a:endParaRPr lang="en-US" sz="2400" dirty="0">
+              <a:solidFill>
+                <a:srgbClr val="000000"/>
+              </a:solidFill>
+              <a:latin typeface="Calibri" charset="0"/>
             </a:endParaRPr>
           </a:p>
           <a:p>
@@ -8401,14 +8115,14 @@
           <p:nvPr>
             <p:extLst>
               <p:ext uri="{D42A27DB-BD31-4B8C-83A1-F6EECF244321}">
-                <p14:modId xmlns:p14="http://schemas.microsoft.com/office/powerpoint/2010/main" val="3905716400"/>
+                <p14:modId xmlns:p14="http://schemas.microsoft.com/office/powerpoint/2010/main" val="4047222859"/>
               </p:ext>
             </p:extLst>
           </p:nvPr>
         </p:nvGraphicFramePr>
         <p:xfrm>
-          <a:off x="191273" y="10800654"/>
-          <a:ext cx="4308810" cy="1567528"/>
+          <a:off x="247948" y="10421308"/>
+          <a:ext cx="4308810" cy="1547312"/>
         </p:xfrm>
         <a:graphic>
           <a:graphicData uri="http://schemas.openxmlformats.org/drawingml/2006/table">
@@ -8430,7 +8144,7 @@
                   </a:extLst>
                 </a:gridCol>
               </a:tblGrid>
-              <a:tr h="391882">
+              <a:tr h="0">
                 <a:tc>
                   <a:txBody>
                     <a:bodyPr/>
@@ -8920,7 +8634,7 @@
         </p:nvSpPr>
         <p:spPr bwMode="auto">
           <a:xfrm>
-            <a:off x="4652395" y="11433358"/>
+            <a:off x="4672802" y="11194964"/>
             <a:ext cx="432048" cy="360040"/>
           </a:xfrm>
           <a:prstGeom prst="rightArrow">
@@ -8992,13 +8706,13 @@
           <p:nvPr>
             <p:extLst>
               <p:ext uri="{D42A27DB-BD31-4B8C-83A1-F6EECF244321}">
-                <p14:modId xmlns:p14="http://schemas.microsoft.com/office/powerpoint/2010/main" val="1986825254"/>
+                <p14:modId xmlns:p14="http://schemas.microsoft.com/office/powerpoint/2010/main" val="2611599307"/>
               </p:ext>
             </p:extLst>
           </p:nvPr>
         </p:nvGraphicFramePr>
         <p:xfrm>
-          <a:off x="5444483" y="10800654"/>
+          <a:off x="5326530" y="10398335"/>
           <a:ext cx="4116126" cy="1625449"/>
         </p:xfrm>
         <a:graphic>
@@ -9043,7 +8757,7 @@
                         </a:spcAft>
                       </a:pPr>
                       <a:r>
-                        <a:rPr lang="en-GB" sz="2400" b="1">
+                        <a:rPr lang="en-GB" sz="2400" b="1" dirty="0">
                           <a:solidFill>
                             <a:srgbClr val="FFFFFF"/>
                           </a:solidFill>
@@ -9054,7 +8768,7 @@
                         </a:rPr>
                         <a:t>key</a:t>
                       </a:r>
-                      <a:endParaRPr lang="en-NL" sz="2400">
+                      <a:endParaRPr lang="en-NL" sz="2400" dirty="0">
                         <a:effectLst/>
                         <a:latin typeface="Arial" panose="020B0604020202020204" pitchFamily="34" charset="0"/>
                         <a:ea typeface="Calibri" panose="020F0502020204030204" pitchFamily="34" charset="0"/>
@@ -9541,7 +9255,7 @@
                         </a:spcAft>
                       </a:pPr>
                       <a:r>
-                        <a:rPr lang="en-GB" sz="2400">
+                        <a:rPr lang="en-GB" sz="2400" dirty="0">
                           <a:effectLst/>
                           <a:latin typeface="Calibri" panose="020F0502020204030204" pitchFamily="34" charset="0"/>
                           <a:ea typeface="Times New Roman" panose="02020603050405020304" pitchFamily="18" charset="0"/>
@@ -9549,7 +9263,7 @@
                         </a:rPr>
                         <a:t>T7RO</a:t>
                       </a:r>
-                      <a:endParaRPr lang="en-NL" sz="2400">
+                      <a:endParaRPr lang="en-NL" sz="2400" dirty="0">
                         <a:effectLst/>
                         <a:latin typeface="Arial" panose="020B0604020202020204" pitchFamily="34" charset="0"/>
                         <a:ea typeface="Calibri" panose="020F0502020204030204" pitchFamily="34" charset="0"/>
@@ -9702,36 +9416,6 @@
           </a:graphicData>
         </a:graphic>
       </p:graphicFrame>
-      <p:pic>
-        <p:nvPicPr>
-          <p:cNvPr id="11" name="Picture 10">
-            <a:extLst>
-              <a:ext uri="{FF2B5EF4-FFF2-40B4-BE49-F238E27FC236}">
-                <a16:creationId xmlns:a16="http://schemas.microsoft.com/office/drawing/2014/main" id="{66FB3A3C-07B6-EE4F-0F86-9D6ECC43AE37}"/>
-              </a:ext>
-            </a:extLst>
-          </p:cNvPr>
-          <p:cNvPicPr>
-            <a:picLocks noChangeAspect="1"/>
-          </p:cNvPicPr>
-          <p:nvPr/>
-        </p:nvPicPr>
-        <p:blipFill>
-          <a:blip r:embed="rId2"/>
-          <a:stretch>
-            <a:fillRect/>
-          </a:stretch>
-        </p:blipFill>
-        <p:spPr>
-          <a:xfrm>
-            <a:off x="1908824" y="24787013"/>
-            <a:ext cx="5510852" cy="4133139"/>
-          </a:xfrm>
-          <a:prstGeom prst="rect">
-            <a:avLst/>
-          </a:prstGeom>
-        </p:spPr>
-      </p:pic>
       <p:sp>
         <p:nvSpPr>
           <p:cNvPr id="16" name="Text Box 9">
@@ -9748,8 +9432,8 @@
         </p:nvSpPr>
         <p:spPr bwMode="auto">
           <a:xfrm>
-            <a:off x="9901312" y="14905707"/>
-            <a:ext cx="10153128" cy="9996213"/>
+            <a:off x="9901312" y="14113619"/>
+            <a:ext cx="10153128" cy="10788301"/>
           </a:xfrm>
           <a:prstGeom prst="rect">
             <a:avLst/>
@@ -9781,67 +9465,6 @@
               </a:rPr>
               <a:t>Count-min sketch</a:t>
             </a:r>
-          </a:p>
-          <a:p>
-            <a:pPr marL="0" marR="0" lvl="0" indent="0" algn="l" defTabSz="2949575" rtl="0" eaLnBrk="1" fontAlgn="base" latinLnBrk="0" hangingPunct="1">
-              <a:lnSpc>
-                <a:spcPts val="3200"/>
-              </a:lnSpc>
-              <a:spcBef>
-                <a:spcPct val="0"/>
-              </a:spcBef>
-              <a:spcAft>
-                <a:spcPct val="0"/>
-              </a:spcAft>
-              <a:buClrTx/>
-              <a:buSzTx/>
-              <a:buFontTx/>
-              <a:buNone/>
-              <a:tabLst/>
-              <a:defRPr/>
-            </a:pPr>
-            <a:r>
-              <a:rPr kumimoji="0" lang="en-US" sz="2400" b="1" i="0" u="none" strike="noStrike" kern="1200" cap="none" spc="0" normalizeH="0" baseline="0" noProof="0" dirty="0">
-                <a:ln>
-                  <a:noFill/>
-                </a:ln>
-                <a:solidFill>
-                  <a:srgbClr val="000000"/>
-                </a:solidFill>
-                <a:effectLst/>
-                <a:uLnTx/>
-                <a:uFillTx/>
-                <a:latin typeface="Calibri" charset="0"/>
-                <a:ea typeface="ＭＳ Ｐゴシック" charset="-128"/>
-                <a:cs typeface="+mn-cs"/>
-              </a:rPr>
-              <a:t>Bold</a:t>
-            </a:r>
-            <a:endParaRPr lang="en-US" sz="4400" b="1" dirty="0">
-              <a:solidFill>
-                <a:srgbClr val="0066CC"/>
-              </a:solidFill>
-              <a:latin typeface="Calibri" charset="0"/>
-            </a:endParaRPr>
-          </a:p>
-          <a:p>
-            <a:pPr marL="0" marR="0" lvl="0" indent="0" algn="l" defTabSz="2949575" rtl="0" eaLnBrk="1" fontAlgn="base" latinLnBrk="0" hangingPunct="1">
-              <a:lnSpc>
-                <a:spcPts val="3200"/>
-              </a:lnSpc>
-              <a:spcBef>
-                <a:spcPct val="0"/>
-              </a:spcBef>
-              <a:spcAft>
-                <a:spcPct val="0"/>
-              </a:spcAft>
-              <a:buClrTx/>
-              <a:buSzTx/>
-              <a:buFontTx/>
-              <a:buNone/>
-              <a:tabLst/>
-              <a:defRPr/>
-            </a:pPr>
             <a:endParaRPr lang="en-GB" sz="1800" dirty="0">
               <a:solidFill>
                 <a:srgbClr val="101073"/>
@@ -9863,7 +9486,7 @@
                 <a:latin typeface="Arial" panose="020B0604020202020204" pitchFamily="34" charset="0"/>
                 <a:ea typeface="Calibri" panose="020F0502020204030204" pitchFamily="34" charset="0"/>
               </a:rPr>
-              <a:t>The sketch is created by storing each vector with an hash function. Different functions are applied on the sketch to get the aggregated variance. Dyadic intervals are used to get the triples which are below a certain tau threshold. We give the sketch the width and the depth which are calculated with the following formula. The update </a:t>
+              <a:t>The sketch is created by storing each vector with a hash function. Different functions are applied on the sketch to get the aggregated variance. Dyadic intervals are used to get the triples which are below a certain tau threshold. We give the sketch the width and depth calculated with the following formula. The update </a:t>
             </a:r>
             <a:r>
               <a:rPr lang="en-GB" sz="2400" dirty="0" err="1">
@@ -10244,8 +9867,8 @@
         </p:nvSpPr>
         <p:spPr bwMode="auto">
           <a:xfrm>
-            <a:off x="9769599" y="24901921"/>
-            <a:ext cx="11237538" cy="4981450"/>
+            <a:off x="11398819" y="24062585"/>
+            <a:ext cx="9449641" cy="6144819"/>
           </a:xfrm>
           <a:prstGeom prst="rect">
             <a:avLst/>
@@ -10532,34 +10155,6 @@
             </a:endParaRPr>
           </a:p>
           <a:p>
-            <a:pPr algn="ctr" rtl="0" fontAlgn="base">
-              <a:lnSpc>
-                <a:spcPts val="2400"/>
-              </a:lnSpc>
-              <a:spcBef>
-                <a:spcPts val="0"/>
-              </a:spcBef>
-              <a:spcAft>
-                <a:spcPts val="0"/>
-              </a:spcAft>
-            </a:pPr>
-            <a:r>
-              <a:rPr lang="en-US" sz="1800" kern="1200" dirty="0">
-                <a:solidFill>
-                  <a:srgbClr val="000000"/>
-                </a:solidFill>
-                <a:effectLst/>
-                <a:latin typeface="Calibri" panose="020F0502020204030204" pitchFamily="34" charset="0"/>
-                <a:ea typeface="ＭＳ Ｐゴシック" panose="020B0600070205080204" pitchFamily="34" charset="-128"/>
-                <a:cs typeface="+mn-cs"/>
-              </a:rPr>
-              <a:t>Figure 1, Figure description</a:t>
-            </a:r>
-            <a:endParaRPr lang="en-US" sz="800" dirty="0">
-              <a:effectLst/>
-            </a:endParaRPr>
-          </a:p>
-          <a:p>
             <a:pPr marL="0" marR="0" lvl="0" indent="0" algn="l" defTabSz="2949575" rtl="0" eaLnBrk="1" fontAlgn="base" latinLnBrk="0" hangingPunct="1">
               <a:lnSpc>
                 <a:spcPts val="3200"/>
@@ -10596,10 +10191,46 @@
       </p:sp>
       <p:pic>
         <p:nvPicPr>
-          <p:cNvPr id="19" name="Picture 18" descr="Diagram&#10;&#10;Description automatically generated">
+          <p:cNvPr id="5" name="Afbeelding 4" descr="Afbeelding met diagram&#10;&#10;Automatisch gegenereerde beschrijving">
             <a:extLst>
               <a:ext uri="{FF2B5EF4-FFF2-40B4-BE49-F238E27FC236}">
-                <a16:creationId xmlns:a16="http://schemas.microsoft.com/office/drawing/2014/main" id="{76BCB943-0D2B-D73D-61A8-A3AD1A0244DD}"/>
+                <a16:creationId xmlns:a16="http://schemas.microsoft.com/office/drawing/2014/main" id="{8F86F7F3-400F-A073-A481-EA9F1C878EFB}"/>
+              </a:ext>
+            </a:extLst>
+          </p:cNvPr>
+          <p:cNvPicPr>
+            <a:picLocks noChangeAspect="1"/>
+          </p:cNvPicPr>
+          <p:nvPr/>
+        </p:nvPicPr>
+        <p:blipFill>
+          <a:blip r:embed="rId2">
+            <a:extLst>
+              <a:ext uri="{28A0092B-C50C-407E-A947-70E740481C1C}">
+                <a14:useLocalDpi xmlns:a14="http://schemas.microsoft.com/office/drawing/2010/main" val="0"/>
+              </a:ext>
+            </a:extLst>
+          </a:blip>
+          <a:stretch>
+            <a:fillRect/>
+          </a:stretch>
+        </p:blipFill>
+        <p:spPr>
+          <a:xfrm>
+            <a:off x="9762951" y="8785027"/>
+            <a:ext cx="11583747" cy="1186476"/>
+          </a:xfrm>
+          <a:prstGeom prst="rect">
+            <a:avLst/>
+          </a:prstGeom>
+        </p:spPr>
+      </p:pic>
+      <p:pic>
+        <p:nvPicPr>
+          <p:cNvPr id="10" name="Afbeelding 9" descr="Afbeelding met grafiek&#10;&#10;Automatisch gegenereerde beschrijving">
+            <a:extLst>
+              <a:ext uri="{FF2B5EF4-FFF2-40B4-BE49-F238E27FC236}">
+                <a16:creationId xmlns:a16="http://schemas.microsoft.com/office/drawing/2014/main" id="{3BA42E56-1F9D-8F64-9CE6-45A49AAE7855}"/>
               </a:ext>
             </a:extLst>
           </p:cNvPr>
@@ -10622,14 +10253,393 @@
         </p:blipFill>
         <p:spPr>
           <a:xfrm>
-            <a:off x="9769599" y="9152962"/>
-            <a:ext cx="11617201" cy="1632352"/>
+            <a:off x="1314105" y="17037830"/>
+            <a:ext cx="7409817" cy="4939878"/>
           </a:xfrm>
           <a:prstGeom prst="rect">
             <a:avLst/>
           </a:prstGeom>
         </p:spPr>
       </p:pic>
+      <p:sp>
+        <p:nvSpPr>
+          <p:cNvPr id="12" name="Tekstvak 11">
+            <a:extLst>
+              <a:ext uri="{FF2B5EF4-FFF2-40B4-BE49-F238E27FC236}">
+                <a16:creationId xmlns:a16="http://schemas.microsoft.com/office/drawing/2014/main" id="{79440D3F-B87F-9268-D76B-86552AF2EB1E}"/>
+              </a:ext>
+            </a:extLst>
+          </p:cNvPr>
+          <p:cNvSpPr txBox="1"/>
+          <p:nvPr/>
+        </p:nvSpPr>
+        <p:spPr>
+          <a:xfrm>
+            <a:off x="31182" y="25301118"/>
+            <a:ext cx="10829230" cy="5088573"/>
+          </a:xfrm>
+          <a:prstGeom prst="rect">
+            <a:avLst/>
+          </a:prstGeom>
+          <a:noFill/>
+        </p:spPr>
+        <p:txBody>
+          <a:bodyPr wrap="square" rtlCol="0">
+            <a:spAutoFit/>
+          </a:bodyPr>
+          <a:lstStyle/>
+          <a:p>
+            <a:pPr marL="0" marR="0" lvl="0" indent="0" algn="l" defTabSz="2949575" rtl="0" eaLnBrk="1" fontAlgn="base" latinLnBrk="0" hangingPunct="1">
+              <a:lnSpc>
+                <a:spcPts val="3200"/>
+              </a:lnSpc>
+              <a:spcBef>
+                <a:spcPct val="0"/>
+              </a:spcBef>
+              <a:spcAft>
+                <a:spcPct val="0"/>
+              </a:spcAft>
+              <a:buClrTx/>
+              <a:buSzTx/>
+              <a:buFontTx/>
+              <a:buNone/>
+              <a:tabLst/>
+              <a:defRPr/>
+            </a:pPr>
+            <a:r>
+              <a:rPr lang="en-US" sz="2400" dirty="0">
+                <a:solidFill>
+                  <a:srgbClr val="000000"/>
+                </a:solidFill>
+                <a:latin typeface="Courier New" panose="02070309020205020404" pitchFamily="49" charset="0"/>
+                <a:cs typeface="Courier New" panose="02070309020205020404" pitchFamily="49" charset="0"/>
+              </a:rPr>
+              <a:t>SELECT </a:t>
+            </a:r>
+            <a:r>
+              <a:rPr lang="en-US" sz="2400" dirty="0" err="1">
+                <a:solidFill>
+                  <a:srgbClr val="000000"/>
+                </a:solidFill>
+                <a:latin typeface="Courier New" panose="02070309020205020404" pitchFamily="49" charset="0"/>
+                <a:cs typeface="Courier New" panose="02070309020205020404" pitchFamily="49" charset="0"/>
+              </a:rPr>
+              <a:t>triple_id</a:t>
+            </a:r>
+            <a:r>
+              <a:rPr lang="en-US" sz="2400" dirty="0">
+                <a:solidFill>
+                  <a:srgbClr val="000000"/>
+                </a:solidFill>
+                <a:latin typeface="Courier New" panose="02070309020205020404" pitchFamily="49" charset="0"/>
+                <a:cs typeface="Courier New" panose="02070309020205020404" pitchFamily="49" charset="0"/>
+              </a:rPr>
+              <a:t>, VAR_POP(col) FROM (</a:t>
+            </a:r>
+          </a:p>
+          <a:p>
+            <a:pPr marL="0" marR="0" lvl="0" indent="0" algn="l" defTabSz="2949575" rtl="0" eaLnBrk="1" fontAlgn="base" latinLnBrk="0" hangingPunct="1">
+              <a:lnSpc>
+                <a:spcPts val="3200"/>
+              </a:lnSpc>
+              <a:spcBef>
+                <a:spcPct val="0"/>
+              </a:spcBef>
+              <a:spcAft>
+                <a:spcPct val="0"/>
+              </a:spcAft>
+              <a:buClrTx/>
+              <a:buSzTx/>
+              <a:buFontTx/>
+              <a:buNone/>
+              <a:tabLst/>
+              <a:defRPr/>
+            </a:pPr>
+            <a:r>
+              <a:rPr lang="en-US" sz="2400" dirty="0">
+                <a:solidFill>
+                  <a:srgbClr val="000000"/>
+                </a:solidFill>
+                <a:latin typeface="Courier New" panose="02070309020205020404" pitchFamily="49" charset="0"/>
+                <a:cs typeface="Courier New" panose="02070309020205020404" pitchFamily="49" charset="0"/>
+              </a:rPr>
+              <a:t>    SELECT CONCAT(v1.key, ',', v2.key, ',', v3.key) </a:t>
+            </a:r>
+          </a:p>
+          <a:p>
+            <a:pPr marL="0" marR="0" lvl="0" indent="0" algn="l" defTabSz="2949575" rtl="0" eaLnBrk="1" fontAlgn="base" latinLnBrk="0" hangingPunct="1">
+              <a:lnSpc>
+                <a:spcPts val="3200"/>
+              </a:lnSpc>
+              <a:spcBef>
+                <a:spcPct val="0"/>
+              </a:spcBef>
+              <a:spcAft>
+                <a:spcPct val="0"/>
+              </a:spcAft>
+              <a:buClrTx/>
+              <a:buSzTx/>
+              <a:buFontTx/>
+              <a:buNone/>
+              <a:tabLst/>
+              <a:defRPr/>
+            </a:pPr>
+            <a:r>
+              <a:rPr lang="en-US" sz="2400" dirty="0">
+                <a:solidFill>
+                  <a:srgbClr val="000000"/>
+                </a:solidFill>
+                <a:latin typeface="Courier New" panose="02070309020205020404" pitchFamily="49" charset="0"/>
+                <a:cs typeface="Courier New" panose="02070309020205020404" pitchFamily="49" charset="0"/>
+              </a:rPr>
+              <a:t>    AS </a:t>
+            </a:r>
+            <a:r>
+              <a:rPr lang="en-US" sz="2400" dirty="0" err="1">
+                <a:solidFill>
+                  <a:srgbClr val="000000"/>
+                </a:solidFill>
+                <a:latin typeface="Courier New" panose="02070309020205020404" pitchFamily="49" charset="0"/>
+                <a:cs typeface="Courier New" panose="02070309020205020404" pitchFamily="49" charset="0"/>
+              </a:rPr>
+              <a:t>triple_id</a:t>
+            </a:r>
+            <a:r>
+              <a:rPr lang="en-US" sz="2400" dirty="0">
+                <a:solidFill>
+                  <a:srgbClr val="000000"/>
+                </a:solidFill>
+                <a:latin typeface="Courier New" panose="02070309020205020404" pitchFamily="49" charset="0"/>
+                <a:cs typeface="Courier New" panose="02070309020205020404" pitchFamily="49" charset="0"/>
+              </a:rPr>
+              <a:t>, v1.pos, v1.col + v2.col + v3.col as col</a:t>
+            </a:r>
+          </a:p>
+          <a:p>
+            <a:pPr marL="0" marR="0" lvl="0" indent="0" algn="l" defTabSz="2949575" rtl="0" eaLnBrk="1" fontAlgn="base" latinLnBrk="0" hangingPunct="1">
+              <a:lnSpc>
+                <a:spcPts val="3200"/>
+              </a:lnSpc>
+              <a:spcBef>
+                <a:spcPct val="0"/>
+              </a:spcBef>
+              <a:spcAft>
+                <a:spcPct val="0"/>
+              </a:spcAft>
+              <a:buClrTx/>
+              <a:buSzTx/>
+              <a:buFontTx/>
+              <a:buNone/>
+              <a:tabLst/>
+              <a:defRPr/>
+            </a:pPr>
+            <a:r>
+              <a:rPr lang="en-US" sz="2400" dirty="0">
+                <a:solidFill>
+                  <a:srgbClr val="000000"/>
+                </a:solidFill>
+                <a:latin typeface="Courier New" panose="02070309020205020404" pitchFamily="49" charset="0"/>
+                <a:cs typeface="Courier New" panose="02070309020205020404" pitchFamily="49" charset="0"/>
+              </a:rPr>
+              <a:t>    FROM vectors as v1 </a:t>
+            </a:r>
+          </a:p>
+          <a:p>
+            <a:pPr marL="0" marR="0" lvl="0" indent="0" algn="l" defTabSz="2949575" rtl="0" eaLnBrk="1" fontAlgn="base" latinLnBrk="0" hangingPunct="1">
+              <a:lnSpc>
+                <a:spcPts val="3200"/>
+              </a:lnSpc>
+              <a:spcBef>
+                <a:spcPct val="0"/>
+              </a:spcBef>
+              <a:spcAft>
+                <a:spcPct val="0"/>
+              </a:spcAft>
+              <a:buClrTx/>
+              <a:buSzTx/>
+              <a:buFontTx/>
+              <a:buNone/>
+              <a:tabLst/>
+              <a:defRPr/>
+            </a:pPr>
+            <a:r>
+              <a:rPr lang="en-US" sz="2400" dirty="0">
+                <a:solidFill>
+                  <a:srgbClr val="000000"/>
+                </a:solidFill>
+                <a:latin typeface="Courier New" panose="02070309020205020404" pitchFamily="49" charset="0"/>
+                <a:cs typeface="Courier New" panose="02070309020205020404" pitchFamily="49" charset="0"/>
+              </a:rPr>
+              <a:t>    INNER JOIN vectors as v2 ON (v1.key &lt; v2.key </a:t>
+            </a:r>
+          </a:p>
+          <a:p>
+            <a:pPr marL="0" marR="0" lvl="0" indent="0" algn="l" defTabSz="2949575" rtl="0" eaLnBrk="1" fontAlgn="base" latinLnBrk="0" hangingPunct="1">
+              <a:lnSpc>
+                <a:spcPts val="3200"/>
+              </a:lnSpc>
+              <a:spcBef>
+                <a:spcPct val="0"/>
+              </a:spcBef>
+              <a:spcAft>
+                <a:spcPct val="0"/>
+              </a:spcAft>
+              <a:buClrTx/>
+              <a:buSzTx/>
+              <a:buFontTx/>
+              <a:buNone/>
+              <a:tabLst/>
+              <a:defRPr/>
+            </a:pPr>
+            <a:r>
+              <a:rPr lang="en-US" sz="2400" dirty="0">
+                <a:solidFill>
+                  <a:srgbClr val="000000"/>
+                </a:solidFill>
+                <a:latin typeface="Courier New" panose="02070309020205020404" pitchFamily="49" charset="0"/>
+                <a:cs typeface="Courier New" panose="02070309020205020404" pitchFamily="49" charset="0"/>
+              </a:rPr>
+              <a:t>	AND v1.pos = v2.pos)</a:t>
+            </a:r>
+          </a:p>
+          <a:p>
+            <a:pPr marL="0" marR="0" lvl="0" indent="0" algn="l" defTabSz="2949575" rtl="0" eaLnBrk="1" fontAlgn="base" latinLnBrk="0" hangingPunct="1">
+              <a:lnSpc>
+                <a:spcPts val="3200"/>
+              </a:lnSpc>
+              <a:spcBef>
+                <a:spcPct val="0"/>
+              </a:spcBef>
+              <a:spcAft>
+                <a:spcPct val="0"/>
+              </a:spcAft>
+              <a:buClrTx/>
+              <a:buSzTx/>
+              <a:buFontTx/>
+              <a:buNone/>
+              <a:tabLst/>
+              <a:defRPr/>
+            </a:pPr>
+            <a:r>
+              <a:rPr lang="en-US" sz="2400" dirty="0">
+                <a:solidFill>
+                  <a:srgbClr val="000000"/>
+                </a:solidFill>
+                <a:latin typeface="Courier New" panose="02070309020205020404" pitchFamily="49" charset="0"/>
+                <a:cs typeface="Courier New" panose="02070309020205020404" pitchFamily="49" charset="0"/>
+              </a:rPr>
+              <a:t>    INNER JOIN vectors as v3 ON (v2.key &lt; v3.key </a:t>
+            </a:r>
+          </a:p>
+          <a:p>
+            <a:pPr marL="0" marR="0" lvl="0" indent="0" algn="l" defTabSz="2949575" rtl="0" eaLnBrk="1" fontAlgn="base" latinLnBrk="0" hangingPunct="1">
+              <a:lnSpc>
+                <a:spcPts val="3200"/>
+              </a:lnSpc>
+              <a:spcBef>
+                <a:spcPct val="0"/>
+              </a:spcBef>
+              <a:spcAft>
+                <a:spcPct val="0"/>
+              </a:spcAft>
+              <a:buClrTx/>
+              <a:buSzTx/>
+              <a:buFontTx/>
+              <a:buNone/>
+              <a:tabLst/>
+              <a:defRPr/>
+            </a:pPr>
+            <a:r>
+              <a:rPr lang="en-US" sz="2400" dirty="0">
+                <a:solidFill>
+                  <a:srgbClr val="000000"/>
+                </a:solidFill>
+                <a:latin typeface="Courier New" panose="02070309020205020404" pitchFamily="49" charset="0"/>
+                <a:cs typeface="Courier New" panose="02070309020205020404" pitchFamily="49" charset="0"/>
+              </a:rPr>
+              <a:t>	AND v2.pos = v3.pos))</a:t>
+            </a:r>
+          </a:p>
+          <a:p>
+            <a:pPr marL="0" marR="0" lvl="0" indent="0" algn="l" defTabSz="2949575" rtl="0" eaLnBrk="1" fontAlgn="base" latinLnBrk="0" hangingPunct="1">
+              <a:lnSpc>
+                <a:spcPts val="3200"/>
+              </a:lnSpc>
+              <a:spcBef>
+                <a:spcPct val="0"/>
+              </a:spcBef>
+              <a:spcAft>
+                <a:spcPct val="0"/>
+              </a:spcAft>
+              <a:buClrTx/>
+              <a:buSzTx/>
+              <a:buFontTx/>
+              <a:buNone/>
+              <a:tabLst/>
+              <a:defRPr/>
+            </a:pPr>
+            <a:r>
+              <a:rPr lang="en-US" sz="2400" dirty="0">
+                <a:solidFill>
+                  <a:srgbClr val="000000"/>
+                </a:solidFill>
+                <a:latin typeface="Courier New" panose="02070309020205020404" pitchFamily="49" charset="0"/>
+                <a:cs typeface="Courier New" panose="02070309020205020404" pitchFamily="49" charset="0"/>
+              </a:rPr>
+              <a:t>    GROUP BY </a:t>
+            </a:r>
+            <a:r>
+              <a:rPr lang="en-US" sz="2400" dirty="0" err="1">
+                <a:solidFill>
+                  <a:srgbClr val="000000"/>
+                </a:solidFill>
+                <a:latin typeface="Courier New" panose="02070309020205020404" pitchFamily="49" charset="0"/>
+                <a:cs typeface="Courier New" panose="02070309020205020404" pitchFamily="49" charset="0"/>
+              </a:rPr>
+              <a:t>triple_id</a:t>
+            </a:r>
+            <a:endParaRPr lang="en-US" sz="2400" dirty="0">
+              <a:solidFill>
+                <a:srgbClr val="000000"/>
+              </a:solidFill>
+              <a:latin typeface="Courier New" panose="02070309020205020404" pitchFamily="49" charset="0"/>
+              <a:cs typeface="Courier New" panose="02070309020205020404" pitchFamily="49" charset="0"/>
+            </a:endParaRPr>
+          </a:p>
+          <a:p>
+            <a:pPr marL="0" marR="0" lvl="0" indent="0" algn="l" defTabSz="2949575" rtl="0" eaLnBrk="1" fontAlgn="base" latinLnBrk="0" hangingPunct="1">
+              <a:lnSpc>
+                <a:spcPts val="3200"/>
+              </a:lnSpc>
+              <a:spcBef>
+                <a:spcPct val="0"/>
+              </a:spcBef>
+              <a:spcAft>
+                <a:spcPct val="0"/>
+              </a:spcAft>
+              <a:buClrTx/>
+              <a:buSzTx/>
+              <a:buFontTx/>
+              <a:buNone/>
+              <a:tabLst/>
+              <a:defRPr/>
+            </a:pPr>
+            <a:r>
+              <a:rPr lang="en-US" sz="2400" dirty="0">
+                <a:solidFill>
+                  <a:srgbClr val="000000"/>
+                </a:solidFill>
+                <a:latin typeface="Courier New" panose="02070309020205020404" pitchFamily="49" charset="0"/>
+                <a:cs typeface="Courier New" panose="02070309020205020404" pitchFamily="49" charset="0"/>
+              </a:rPr>
+              <a:t>    HAVING VAR_POP(col) &lt; {TAU_PARAMETER};)</a:t>
+            </a:r>
+          </a:p>
+          <a:p>
+            <a:endParaRPr lang="en-GB" dirty="0"/>
+          </a:p>
+        </p:txBody>
+      </p:sp>
     </p:spTree>
   </p:cSld>
   <p:clrMapOvr>

--- a/Poster/BDM_poster.pptx
+++ b/Poster/BDM_poster.pptx
@@ -466,7 +466,7 @@
               <a:pPr>
                 <a:defRPr/>
               </a:pPr>
-              <a:t>‹nr.›</a:t>
+              <a:t>‹#›</a:t>
             </a:fld>
             <a:endParaRPr lang="nl-NL"/>
           </a:p>
@@ -7069,8 +7069,8 @@
         </p:nvSpPr>
         <p:spPr bwMode="auto">
           <a:xfrm>
-            <a:off x="247949" y="7704908"/>
-            <a:ext cx="9431683" cy="4721196"/>
+            <a:off x="247950" y="7704908"/>
+            <a:ext cx="8784976" cy="4721196"/>
           </a:xfrm>
           <a:prstGeom prst="rect">
             <a:avLst/>
@@ -7116,7 +7116,7 @@
                 <a:latin typeface="Arial" panose="020B0604020202020204" pitchFamily="34" charset="0"/>
                 <a:ea typeface="Calibri" panose="020F0502020204030204" pitchFamily="34" charset="0"/>
               </a:rPr>
-              <a:t>The data frame is created by reading the. The c0 column is used as a key for the vector. The original c1 column values are split and the posexplode() function is used to create a row for each position of the vector.  For the RDD, we split the key and values. The RDD is a tuple with the key followed by the values of the vector.</a:t>
+              <a:t>The data frame/ dataset is created by Spark by first reading the csv which gives us the data frame. The c0 column is used as a key for the vector. The original c1 column values are split and the posexplode() function is used to create a row for each position of the vector.  For the RDD, we split the key and values. The RDD is a tuple with first the key followed by the values of the vector.</a:t>
             </a:r>
           </a:p>
           <a:p>
@@ -7223,8 +7223,8 @@
         </p:nvSpPr>
         <p:spPr bwMode="auto">
           <a:xfrm>
-            <a:off x="9901312" y="7704908"/>
-            <a:ext cx="11237538" cy="6552728"/>
+            <a:off x="9901312" y="7704907"/>
+            <a:ext cx="11237538" cy="9996213"/>
           </a:xfrm>
           <a:prstGeom prst="rect">
             <a:avLst/>
@@ -7254,29 +7254,25 @@
                 </a:solidFill>
                 <a:latin typeface="Calibri" charset="0"/>
               </a:rPr>
-              <a:t>Without </a:t>
+              <a:t>Without SparkSQL: find all triples of vectors &lt;X,Y,Z&gt; with aggregate variance at most tau</a:t>
             </a:r>
-            <a:r>
-              <a:rPr lang="en-US" sz="3200" b="1" dirty="0" err="1">
-                <a:solidFill>
-                  <a:srgbClr val="0066CC"/>
-                </a:solidFill>
-                <a:latin typeface="Calibri" charset="0"/>
-              </a:rPr>
-              <a:t>SparkSQL</a:t>
-            </a:r>
-            <a:endParaRPr lang="en-US" sz="3200" b="1" dirty="0">
-              <a:solidFill>
-                <a:srgbClr val="0066CC"/>
-              </a:solidFill>
-              <a:latin typeface="Calibri" charset="0"/>
-            </a:endParaRPr>
           </a:p>
           <a:p>
-            <a:pPr defTabSz="2949575">
+            <a:pPr marL="0" marR="0" lvl="0" indent="0" algn="l" defTabSz="2949575" rtl="0" eaLnBrk="1" fontAlgn="base" latinLnBrk="0" hangingPunct="1">
               <a:lnSpc>
-                <a:spcPts val="4400"/>
+                <a:spcPts val="3200"/>
               </a:lnSpc>
+              <a:spcBef>
+                <a:spcPct val="0"/>
+              </a:spcBef>
+              <a:spcAft>
+                <a:spcPct val="0"/>
+              </a:spcAft>
+              <a:buClrTx/>
+              <a:buSzTx/>
+              <a:buFontTx/>
+              <a:buNone/>
+              <a:tabLst/>
               <a:defRPr/>
             </a:pPr>
             <a:r>
@@ -7371,41 +7367,190 @@
             </a:endParaRPr>
           </a:p>
           <a:p>
-            <a:pPr defTabSz="2949575">
+            <a:pPr marL="0" marR="0" lvl="0" indent="0" algn="l" defTabSz="2949575" rtl="0" eaLnBrk="1" fontAlgn="base" latinLnBrk="0" hangingPunct="1">
               <a:lnSpc>
                 <a:spcPts val="3200"/>
               </a:lnSpc>
+              <a:spcBef>
+                <a:spcPct val="0"/>
+              </a:spcBef>
+              <a:spcAft>
+                <a:spcPct val="0"/>
+              </a:spcAft>
+              <a:buClrTx/>
+              <a:buSzTx/>
+              <a:buFontTx/>
+              <a:buNone/>
+              <a:tabLst/>
               <a:defRPr/>
             </a:pPr>
+            <a:endParaRPr lang="en-US" sz="2400" dirty="0">
+              <a:solidFill>
+                <a:srgbClr val="000000"/>
+              </a:solidFill>
+              <a:latin typeface="Calibri" charset="0"/>
+            </a:endParaRPr>
+          </a:p>
+          <a:p>
+            <a:pPr marL="0" marR="0" lvl="0" indent="0" algn="l" defTabSz="2949575" rtl="0" eaLnBrk="1" fontAlgn="base" latinLnBrk="0" hangingPunct="1">
+              <a:lnSpc>
+                <a:spcPts val="3200"/>
+              </a:lnSpc>
+              <a:spcBef>
+                <a:spcPct val="0"/>
+              </a:spcBef>
+              <a:spcAft>
+                <a:spcPct val="0"/>
+              </a:spcAft>
+              <a:buClrTx/>
+              <a:buSzTx/>
+              <a:buFontTx/>
+              <a:buNone/>
+              <a:tabLst/>
+              <a:defRPr/>
+            </a:pPr>
+            <a:endParaRPr lang="en-US" sz="2400" dirty="0">
+              <a:solidFill>
+                <a:srgbClr val="000000"/>
+              </a:solidFill>
+              <a:latin typeface="Calibri" charset="0"/>
+            </a:endParaRPr>
+          </a:p>
+          <a:p>
+            <a:pPr marL="0" marR="0" lvl="0" indent="0" algn="l" defTabSz="2949575" rtl="0" eaLnBrk="1" fontAlgn="base" latinLnBrk="0" hangingPunct="1">
+              <a:lnSpc>
+                <a:spcPts val="3200"/>
+              </a:lnSpc>
+              <a:spcBef>
+                <a:spcPct val="0"/>
+              </a:spcBef>
+              <a:spcAft>
+                <a:spcPct val="0"/>
+              </a:spcAft>
+              <a:buClrTx/>
+              <a:buSzTx/>
+              <a:buFontTx/>
+              <a:buNone/>
+              <a:tabLst/>
+              <a:defRPr/>
+            </a:pPr>
+            <a:endParaRPr lang="en-US" sz="2400" dirty="0">
+              <a:solidFill>
+                <a:srgbClr val="000000"/>
+              </a:solidFill>
+              <a:latin typeface="Calibri" charset="0"/>
+            </a:endParaRPr>
+          </a:p>
+          <a:p>
+            <a:pPr marL="0" marR="0" lvl="0" indent="0" algn="l" defTabSz="2949575" rtl="0" eaLnBrk="1" fontAlgn="base" latinLnBrk="0" hangingPunct="1">
+              <a:lnSpc>
+                <a:spcPts val="3200"/>
+              </a:lnSpc>
+              <a:spcBef>
+                <a:spcPct val="0"/>
+              </a:spcBef>
+              <a:spcAft>
+                <a:spcPct val="0"/>
+              </a:spcAft>
+              <a:buClrTx/>
+              <a:buSzTx/>
+              <a:buFontTx/>
+              <a:buNone/>
+              <a:tabLst/>
+              <a:defRPr/>
+            </a:pPr>
+            <a:endParaRPr lang="en-US" sz="2400" dirty="0">
+              <a:solidFill>
+                <a:srgbClr val="000000"/>
+              </a:solidFill>
+              <a:latin typeface="Calibri" charset="0"/>
+            </a:endParaRPr>
+          </a:p>
+          <a:p>
+            <a:pPr marL="0" marR="0" lvl="0" indent="0" algn="l" defTabSz="2949575" rtl="0" eaLnBrk="1" fontAlgn="base" latinLnBrk="0" hangingPunct="1">
+              <a:lnSpc>
+                <a:spcPts val="3200"/>
+              </a:lnSpc>
+              <a:spcBef>
+                <a:spcPct val="0"/>
+              </a:spcBef>
+              <a:spcAft>
+                <a:spcPct val="0"/>
+              </a:spcAft>
+              <a:buClrTx/>
+              <a:buSzTx/>
+              <a:buFontTx/>
+              <a:buNone/>
+              <a:tabLst/>
+              <a:defRPr/>
+            </a:pPr>
+            <a:endParaRPr lang="en-US" sz="2400" dirty="0">
+              <a:solidFill>
+                <a:srgbClr val="000000"/>
+              </a:solidFill>
+              <a:latin typeface="Calibri" charset="0"/>
+            </a:endParaRPr>
+          </a:p>
+          <a:p>
+            <a:pPr algn="ctr" rtl="0" fontAlgn="base">
+              <a:lnSpc>
+                <a:spcPts val="2400"/>
+              </a:lnSpc>
+              <a:spcBef>
+                <a:spcPts val="0"/>
+              </a:spcBef>
+              <a:spcAft>
+                <a:spcPts val="0"/>
+              </a:spcAft>
+            </a:pPr>
             <a:r>
-              <a:rPr lang="en-GB" sz="2400" dirty="0">
+              <a:rPr lang="en-US" sz="1800" kern="1200" dirty="0">
+                <a:solidFill>
+                  <a:srgbClr val="000000"/>
+                </a:solidFill>
                 <a:effectLst/>
-                <a:latin typeface="Arial" panose="020B0604020202020204" pitchFamily="34" charset="0"/>
-                <a:ea typeface="Calibri" panose="020F0502020204030204" pitchFamily="34" charset="0"/>
+                <a:latin typeface="Calibri" panose="020F0502020204030204" pitchFamily="34" charset="0"/>
+                <a:ea typeface="ＭＳ Ｐゴシック" panose="020B0600070205080204" pitchFamily="34" charset="-128"/>
+                <a:cs typeface="+mn-cs"/>
               </a:rPr>
-              <a:t>The architecture uses two paths; one creates a broadcast variable that stores the vectors for each key, and the other finds the triples of the keys. </a:t>
+              <a:t>Figure 1, Figure description</a:t>
             </a:r>
-            <a:r>
-              <a:rPr lang="en-GB" sz="2400" dirty="0">
-                <a:latin typeface="Arial" panose="020B0604020202020204" pitchFamily="34" charset="0"/>
-                <a:ea typeface="Calibri" panose="020F0502020204030204" pitchFamily="34" charset="0"/>
-              </a:rPr>
-              <a:t>Combining the paths, it is possible to compute the aggregated variance of the triples. Finally, only the triples that are at most tau remain and are counted. Optimization is performed by switching from python to java. Together with swapping the cartesian() methods with </a:t>
-            </a:r>
-            <a:r>
-              <a:rPr lang="en-GB" sz="2400" dirty="0" err="1">
-                <a:latin typeface="Arial" panose="020B0604020202020204" pitchFamily="34" charset="0"/>
-                <a:ea typeface="Calibri" panose="020F0502020204030204" pitchFamily="34" charset="0"/>
-              </a:rPr>
-              <a:t>flatmap</a:t>
-            </a:r>
-            <a:r>
-              <a:rPr lang="en-GB" sz="2400" dirty="0">
-                <a:latin typeface="Arial" panose="020B0604020202020204" pitchFamily="34" charset="0"/>
-                <a:ea typeface="Calibri" panose="020F0502020204030204" pitchFamily="34" charset="0"/>
-              </a:rPr>
-              <a:t>() and broadcasting, which improved by 60%.  Then we also added repartitions(20) and performed a cache() throughout. This improved by another 5s per tau. Resulting in an execution time of 20s per tau on 250x10000. The results are tau 410 = count 10, tau 20 = count 2. This is the same as the results from Q2, but much quicker computed.</a:t>
-            </a:r>
+            <a:endParaRPr lang="en-US" sz="800" dirty="0">
+              <a:effectLst/>
+            </a:endParaRPr>
+          </a:p>
+          <a:p>
+            <a:pPr marL="0" marR="0" lvl="0" indent="0" algn="l" defTabSz="2949575" rtl="0" eaLnBrk="1" fontAlgn="base" latinLnBrk="0" hangingPunct="1">
+              <a:lnSpc>
+                <a:spcPts val="3200"/>
+              </a:lnSpc>
+              <a:spcBef>
+                <a:spcPct val="0"/>
+              </a:spcBef>
+              <a:spcAft>
+                <a:spcPct val="0"/>
+              </a:spcAft>
+              <a:buClrTx/>
+              <a:buSzTx/>
+              <a:buFontTx/>
+              <a:buNone/>
+              <a:tabLst/>
+              <a:defRPr/>
+            </a:pPr>
+            <a:endParaRPr kumimoji="0" lang="en-US" sz="2400" b="0" i="0" u="none" strike="noStrike" kern="1200" cap="none" spc="0" normalizeH="0" baseline="0" noProof="0" dirty="0">
+              <a:ln>
+                <a:noFill/>
+              </a:ln>
+              <a:solidFill>
+                <a:srgbClr val="000000"/>
+              </a:solidFill>
+              <a:effectLst/>
+              <a:uLnTx/>
+              <a:uFillTx/>
+              <a:latin typeface="Calibri" charset="0"/>
+              <a:ea typeface="ＭＳ Ｐゴシック" charset="-128"/>
+              <a:cs typeface="+mn-cs"/>
+            </a:endParaRPr>
           </a:p>
         </p:txBody>
       </p:sp>
@@ -7425,8 +7570,8 @@
         </p:nvSpPr>
         <p:spPr bwMode="auto">
           <a:xfrm>
-            <a:off x="268429" y="11991031"/>
-            <a:ext cx="9501170" cy="12874060"/>
+            <a:off x="247950" y="12426103"/>
+            <a:ext cx="9293322" cy="12874060"/>
           </a:xfrm>
           <a:prstGeom prst="rect">
             <a:avLst/>
@@ -7450,13 +7595,49 @@
               <a:defRPr/>
             </a:pPr>
             <a:r>
-              <a:rPr lang="en-US" sz="3200" b="1" dirty="0" err="1">
+              <a:rPr lang="en-US" sz="3200" b="1" dirty="0">
                 <a:solidFill>
                   <a:srgbClr val="0066CC"/>
                 </a:solidFill>
                 <a:latin typeface="Calibri" charset="0"/>
               </a:rPr>
-              <a:t>SparkSQL</a:t>
+              <a:t>SparkSQL: find all triples of vectors &lt;X,Y,Z&gt; with aggregate variance at most tau</a:t>
+            </a:r>
+          </a:p>
+          <a:p>
+            <a:pPr marL="0" marR="0" lvl="0" indent="0" algn="l" defTabSz="2949575" rtl="0" eaLnBrk="1" fontAlgn="base" latinLnBrk="0" hangingPunct="1">
+              <a:lnSpc>
+                <a:spcPts val="3200"/>
+              </a:lnSpc>
+              <a:spcBef>
+                <a:spcPct val="0"/>
+              </a:spcBef>
+              <a:spcAft>
+                <a:spcPct val="0"/>
+              </a:spcAft>
+              <a:buClrTx/>
+              <a:buSzTx/>
+              <a:buFontTx/>
+              <a:buNone/>
+              <a:tabLst/>
+              <a:defRPr/>
+            </a:pPr>
+            <a:r>
+              <a:rPr kumimoji="0" lang="en-US" sz="2400" b="1" i="0" u="none" strike="noStrike" kern="1200" cap="none" spc="0" normalizeH="0" baseline="0" noProof="0" dirty="0">
+                <a:ln>
+                  <a:noFill/>
+                </a:ln>
+                <a:solidFill>
+                  <a:srgbClr val="000000"/>
+                </a:solidFill>
+                <a:effectLst/>
+                <a:uLnTx/>
+                <a:uFillTx/>
+                <a:latin typeface="Calibri" charset="0"/>
+                <a:ea typeface="ＭＳ Ｐゴシック" charset="-128"/>
+                <a:cs typeface="+mn-cs"/>
+              </a:rPr>
+              <a:t>Bold</a:t>
             </a:r>
             <a:endParaRPr lang="en-US" sz="4400" b="1" dirty="0">
               <a:solidFill>
@@ -7478,7 +7659,7 @@
                 <a:latin typeface="Arial" panose="020B0604020202020204" pitchFamily="34" charset="0"/>
                 <a:ea typeface="Calibri" panose="020F0502020204030204" pitchFamily="34" charset="0"/>
               </a:rPr>
-              <a:t>The first version consists of a different data frame where the data would be split into a data frame with key, position, and value (using the built-in </a:t>
+              <a:t>The first version of Q2 consists of a different Q1a where the data would be split into a data frame with key, position, and value (using the built-in </a:t>
             </a:r>
             <a:r>
               <a:rPr lang="en-GB" sz="2400" i="1" dirty="0">
@@ -7505,11 +7686,12 @@
               <a:t>The version with the position in the data frame is more efficient than the </a:t>
             </a:r>
             <a:r>
-              <a:rPr lang="en-US" sz="2400" dirty="0">
+              <a:rPr lang="en-US" sz="2400" dirty="0" err="1">
+                <a:effectLst/>
                 <a:latin typeface="Arial" panose="020B0604020202020204" pitchFamily="34" charset="0"/>
                 <a:ea typeface="Calibri" panose="020F0502020204030204" pitchFamily="34" charset="0"/>
               </a:rPr>
-              <a:t>UDF </a:t>
+              <a:t>udf</a:t>
             </a:r>
             <a:r>
               <a:rPr lang="en-US" sz="2400" dirty="0">
@@ -7517,7 +7699,23 @@
                 <a:latin typeface="Arial" panose="020B0604020202020204" pitchFamily="34" charset="0"/>
                 <a:ea typeface="Calibri" panose="020F0502020204030204" pitchFamily="34" charset="0"/>
               </a:rPr>
-              <a:t>since Spark can not optimize the UDF. Our previous algorithms were written in Python which was slower than Java. We decide to switch to the second version and to use Java to speed up the algorithm.</a:t>
+              <a:t> function since Spark can not optimize the </a:t>
+            </a:r>
+            <a:r>
+              <a:rPr lang="en-US" sz="2400" dirty="0" err="1">
+                <a:effectLst/>
+                <a:latin typeface="Arial" panose="020B0604020202020204" pitchFamily="34" charset="0"/>
+                <a:ea typeface="Calibri" panose="020F0502020204030204" pitchFamily="34" charset="0"/>
+              </a:rPr>
+              <a:t>udf</a:t>
+            </a:r>
+            <a:r>
+              <a:rPr lang="en-US" sz="2400" dirty="0">
+                <a:effectLst/>
+                <a:latin typeface="Arial" panose="020B0604020202020204" pitchFamily="34" charset="0"/>
+                <a:ea typeface="Calibri" panose="020F0502020204030204" pitchFamily="34" charset="0"/>
+              </a:rPr>
+              <a:t> function. Our previous algorithms were written in Python which was slower than Java. We decide to switch to the second version and to use Java to speed up the algorithm.</a:t>
             </a:r>
             <a:r>
               <a:rPr lang="en-GB" sz="2400" dirty="0">
@@ -7539,6 +7737,316 @@
               <a:latin typeface="Arial" panose="020B0604020202020204" pitchFamily="34" charset="0"/>
               <a:ea typeface="Calibri" panose="020F0502020204030204" pitchFamily="34" charset="0"/>
             </a:endParaRPr>
+          </a:p>
+          <a:p>
+            <a:pPr marL="0" marR="0" lvl="0" indent="0" algn="l" defTabSz="2949575" rtl="0" eaLnBrk="1" fontAlgn="base" latinLnBrk="0" hangingPunct="1">
+              <a:lnSpc>
+                <a:spcPts val="3200"/>
+              </a:lnSpc>
+              <a:spcBef>
+                <a:spcPct val="0"/>
+              </a:spcBef>
+              <a:spcAft>
+                <a:spcPct val="0"/>
+              </a:spcAft>
+              <a:buClrTx/>
+              <a:buSzTx/>
+              <a:buFontTx/>
+              <a:buNone/>
+              <a:tabLst/>
+              <a:defRPr/>
+            </a:pPr>
+            <a:endParaRPr lang="en-US" sz="2400" dirty="0">
+              <a:solidFill>
+                <a:srgbClr val="000000"/>
+              </a:solidFill>
+              <a:latin typeface="Calibri" charset="0"/>
+            </a:endParaRPr>
+          </a:p>
+          <a:p>
+            <a:pPr marL="0" marR="0" lvl="0" indent="0" algn="l" defTabSz="2949575" rtl="0" eaLnBrk="1" fontAlgn="base" latinLnBrk="0" hangingPunct="1">
+              <a:lnSpc>
+                <a:spcPts val="3200"/>
+              </a:lnSpc>
+              <a:spcBef>
+                <a:spcPct val="0"/>
+              </a:spcBef>
+              <a:spcAft>
+                <a:spcPct val="0"/>
+              </a:spcAft>
+              <a:buClrTx/>
+              <a:buSzTx/>
+              <a:buFontTx/>
+              <a:buNone/>
+              <a:tabLst/>
+              <a:defRPr/>
+            </a:pPr>
+            <a:endParaRPr lang="en-US" sz="2400" dirty="0">
+              <a:solidFill>
+                <a:srgbClr val="000000"/>
+              </a:solidFill>
+              <a:latin typeface="Calibri" charset="0"/>
+            </a:endParaRPr>
+          </a:p>
+          <a:p>
+            <a:pPr marL="0" marR="0" lvl="0" indent="0" algn="l" defTabSz="2949575" rtl="0" eaLnBrk="1" fontAlgn="base" latinLnBrk="0" hangingPunct="1">
+              <a:lnSpc>
+                <a:spcPts val="3200"/>
+              </a:lnSpc>
+              <a:spcBef>
+                <a:spcPct val="0"/>
+              </a:spcBef>
+              <a:spcAft>
+                <a:spcPct val="0"/>
+              </a:spcAft>
+              <a:buClrTx/>
+              <a:buSzTx/>
+              <a:buFontTx/>
+              <a:buNone/>
+              <a:tabLst/>
+              <a:defRPr/>
+            </a:pPr>
+            <a:r>
+              <a:rPr lang="en-US" sz="2400" dirty="0">
+                <a:solidFill>
+                  <a:srgbClr val="000000"/>
+                </a:solidFill>
+                <a:latin typeface="Courier New" panose="02070309020205020404" pitchFamily="49" charset="0"/>
+                <a:cs typeface="Courier New" panose="02070309020205020404" pitchFamily="49" charset="0"/>
+              </a:rPr>
+              <a:t>SELECT </a:t>
+            </a:r>
+            <a:r>
+              <a:rPr lang="en-US" sz="2400" dirty="0" err="1">
+                <a:solidFill>
+                  <a:srgbClr val="000000"/>
+                </a:solidFill>
+                <a:latin typeface="Courier New" panose="02070309020205020404" pitchFamily="49" charset="0"/>
+                <a:cs typeface="Courier New" panose="02070309020205020404" pitchFamily="49" charset="0"/>
+              </a:rPr>
+              <a:t>triple_id</a:t>
+            </a:r>
+            <a:r>
+              <a:rPr lang="en-US" sz="2400" dirty="0">
+                <a:solidFill>
+                  <a:srgbClr val="000000"/>
+                </a:solidFill>
+                <a:latin typeface="Courier New" panose="02070309020205020404" pitchFamily="49" charset="0"/>
+                <a:cs typeface="Courier New" panose="02070309020205020404" pitchFamily="49" charset="0"/>
+              </a:rPr>
+              <a:t>, VAR_POP(col) FROM (</a:t>
+            </a:r>
+          </a:p>
+          <a:p>
+            <a:pPr marL="0" marR="0" lvl="0" indent="0" algn="l" defTabSz="2949575" rtl="0" eaLnBrk="1" fontAlgn="base" latinLnBrk="0" hangingPunct="1">
+              <a:lnSpc>
+                <a:spcPts val="3200"/>
+              </a:lnSpc>
+              <a:spcBef>
+                <a:spcPct val="0"/>
+              </a:spcBef>
+              <a:spcAft>
+                <a:spcPct val="0"/>
+              </a:spcAft>
+              <a:buClrTx/>
+              <a:buSzTx/>
+              <a:buFontTx/>
+              <a:buNone/>
+              <a:tabLst/>
+              <a:defRPr/>
+            </a:pPr>
+            <a:r>
+              <a:rPr lang="en-US" sz="2400" dirty="0">
+                <a:solidFill>
+                  <a:srgbClr val="000000"/>
+                </a:solidFill>
+                <a:latin typeface="Courier New" panose="02070309020205020404" pitchFamily="49" charset="0"/>
+                <a:cs typeface="Courier New" panose="02070309020205020404" pitchFamily="49" charset="0"/>
+              </a:rPr>
+              <a:t>        SELECT CONCAT(v1.key, ',', v2.key, ',', v3.key) AS </a:t>
+            </a:r>
+            <a:r>
+              <a:rPr lang="en-US" sz="2400" dirty="0" err="1">
+                <a:solidFill>
+                  <a:srgbClr val="000000"/>
+                </a:solidFill>
+                <a:latin typeface="Courier New" panose="02070309020205020404" pitchFamily="49" charset="0"/>
+                <a:cs typeface="Courier New" panose="02070309020205020404" pitchFamily="49" charset="0"/>
+              </a:rPr>
+              <a:t>triple_id</a:t>
+            </a:r>
+            <a:r>
+              <a:rPr lang="en-US" sz="2400" dirty="0">
+                <a:solidFill>
+                  <a:srgbClr val="000000"/>
+                </a:solidFill>
+                <a:latin typeface="Courier New" panose="02070309020205020404" pitchFamily="49" charset="0"/>
+                <a:cs typeface="Courier New" panose="02070309020205020404" pitchFamily="49" charset="0"/>
+              </a:rPr>
+              <a:t>, v1.pos, v1.col + v2.col + v3.col as col</a:t>
+            </a:r>
+          </a:p>
+          <a:p>
+            <a:pPr marL="0" marR="0" lvl="0" indent="0" algn="l" defTabSz="2949575" rtl="0" eaLnBrk="1" fontAlgn="base" latinLnBrk="0" hangingPunct="1">
+              <a:lnSpc>
+                <a:spcPts val="3200"/>
+              </a:lnSpc>
+              <a:spcBef>
+                <a:spcPct val="0"/>
+              </a:spcBef>
+              <a:spcAft>
+                <a:spcPct val="0"/>
+              </a:spcAft>
+              <a:buClrTx/>
+              <a:buSzTx/>
+              <a:buFontTx/>
+              <a:buNone/>
+              <a:tabLst/>
+              <a:defRPr/>
+            </a:pPr>
+            <a:r>
+              <a:rPr lang="en-US" sz="2400" dirty="0">
+                <a:solidFill>
+                  <a:srgbClr val="000000"/>
+                </a:solidFill>
+                <a:latin typeface="Courier New" panose="02070309020205020404" pitchFamily="49" charset="0"/>
+                <a:cs typeface="Courier New" panose="02070309020205020404" pitchFamily="49" charset="0"/>
+              </a:rPr>
+              <a:t>        FROM vectors as v1 </a:t>
+            </a:r>
+          </a:p>
+          <a:p>
+            <a:pPr marL="0" marR="0" lvl="0" indent="0" algn="l" defTabSz="2949575" rtl="0" eaLnBrk="1" fontAlgn="base" latinLnBrk="0" hangingPunct="1">
+              <a:lnSpc>
+                <a:spcPts val="3200"/>
+              </a:lnSpc>
+              <a:spcBef>
+                <a:spcPct val="0"/>
+              </a:spcBef>
+              <a:spcAft>
+                <a:spcPct val="0"/>
+              </a:spcAft>
+              <a:buClrTx/>
+              <a:buSzTx/>
+              <a:buFontTx/>
+              <a:buNone/>
+              <a:tabLst/>
+              <a:defRPr/>
+            </a:pPr>
+            <a:r>
+              <a:rPr lang="en-US" sz="2400" dirty="0">
+                <a:solidFill>
+                  <a:srgbClr val="000000"/>
+                </a:solidFill>
+                <a:latin typeface="Courier New" panose="02070309020205020404" pitchFamily="49" charset="0"/>
+                <a:cs typeface="Courier New" panose="02070309020205020404" pitchFamily="49" charset="0"/>
+              </a:rPr>
+              <a:t>        INNER JOIN vectors as v2 ON (v1.key &lt; v2.key AND v1.pos = v2.pos)</a:t>
+            </a:r>
+          </a:p>
+          <a:p>
+            <a:pPr marL="0" marR="0" lvl="0" indent="0" algn="l" defTabSz="2949575" rtl="0" eaLnBrk="1" fontAlgn="base" latinLnBrk="0" hangingPunct="1">
+              <a:lnSpc>
+                <a:spcPts val="3200"/>
+              </a:lnSpc>
+              <a:spcBef>
+                <a:spcPct val="0"/>
+              </a:spcBef>
+              <a:spcAft>
+                <a:spcPct val="0"/>
+              </a:spcAft>
+              <a:buClrTx/>
+              <a:buSzTx/>
+              <a:buFontTx/>
+              <a:buNone/>
+              <a:tabLst/>
+              <a:defRPr/>
+            </a:pPr>
+            <a:r>
+              <a:rPr lang="en-US" sz="2400" dirty="0">
+                <a:solidFill>
+                  <a:srgbClr val="000000"/>
+                </a:solidFill>
+                <a:latin typeface="Courier New" panose="02070309020205020404" pitchFamily="49" charset="0"/>
+                <a:cs typeface="Courier New" panose="02070309020205020404" pitchFamily="49" charset="0"/>
+              </a:rPr>
+              <a:t>        INNER JOIN vectors as v3 ON (v2.key &lt; v3.key AND v2.pos = v3.pos))</a:t>
+            </a:r>
+          </a:p>
+          <a:p>
+            <a:pPr marL="0" marR="0" lvl="0" indent="0" algn="l" defTabSz="2949575" rtl="0" eaLnBrk="1" fontAlgn="base" latinLnBrk="0" hangingPunct="1">
+              <a:lnSpc>
+                <a:spcPts val="3200"/>
+              </a:lnSpc>
+              <a:spcBef>
+                <a:spcPct val="0"/>
+              </a:spcBef>
+              <a:spcAft>
+                <a:spcPct val="0"/>
+              </a:spcAft>
+              <a:buClrTx/>
+              <a:buSzTx/>
+              <a:buFontTx/>
+              <a:buNone/>
+              <a:tabLst/>
+              <a:defRPr/>
+            </a:pPr>
+            <a:r>
+              <a:rPr lang="en-US" sz="2400" dirty="0">
+                <a:solidFill>
+                  <a:srgbClr val="000000"/>
+                </a:solidFill>
+                <a:latin typeface="Courier New" panose="02070309020205020404" pitchFamily="49" charset="0"/>
+                <a:cs typeface="Courier New" panose="02070309020205020404" pitchFamily="49" charset="0"/>
+              </a:rPr>
+              <a:t>        GROUP BY </a:t>
+            </a:r>
+            <a:r>
+              <a:rPr lang="en-US" sz="2400" dirty="0" err="1">
+                <a:solidFill>
+                  <a:srgbClr val="000000"/>
+                </a:solidFill>
+                <a:latin typeface="Courier New" panose="02070309020205020404" pitchFamily="49" charset="0"/>
+                <a:cs typeface="Courier New" panose="02070309020205020404" pitchFamily="49" charset="0"/>
+              </a:rPr>
+              <a:t>triple_id</a:t>
+            </a:r>
+            <a:endParaRPr lang="en-US" sz="2400" dirty="0">
+              <a:solidFill>
+                <a:srgbClr val="000000"/>
+              </a:solidFill>
+              <a:latin typeface="Courier New" panose="02070309020205020404" pitchFamily="49" charset="0"/>
+              <a:cs typeface="Courier New" panose="02070309020205020404" pitchFamily="49" charset="0"/>
+            </a:endParaRPr>
+          </a:p>
+          <a:p>
+            <a:pPr marL="0" marR="0" lvl="0" indent="0" algn="l" defTabSz="2949575" rtl="0" eaLnBrk="1" fontAlgn="base" latinLnBrk="0" hangingPunct="1">
+              <a:lnSpc>
+                <a:spcPts val="3200"/>
+              </a:lnSpc>
+              <a:spcBef>
+                <a:spcPct val="0"/>
+              </a:spcBef>
+              <a:spcAft>
+                <a:spcPct val="0"/>
+              </a:spcAft>
+              <a:buClrTx/>
+              <a:buSzTx/>
+              <a:buFontTx/>
+              <a:buNone/>
+              <a:tabLst/>
+              <a:defRPr/>
+            </a:pPr>
+            <a:r>
+              <a:rPr lang="en-US" sz="2400" dirty="0">
+                <a:solidFill>
+                  <a:srgbClr val="000000"/>
+                </a:solidFill>
+                <a:latin typeface="Courier New" panose="02070309020205020404" pitchFamily="49" charset="0"/>
+                <a:cs typeface="Courier New" panose="02070309020205020404" pitchFamily="49" charset="0"/>
+              </a:rPr>
+              <a:t>        HAVING VAR_POP(col) &lt; {TAU_PARAMETER};)</a:t>
+            </a:r>
           </a:p>
           <a:p>
             <a:pPr marL="0" marR="0" lvl="0" indent="0" algn="l" defTabSz="2949575" rtl="0" eaLnBrk="1" fontAlgn="base" latinLnBrk="0" hangingPunct="1">
@@ -7816,253 +8324,31 @@
             </a:endParaRPr>
           </a:p>
           <a:p>
-            <a:pPr marL="0" marR="0" lvl="0" indent="0" algn="l" defTabSz="2949575" rtl="0" eaLnBrk="1" fontAlgn="base" latinLnBrk="0" hangingPunct="1">
+            <a:pPr algn="ctr" rtl="0" fontAlgn="base">
               <a:lnSpc>
-                <a:spcPts val="3200"/>
+                <a:spcPts val="2400"/>
               </a:lnSpc>
               <a:spcBef>
-                <a:spcPct val="0"/>
+                <a:spcPts val="0"/>
               </a:spcBef>
               <a:spcAft>
-                <a:spcPct val="0"/>
+                <a:spcPts val="0"/>
               </a:spcAft>
-              <a:buClrTx/>
-              <a:buSzTx/>
-              <a:buFontTx/>
-              <a:buNone/>
-              <a:tabLst/>
-              <a:defRPr/>
             </a:pPr>
-            <a:endParaRPr lang="en-US" sz="2400" dirty="0">
-              <a:solidFill>
-                <a:srgbClr val="000000"/>
-              </a:solidFill>
-              <a:latin typeface="Calibri" charset="0"/>
-            </a:endParaRPr>
-          </a:p>
-          <a:p>
-            <a:pPr marL="0" marR="0" lvl="0" indent="0" algn="l" defTabSz="2949575" rtl="0" eaLnBrk="1" fontAlgn="base" latinLnBrk="0" hangingPunct="1">
-              <a:lnSpc>
-                <a:spcPts val="3200"/>
-              </a:lnSpc>
-              <a:spcBef>
-                <a:spcPct val="0"/>
-              </a:spcBef>
-              <a:spcAft>
-                <a:spcPct val="0"/>
-              </a:spcAft>
-              <a:buClrTx/>
-              <a:buSzTx/>
-              <a:buFontTx/>
-              <a:buNone/>
-              <a:tabLst/>
-              <a:defRPr/>
-            </a:pPr>
-            <a:endParaRPr lang="en-US" sz="2400" dirty="0">
-              <a:solidFill>
-                <a:srgbClr val="000000"/>
-              </a:solidFill>
-              <a:latin typeface="Calibri" charset="0"/>
-            </a:endParaRPr>
-          </a:p>
-          <a:p>
-            <a:pPr marL="0" marR="0" lvl="0" indent="0" algn="l" defTabSz="2949575" rtl="0" eaLnBrk="1" fontAlgn="base" latinLnBrk="0" hangingPunct="1">
-              <a:lnSpc>
-                <a:spcPts val="3200"/>
-              </a:lnSpc>
-              <a:spcBef>
-                <a:spcPct val="0"/>
-              </a:spcBef>
-              <a:spcAft>
-                <a:spcPct val="0"/>
-              </a:spcAft>
-              <a:buClrTx/>
-              <a:buSzTx/>
-              <a:buFontTx/>
-              <a:buNone/>
-              <a:tabLst/>
-              <a:defRPr/>
-            </a:pPr>
-            <a:endParaRPr lang="en-US" sz="2400" dirty="0">
-              <a:solidFill>
-                <a:srgbClr val="000000"/>
-              </a:solidFill>
-              <a:latin typeface="Calibri" charset="0"/>
-            </a:endParaRPr>
-          </a:p>
-          <a:p>
-            <a:pPr marL="0" marR="0" lvl="0" indent="0" algn="l" defTabSz="2949575" rtl="0" eaLnBrk="1" fontAlgn="base" latinLnBrk="0" hangingPunct="1">
-              <a:lnSpc>
-                <a:spcPts val="3200"/>
-              </a:lnSpc>
-              <a:spcBef>
-                <a:spcPct val="0"/>
-              </a:spcBef>
-              <a:spcAft>
-                <a:spcPct val="0"/>
-              </a:spcAft>
-              <a:buClrTx/>
-              <a:buSzTx/>
-              <a:buFontTx/>
-              <a:buNone/>
-              <a:tabLst/>
-              <a:defRPr/>
-            </a:pPr>
-            <a:endParaRPr lang="en-US" sz="2400" dirty="0">
-              <a:solidFill>
-                <a:srgbClr val="000000"/>
-              </a:solidFill>
-              <a:latin typeface="Calibri" charset="0"/>
-            </a:endParaRPr>
-          </a:p>
-          <a:p>
-            <a:pPr marL="0" marR="0" lvl="0" indent="0" algn="l" defTabSz="2949575" rtl="0" eaLnBrk="1" fontAlgn="base" latinLnBrk="0" hangingPunct="1">
-              <a:lnSpc>
-                <a:spcPts val="3200"/>
-              </a:lnSpc>
-              <a:spcBef>
-                <a:spcPct val="0"/>
-              </a:spcBef>
-              <a:spcAft>
-                <a:spcPct val="0"/>
-              </a:spcAft>
-              <a:buClrTx/>
-              <a:buSzTx/>
-              <a:buFontTx/>
-              <a:buNone/>
-              <a:tabLst/>
-              <a:defRPr/>
-            </a:pPr>
-            <a:endParaRPr lang="en-US" sz="2400" dirty="0">
-              <a:solidFill>
-                <a:srgbClr val="000000"/>
-              </a:solidFill>
-              <a:latin typeface="Calibri" charset="0"/>
-            </a:endParaRPr>
-          </a:p>
-          <a:p>
-            <a:pPr marL="0" marR="0" lvl="0" indent="0" algn="l" defTabSz="2949575" rtl="0" eaLnBrk="1" fontAlgn="base" latinLnBrk="0" hangingPunct="1">
-              <a:lnSpc>
-                <a:spcPts val="3200"/>
-              </a:lnSpc>
-              <a:spcBef>
-                <a:spcPct val="0"/>
-              </a:spcBef>
-              <a:spcAft>
-                <a:spcPct val="0"/>
-              </a:spcAft>
-              <a:buClrTx/>
-              <a:buSzTx/>
-              <a:buFontTx/>
-              <a:buNone/>
-              <a:tabLst/>
-              <a:defRPr/>
-            </a:pPr>
-            <a:endParaRPr lang="en-US" sz="2400" dirty="0">
-              <a:solidFill>
-                <a:srgbClr val="000000"/>
-              </a:solidFill>
-              <a:latin typeface="Calibri" charset="0"/>
-            </a:endParaRPr>
-          </a:p>
-          <a:p>
-            <a:pPr marL="0" marR="0" lvl="0" indent="0" algn="l" defTabSz="2949575" rtl="0" eaLnBrk="1" fontAlgn="base" latinLnBrk="0" hangingPunct="1">
-              <a:lnSpc>
-                <a:spcPts val="3200"/>
-              </a:lnSpc>
-              <a:spcBef>
-                <a:spcPct val="0"/>
-              </a:spcBef>
-              <a:spcAft>
-                <a:spcPct val="0"/>
-              </a:spcAft>
-              <a:buClrTx/>
-              <a:buSzTx/>
-              <a:buFontTx/>
-              <a:buNone/>
-              <a:tabLst/>
-              <a:defRPr/>
-            </a:pPr>
-            <a:endParaRPr lang="en-US" sz="2400" dirty="0">
-              <a:solidFill>
-                <a:srgbClr val="000000"/>
-              </a:solidFill>
-              <a:latin typeface="Calibri" charset="0"/>
-            </a:endParaRPr>
-          </a:p>
-          <a:p>
-            <a:pPr marL="0" marR="0" lvl="0" indent="0" algn="l" defTabSz="2949575" rtl="0" eaLnBrk="1" fontAlgn="base" latinLnBrk="0" hangingPunct="1">
-              <a:lnSpc>
-                <a:spcPts val="3200"/>
-              </a:lnSpc>
-              <a:spcBef>
-                <a:spcPct val="0"/>
-              </a:spcBef>
-              <a:spcAft>
-                <a:spcPct val="0"/>
-              </a:spcAft>
-              <a:buClrTx/>
-              <a:buSzTx/>
-              <a:buFontTx/>
-              <a:buNone/>
-              <a:tabLst/>
-              <a:defRPr/>
-            </a:pPr>
-            <a:endParaRPr lang="en-US" sz="2400" dirty="0">
-              <a:solidFill>
-                <a:srgbClr val="000000"/>
-              </a:solidFill>
-              <a:latin typeface="Calibri" charset="0"/>
-            </a:endParaRPr>
-          </a:p>
-          <a:p>
-            <a:pPr marL="0" marR="0" lvl="0" indent="0" algn="l" defTabSz="2949575" rtl="0" eaLnBrk="1" fontAlgn="base" latinLnBrk="0" hangingPunct="1">
-              <a:lnSpc>
-                <a:spcPts val="3200"/>
-              </a:lnSpc>
-              <a:spcBef>
-                <a:spcPct val="0"/>
-              </a:spcBef>
-              <a:spcAft>
-                <a:spcPct val="0"/>
-              </a:spcAft>
-              <a:buClrTx/>
-              <a:buSzTx/>
-              <a:buFontTx/>
-              <a:buNone/>
-              <a:tabLst/>
-              <a:defRPr/>
-            </a:pPr>
-            <a:endParaRPr lang="en-US" sz="2400" dirty="0">
-              <a:solidFill>
-                <a:srgbClr val="000000"/>
-              </a:solidFill>
-              <a:latin typeface="Calibri" charset="0"/>
-            </a:endParaRPr>
-          </a:p>
-          <a:p>
-            <a:pPr marL="0" marR="0" lvl="0" indent="0" algn="l" defTabSz="2949575" rtl="0" eaLnBrk="1" fontAlgn="base" latinLnBrk="0" hangingPunct="1">
-              <a:lnSpc>
-                <a:spcPts val="3200"/>
-              </a:lnSpc>
-              <a:spcBef>
-                <a:spcPct val="0"/>
-              </a:spcBef>
-              <a:spcAft>
-                <a:spcPct val="0"/>
-              </a:spcAft>
-              <a:buClrTx/>
-              <a:buSzTx/>
-              <a:buFontTx/>
-              <a:buNone/>
-              <a:tabLst/>
-              <a:defRPr/>
-            </a:pPr>
-            <a:endParaRPr lang="en-US" sz="2400" dirty="0">
-              <a:solidFill>
-                <a:srgbClr val="000000"/>
-              </a:solidFill>
-              <a:latin typeface="Calibri" charset="0"/>
+            <a:r>
+              <a:rPr lang="en-US" sz="1800" kern="1200" dirty="0">
+                <a:solidFill>
+                  <a:srgbClr val="000000"/>
+                </a:solidFill>
+                <a:effectLst/>
+                <a:latin typeface="Calibri" panose="020F0502020204030204" pitchFamily="34" charset="0"/>
+                <a:ea typeface="ＭＳ Ｐゴシック" panose="020B0600070205080204" pitchFamily="34" charset="-128"/>
+                <a:cs typeface="+mn-cs"/>
+              </a:rPr>
+              <a:t>Figure 1, Figure description</a:t>
+            </a:r>
+            <a:endParaRPr lang="en-US" sz="800" dirty="0">
+              <a:effectLst/>
             </a:endParaRPr>
           </a:p>
           <a:p>
@@ -8115,14 +8401,14 @@
           <p:nvPr>
             <p:extLst>
               <p:ext uri="{D42A27DB-BD31-4B8C-83A1-F6EECF244321}">
-                <p14:modId xmlns:p14="http://schemas.microsoft.com/office/powerpoint/2010/main" val="4047222859"/>
+                <p14:modId xmlns:p14="http://schemas.microsoft.com/office/powerpoint/2010/main" val="3905716400"/>
               </p:ext>
             </p:extLst>
           </p:nvPr>
         </p:nvGraphicFramePr>
         <p:xfrm>
-          <a:off x="247948" y="10421308"/>
-          <a:ext cx="4308810" cy="1547312"/>
+          <a:off x="191273" y="10800654"/>
+          <a:ext cx="4308810" cy="1567528"/>
         </p:xfrm>
         <a:graphic>
           <a:graphicData uri="http://schemas.openxmlformats.org/drawingml/2006/table">
@@ -8144,7 +8430,7 @@
                   </a:extLst>
                 </a:gridCol>
               </a:tblGrid>
-              <a:tr h="0">
+              <a:tr h="391882">
                 <a:tc>
                   <a:txBody>
                     <a:bodyPr/>
@@ -8634,7 +8920,7 @@
         </p:nvSpPr>
         <p:spPr bwMode="auto">
           <a:xfrm>
-            <a:off x="4672802" y="11194964"/>
+            <a:off x="4652395" y="11433358"/>
             <a:ext cx="432048" cy="360040"/>
           </a:xfrm>
           <a:prstGeom prst="rightArrow">
@@ -8706,13 +8992,13 @@
           <p:nvPr>
             <p:extLst>
               <p:ext uri="{D42A27DB-BD31-4B8C-83A1-F6EECF244321}">
-                <p14:modId xmlns:p14="http://schemas.microsoft.com/office/powerpoint/2010/main" val="2611599307"/>
+                <p14:modId xmlns:p14="http://schemas.microsoft.com/office/powerpoint/2010/main" val="1986825254"/>
               </p:ext>
             </p:extLst>
           </p:nvPr>
         </p:nvGraphicFramePr>
         <p:xfrm>
-          <a:off x="5326530" y="10398335"/>
+          <a:off x="5444483" y="10800654"/>
           <a:ext cx="4116126" cy="1625449"/>
         </p:xfrm>
         <a:graphic>
@@ -8757,7 +9043,7 @@
                         </a:spcAft>
                       </a:pPr>
                       <a:r>
-                        <a:rPr lang="en-GB" sz="2400" b="1" dirty="0">
+                        <a:rPr lang="en-GB" sz="2400" b="1">
                           <a:solidFill>
                             <a:srgbClr val="FFFFFF"/>
                           </a:solidFill>
@@ -8768,7 +9054,7 @@
                         </a:rPr>
                         <a:t>key</a:t>
                       </a:r>
-                      <a:endParaRPr lang="en-NL" sz="2400" dirty="0">
+                      <a:endParaRPr lang="en-NL" sz="2400">
                         <a:effectLst/>
                         <a:latin typeface="Arial" panose="020B0604020202020204" pitchFamily="34" charset="0"/>
                         <a:ea typeface="Calibri" panose="020F0502020204030204" pitchFamily="34" charset="0"/>
@@ -9255,7 +9541,7 @@
                         </a:spcAft>
                       </a:pPr>
                       <a:r>
-                        <a:rPr lang="en-GB" sz="2400" dirty="0">
+                        <a:rPr lang="en-GB" sz="2400">
                           <a:effectLst/>
                           <a:latin typeface="Calibri" panose="020F0502020204030204" pitchFamily="34" charset="0"/>
                           <a:ea typeface="Times New Roman" panose="02020603050405020304" pitchFamily="18" charset="0"/>
@@ -9263,7 +9549,7 @@
                         </a:rPr>
                         <a:t>T7RO</a:t>
                       </a:r>
-                      <a:endParaRPr lang="en-NL" sz="2400" dirty="0">
+                      <a:endParaRPr lang="en-NL" sz="2400">
                         <a:effectLst/>
                         <a:latin typeface="Arial" panose="020B0604020202020204" pitchFamily="34" charset="0"/>
                         <a:ea typeface="Calibri" panose="020F0502020204030204" pitchFamily="34" charset="0"/>
@@ -9416,6 +9702,36 @@
           </a:graphicData>
         </a:graphic>
       </p:graphicFrame>
+      <p:pic>
+        <p:nvPicPr>
+          <p:cNvPr id="11" name="Picture 10">
+            <a:extLst>
+              <a:ext uri="{FF2B5EF4-FFF2-40B4-BE49-F238E27FC236}">
+                <a16:creationId xmlns:a16="http://schemas.microsoft.com/office/drawing/2014/main" id="{66FB3A3C-07B6-EE4F-0F86-9D6ECC43AE37}"/>
+              </a:ext>
+            </a:extLst>
+          </p:cNvPr>
+          <p:cNvPicPr>
+            <a:picLocks noChangeAspect="1"/>
+          </p:cNvPicPr>
+          <p:nvPr/>
+        </p:nvPicPr>
+        <p:blipFill>
+          <a:blip r:embed="rId2"/>
+          <a:stretch>
+            <a:fillRect/>
+          </a:stretch>
+        </p:blipFill>
+        <p:spPr>
+          <a:xfrm>
+            <a:off x="1908824" y="24787013"/>
+            <a:ext cx="5510852" cy="4133139"/>
+          </a:xfrm>
+          <a:prstGeom prst="rect">
+            <a:avLst/>
+          </a:prstGeom>
+        </p:spPr>
+      </p:pic>
       <p:sp>
         <p:nvSpPr>
           <p:cNvPr id="16" name="Text Box 9">
@@ -9432,8 +9748,8 @@
         </p:nvSpPr>
         <p:spPr bwMode="auto">
           <a:xfrm>
-            <a:off x="9901312" y="14113619"/>
-            <a:ext cx="10153128" cy="10788301"/>
+            <a:off x="9901312" y="14905707"/>
+            <a:ext cx="10153128" cy="9996213"/>
           </a:xfrm>
           <a:prstGeom prst="rect">
             <a:avLst/>
@@ -9465,6 +9781,67 @@
               </a:rPr>
               <a:t>Count-min sketch</a:t>
             </a:r>
+          </a:p>
+          <a:p>
+            <a:pPr marL="0" marR="0" lvl="0" indent="0" algn="l" defTabSz="2949575" rtl="0" eaLnBrk="1" fontAlgn="base" latinLnBrk="0" hangingPunct="1">
+              <a:lnSpc>
+                <a:spcPts val="3200"/>
+              </a:lnSpc>
+              <a:spcBef>
+                <a:spcPct val="0"/>
+              </a:spcBef>
+              <a:spcAft>
+                <a:spcPct val="0"/>
+              </a:spcAft>
+              <a:buClrTx/>
+              <a:buSzTx/>
+              <a:buFontTx/>
+              <a:buNone/>
+              <a:tabLst/>
+              <a:defRPr/>
+            </a:pPr>
+            <a:r>
+              <a:rPr kumimoji="0" lang="en-US" sz="2400" b="1" i="0" u="none" strike="noStrike" kern="1200" cap="none" spc="0" normalizeH="0" baseline="0" noProof="0" dirty="0">
+                <a:ln>
+                  <a:noFill/>
+                </a:ln>
+                <a:solidFill>
+                  <a:srgbClr val="000000"/>
+                </a:solidFill>
+                <a:effectLst/>
+                <a:uLnTx/>
+                <a:uFillTx/>
+                <a:latin typeface="Calibri" charset="0"/>
+                <a:ea typeface="ＭＳ Ｐゴシック" charset="-128"/>
+                <a:cs typeface="+mn-cs"/>
+              </a:rPr>
+              <a:t>Bold</a:t>
+            </a:r>
+            <a:endParaRPr lang="en-US" sz="4400" b="1" dirty="0">
+              <a:solidFill>
+                <a:srgbClr val="0066CC"/>
+              </a:solidFill>
+              <a:latin typeface="Calibri" charset="0"/>
+            </a:endParaRPr>
+          </a:p>
+          <a:p>
+            <a:pPr marL="0" marR="0" lvl="0" indent="0" algn="l" defTabSz="2949575" rtl="0" eaLnBrk="1" fontAlgn="base" latinLnBrk="0" hangingPunct="1">
+              <a:lnSpc>
+                <a:spcPts val="3200"/>
+              </a:lnSpc>
+              <a:spcBef>
+                <a:spcPct val="0"/>
+              </a:spcBef>
+              <a:spcAft>
+                <a:spcPct val="0"/>
+              </a:spcAft>
+              <a:buClrTx/>
+              <a:buSzTx/>
+              <a:buFontTx/>
+              <a:buNone/>
+              <a:tabLst/>
+              <a:defRPr/>
+            </a:pPr>
             <a:endParaRPr lang="en-GB" sz="1800" dirty="0">
               <a:solidFill>
                 <a:srgbClr val="101073"/>
@@ -9486,7 +9863,7 @@
                 <a:latin typeface="Arial" panose="020B0604020202020204" pitchFamily="34" charset="0"/>
                 <a:ea typeface="Calibri" panose="020F0502020204030204" pitchFamily="34" charset="0"/>
               </a:rPr>
-              <a:t>The sketch is created by storing each vector with a hash function. Different functions are applied on the sketch to get the aggregated variance. Dyadic intervals are used to get the triples which are below a certain tau threshold. We give the sketch the width and depth calculated with the following formula. The update </a:t>
+              <a:t>The sketch is created by storing each vector with an hash function. Different functions are applied on the sketch to get the aggregated variance. Dyadic intervals are used to get the triples which are below a certain tau threshold. We give the sketch the width and the depth which are calculated with the following formula. The update </a:t>
             </a:r>
             <a:r>
               <a:rPr lang="en-GB" sz="2400" dirty="0" err="1">
@@ -9867,8 +10244,8 @@
         </p:nvSpPr>
         <p:spPr bwMode="auto">
           <a:xfrm>
-            <a:off x="11398819" y="24062585"/>
-            <a:ext cx="9449641" cy="6144819"/>
+            <a:off x="9769599" y="24901921"/>
+            <a:ext cx="11237538" cy="4981450"/>
           </a:xfrm>
           <a:prstGeom prst="rect">
             <a:avLst/>
@@ -10155,6 +10532,34 @@
             </a:endParaRPr>
           </a:p>
           <a:p>
+            <a:pPr algn="ctr" rtl="0" fontAlgn="base">
+              <a:lnSpc>
+                <a:spcPts val="2400"/>
+              </a:lnSpc>
+              <a:spcBef>
+                <a:spcPts val="0"/>
+              </a:spcBef>
+              <a:spcAft>
+                <a:spcPts val="0"/>
+              </a:spcAft>
+            </a:pPr>
+            <a:r>
+              <a:rPr lang="en-US" sz="1800" kern="1200" dirty="0">
+                <a:solidFill>
+                  <a:srgbClr val="000000"/>
+                </a:solidFill>
+                <a:effectLst/>
+                <a:latin typeface="Calibri" panose="020F0502020204030204" pitchFamily="34" charset="0"/>
+                <a:ea typeface="ＭＳ Ｐゴシック" panose="020B0600070205080204" pitchFamily="34" charset="-128"/>
+                <a:cs typeface="+mn-cs"/>
+              </a:rPr>
+              <a:t>Figure 1, Figure description</a:t>
+            </a:r>
+            <a:endParaRPr lang="en-US" sz="800" dirty="0">
+              <a:effectLst/>
+            </a:endParaRPr>
+          </a:p>
+          <a:p>
             <a:pPr marL="0" marR="0" lvl="0" indent="0" algn="l" defTabSz="2949575" rtl="0" eaLnBrk="1" fontAlgn="base" latinLnBrk="0" hangingPunct="1">
               <a:lnSpc>
                 <a:spcPts val="3200"/>
@@ -10191,46 +10596,10 @@
       </p:sp>
       <p:pic>
         <p:nvPicPr>
-          <p:cNvPr id="5" name="Afbeelding 4" descr="Afbeelding met diagram&#10;&#10;Automatisch gegenereerde beschrijving">
+          <p:cNvPr id="19" name="Picture 18" descr="Diagram&#10;&#10;Description automatically generated">
             <a:extLst>
               <a:ext uri="{FF2B5EF4-FFF2-40B4-BE49-F238E27FC236}">
-                <a16:creationId xmlns:a16="http://schemas.microsoft.com/office/drawing/2014/main" id="{8F86F7F3-400F-A073-A481-EA9F1C878EFB}"/>
-              </a:ext>
-            </a:extLst>
-          </p:cNvPr>
-          <p:cNvPicPr>
-            <a:picLocks noChangeAspect="1"/>
-          </p:cNvPicPr>
-          <p:nvPr/>
-        </p:nvPicPr>
-        <p:blipFill>
-          <a:blip r:embed="rId2">
-            <a:extLst>
-              <a:ext uri="{28A0092B-C50C-407E-A947-70E740481C1C}">
-                <a14:useLocalDpi xmlns:a14="http://schemas.microsoft.com/office/drawing/2010/main" val="0"/>
-              </a:ext>
-            </a:extLst>
-          </a:blip>
-          <a:stretch>
-            <a:fillRect/>
-          </a:stretch>
-        </p:blipFill>
-        <p:spPr>
-          <a:xfrm>
-            <a:off x="9762951" y="8785027"/>
-            <a:ext cx="11583747" cy="1186476"/>
-          </a:xfrm>
-          <a:prstGeom prst="rect">
-            <a:avLst/>
-          </a:prstGeom>
-        </p:spPr>
-      </p:pic>
-      <p:pic>
-        <p:nvPicPr>
-          <p:cNvPr id="10" name="Afbeelding 9" descr="Afbeelding met grafiek&#10;&#10;Automatisch gegenereerde beschrijving">
-            <a:extLst>
-              <a:ext uri="{FF2B5EF4-FFF2-40B4-BE49-F238E27FC236}">
-                <a16:creationId xmlns:a16="http://schemas.microsoft.com/office/drawing/2014/main" id="{3BA42E56-1F9D-8F64-9CE6-45A49AAE7855}"/>
+                <a16:creationId xmlns:a16="http://schemas.microsoft.com/office/drawing/2014/main" id="{76BCB943-0D2B-D73D-61A8-A3AD1A0244DD}"/>
               </a:ext>
             </a:extLst>
           </p:cNvPr>
@@ -10253,393 +10622,14 @@
         </p:blipFill>
         <p:spPr>
           <a:xfrm>
-            <a:off x="1314105" y="17037830"/>
-            <a:ext cx="7409817" cy="4939878"/>
+            <a:off x="9769599" y="9152962"/>
+            <a:ext cx="11617201" cy="1632352"/>
           </a:xfrm>
           <a:prstGeom prst="rect">
             <a:avLst/>
           </a:prstGeom>
         </p:spPr>
       </p:pic>
-      <p:sp>
-        <p:nvSpPr>
-          <p:cNvPr id="12" name="Tekstvak 11">
-            <a:extLst>
-              <a:ext uri="{FF2B5EF4-FFF2-40B4-BE49-F238E27FC236}">
-                <a16:creationId xmlns:a16="http://schemas.microsoft.com/office/drawing/2014/main" id="{79440D3F-B87F-9268-D76B-86552AF2EB1E}"/>
-              </a:ext>
-            </a:extLst>
-          </p:cNvPr>
-          <p:cNvSpPr txBox="1"/>
-          <p:nvPr/>
-        </p:nvSpPr>
-        <p:spPr>
-          <a:xfrm>
-            <a:off x="31182" y="25301118"/>
-            <a:ext cx="10829230" cy="5088573"/>
-          </a:xfrm>
-          <a:prstGeom prst="rect">
-            <a:avLst/>
-          </a:prstGeom>
-          <a:noFill/>
-        </p:spPr>
-        <p:txBody>
-          <a:bodyPr wrap="square" rtlCol="0">
-            <a:spAutoFit/>
-          </a:bodyPr>
-          <a:lstStyle/>
-          <a:p>
-            <a:pPr marL="0" marR="0" lvl="0" indent="0" algn="l" defTabSz="2949575" rtl="0" eaLnBrk="1" fontAlgn="base" latinLnBrk="0" hangingPunct="1">
-              <a:lnSpc>
-                <a:spcPts val="3200"/>
-              </a:lnSpc>
-              <a:spcBef>
-                <a:spcPct val="0"/>
-              </a:spcBef>
-              <a:spcAft>
-                <a:spcPct val="0"/>
-              </a:spcAft>
-              <a:buClrTx/>
-              <a:buSzTx/>
-              <a:buFontTx/>
-              <a:buNone/>
-              <a:tabLst/>
-              <a:defRPr/>
-            </a:pPr>
-            <a:r>
-              <a:rPr lang="en-US" sz="2400" dirty="0">
-                <a:solidFill>
-                  <a:srgbClr val="000000"/>
-                </a:solidFill>
-                <a:latin typeface="Courier New" panose="02070309020205020404" pitchFamily="49" charset="0"/>
-                <a:cs typeface="Courier New" panose="02070309020205020404" pitchFamily="49" charset="0"/>
-              </a:rPr>
-              <a:t>SELECT </a:t>
-            </a:r>
-            <a:r>
-              <a:rPr lang="en-US" sz="2400" dirty="0" err="1">
-                <a:solidFill>
-                  <a:srgbClr val="000000"/>
-                </a:solidFill>
-                <a:latin typeface="Courier New" panose="02070309020205020404" pitchFamily="49" charset="0"/>
-                <a:cs typeface="Courier New" panose="02070309020205020404" pitchFamily="49" charset="0"/>
-              </a:rPr>
-              <a:t>triple_id</a:t>
-            </a:r>
-            <a:r>
-              <a:rPr lang="en-US" sz="2400" dirty="0">
-                <a:solidFill>
-                  <a:srgbClr val="000000"/>
-                </a:solidFill>
-                <a:latin typeface="Courier New" panose="02070309020205020404" pitchFamily="49" charset="0"/>
-                <a:cs typeface="Courier New" panose="02070309020205020404" pitchFamily="49" charset="0"/>
-              </a:rPr>
-              <a:t>, VAR_POP(col) FROM (</a:t>
-            </a:r>
-          </a:p>
-          <a:p>
-            <a:pPr marL="0" marR="0" lvl="0" indent="0" algn="l" defTabSz="2949575" rtl="0" eaLnBrk="1" fontAlgn="base" latinLnBrk="0" hangingPunct="1">
-              <a:lnSpc>
-                <a:spcPts val="3200"/>
-              </a:lnSpc>
-              <a:spcBef>
-                <a:spcPct val="0"/>
-              </a:spcBef>
-              <a:spcAft>
-                <a:spcPct val="0"/>
-              </a:spcAft>
-              <a:buClrTx/>
-              <a:buSzTx/>
-              <a:buFontTx/>
-              <a:buNone/>
-              <a:tabLst/>
-              <a:defRPr/>
-            </a:pPr>
-            <a:r>
-              <a:rPr lang="en-US" sz="2400" dirty="0">
-                <a:solidFill>
-                  <a:srgbClr val="000000"/>
-                </a:solidFill>
-                <a:latin typeface="Courier New" panose="02070309020205020404" pitchFamily="49" charset="0"/>
-                <a:cs typeface="Courier New" panose="02070309020205020404" pitchFamily="49" charset="0"/>
-              </a:rPr>
-              <a:t>    SELECT CONCAT(v1.key, ',', v2.key, ',', v3.key) </a:t>
-            </a:r>
-          </a:p>
-          <a:p>
-            <a:pPr marL="0" marR="0" lvl="0" indent="0" algn="l" defTabSz="2949575" rtl="0" eaLnBrk="1" fontAlgn="base" latinLnBrk="0" hangingPunct="1">
-              <a:lnSpc>
-                <a:spcPts val="3200"/>
-              </a:lnSpc>
-              <a:spcBef>
-                <a:spcPct val="0"/>
-              </a:spcBef>
-              <a:spcAft>
-                <a:spcPct val="0"/>
-              </a:spcAft>
-              <a:buClrTx/>
-              <a:buSzTx/>
-              <a:buFontTx/>
-              <a:buNone/>
-              <a:tabLst/>
-              <a:defRPr/>
-            </a:pPr>
-            <a:r>
-              <a:rPr lang="en-US" sz="2400" dirty="0">
-                <a:solidFill>
-                  <a:srgbClr val="000000"/>
-                </a:solidFill>
-                <a:latin typeface="Courier New" panose="02070309020205020404" pitchFamily="49" charset="0"/>
-                <a:cs typeface="Courier New" panose="02070309020205020404" pitchFamily="49" charset="0"/>
-              </a:rPr>
-              <a:t>    AS </a:t>
-            </a:r>
-            <a:r>
-              <a:rPr lang="en-US" sz="2400" dirty="0" err="1">
-                <a:solidFill>
-                  <a:srgbClr val="000000"/>
-                </a:solidFill>
-                <a:latin typeface="Courier New" panose="02070309020205020404" pitchFamily="49" charset="0"/>
-                <a:cs typeface="Courier New" panose="02070309020205020404" pitchFamily="49" charset="0"/>
-              </a:rPr>
-              <a:t>triple_id</a:t>
-            </a:r>
-            <a:r>
-              <a:rPr lang="en-US" sz="2400" dirty="0">
-                <a:solidFill>
-                  <a:srgbClr val="000000"/>
-                </a:solidFill>
-                <a:latin typeface="Courier New" panose="02070309020205020404" pitchFamily="49" charset="0"/>
-                <a:cs typeface="Courier New" panose="02070309020205020404" pitchFamily="49" charset="0"/>
-              </a:rPr>
-              <a:t>, v1.pos, v1.col + v2.col + v3.col as col</a:t>
-            </a:r>
-          </a:p>
-          <a:p>
-            <a:pPr marL="0" marR="0" lvl="0" indent="0" algn="l" defTabSz="2949575" rtl="0" eaLnBrk="1" fontAlgn="base" latinLnBrk="0" hangingPunct="1">
-              <a:lnSpc>
-                <a:spcPts val="3200"/>
-              </a:lnSpc>
-              <a:spcBef>
-                <a:spcPct val="0"/>
-              </a:spcBef>
-              <a:spcAft>
-                <a:spcPct val="0"/>
-              </a:spcAft>
-              <a:buClrTx/>
-              <a:buSzTx/>
-              <a:buFontTx/>
-              <a:buNone/>
-              <a:tabLst/>
-              <a:defRPr/>
-            </a:pPr>
-            <a:r>
-              <a:rPr lang="en-US" sz="2400" dirty="0">
-                <a:solidFill>
-                  <a:srgbClr val="000000"/>
-                </a:solidFill>
-                <a:latin typeface="Courier New" panose="02070309020205020404" pitchFamily="49" charset="0"/>
-                <a:cs typeface="Courier New" panose="02070309020205020404" pitchFamily="49" charset="0"/>
-              </a:rPr>
-              <a:t>    FROM vectors as v1 </a:t>
-            </a:r>
-          </a:p>
-          <a:p>
-            <a:pPr marL="0" marR="0" lvl="0" indent="0" algn="l" defTabSz="2949575" rtl="0" eaLnBrk="1" fontAlgn="base" latinLnBrk="0" hangingPunct="1">
-              <a:lnSpc>
-                <a:spcPts val="3200"/>
-              </a:lnSpc>
-              <a:spcBef>
-                <a:spcPct val="0"/>
-              </a:spcBef>
-              <a:spcAft>
-                <a:spcPct val="0"/>
-              </a:spcAft>
-              <a:buClrTx/>
-              <a:buSzTx/>
-              <a:buFontTx/>
-              <a:buNone/>
-              <a:tabLst/>
-              <a:defRPr/>
-            </a:pPr>
-            <a:r>
-              <a:rPr lang="en-US" sz="2400" dirty="0">
-                <a:solidFill>
-                  <a:srgbClr val="000000"/>
-                </a:solidFill>
-                <a:latin typeface="Courier New" panose="02070309020205020404" pitchFamily="49" charset="0"/>
-                <a:cs typeface="Courier New" panose="02070309020205020404" pitchFamily="49" charset="0"/>
-              </a:rPr>
-              <a:t>    INNER JOIN vectors as v2 ON (v1.key &lt; v2.key </a:t>
-            </a:r>
-          </a:p>
-          <a:p>
-            <a:pPr marL="0" marR="0" lvl="0" indent="0" algn="l" defTabSz="2949575" rtl="0" eaLnBrk="1" fontAlgn="base" latinLnBrk="0" hangingPunct="1">
-              <a:lnSpc>
-                <a:spcPts val="3200"/>
-              </a:lnSpc>
-              <a:spcBef>
-                <a:spcPct val="0"/>
-              </a:spcBef>
-              <a:spcAft>
-                <a:spcPct val="0"/>
-              </a:spcAft>
-              <a:buClrTx/>
-              <a:buSzTx/>
-              <a:buFontTx/>
-              <a:buNone/>
-              <a:tabLst/>
-              <a:defRPr/>
-            </a:pPr>
-            <a:r>
-              <a:rPr lang="en-US" sz="2400" dirty="0">
-                <a:solidFill>
-                  <a:srgbClr val="000000"/>
-                </a:solidFill>
-                <a:latin typeface="Courier New" panose="02070309020205020404" pitchFamily="49" charset="0"/>
-                <a:cs typeface="Courier New" panose="02070309020205020404" pitchFamily="49" charset="0"/>
-              </a:rPr>
-              <a:t>	AND v1.pos = v2.pos)</a:t>
-            </a:r>
-          </a:p>
-          <a:p>
-            <a:pPr marL="0" marR="0" lvl="0" indent="0" algn="l" defTabSz="2949575" rtl="0" eaLnBrk="1" fontAlgn="base" latinLnBrk="0" hangingPunct="1">
-              <a:lnSpc>
-                <a:spcPts val="3200"/>
-              </a:lnSpc>
-              <a:spcBef>
-                <a:spcPct val="0"/>
-              </a:spcBef>
-              <a:spcAft>
-                <a:spcPct val="0"/>
-              </a:spcAft>
-              <a:buClrTx/>
-              <a:buSzTx/>
-              <a:buFontTx/>
-              <a:buNone/>
-              <a:tabLst/>
-              <a:defRPr/>
-            </a:pPr>
-            <a:r>
-              <a:rPr lang="en-US" sz="2400" dirty="0">
-                <a:solidFill>
-                  <a:srgbClr val="000000"/>
-                </a:solidFill>
-                <a:latin typeface="Courier New" panose="02070309020205020404" pitchFamily="49" charset="0"/>
-                <a:cs typeface="Courier New" panose="02070309020205020404" pitchFamily="49" charset="0"/>
-              </a:rPr>
-              <a:t>    INNER JOIN vectors as v3 ON (v2.key &lt; v3.key </a:t>
-            </a:r>
-          </a:p>
-          <a:p>
-            <a:pPr marL="0" marR="0" lvl="0" indent="0" algn="l" defTabSz="2949575" rtl="0" eaLnBrk="1" fontAlgn="base" latinLnBrk="0" hangingPunct="1">
-              <a:lnSpc>
-                <a:spcPts val="3200"/>
-              </a:lnSpc>
-              <a:spcBef>
-                <a:spcPct val="0"/>
-              </a:spcBef>
-              <a:spcAft>
-                <a:spcPct val="0"/>
-              </a:spcAft>
-              <a:buClrTx/>
-              <a:buSzTx/>
-              <a:buFontTx/>
-              <a:buNone/>
-              <a:tabLst/>
-              <a:defRPr/>
-            </a:pPr>
-            <a:r>
-              <a:rPr lang="en-US" sz="2400" dirty="0">
-                <a:solidFill>
-                  <a:srgbClr val="000000"/>
-                </a:solidFill>
-                <a:latin typeface="Courier New" panose="02070309020205020404" pitchFamily="49" charset="0"/>
-                <a:cs typeface="Courier New" panose="02070309020205020404" pitchFamily="49" charset="0"/>
-              </a:rPr>
-              <a:t>	AND v2.pos = v3.pos))</a:t>
-            </a:r>
-          </a:p>
-          <a:p>
-            <a:pPr marL="0" marR="0" lvl="0" indent="0" algn="l" defTabSz="2949575" rtl="0" eaLnBrk="1" fontAlgn="base" latinLnBrk="0" hangingPunct="1">
-              <a:lnSpc>
-                <a:spcPts val="3200"/>
-              </a:lnSpc>
-              <a:spcBef>
-                <a:spcPct val="0"/>
-              </a:spcBef>
-              <a:spcAft>
-                <a:spcPct val="0"/>
-              </a:spcAft>
-              <a:buClrTx/>
-              <a:buSzTx/>
-              <a:buFontTx/>
-              <a:buNone/>
-              <a:tabLst/>
-              <a:defRPr/>
-            </a:pPr>
-            <a:r>
-              <a:rPr lang="en-US" sz="2400" dirty="0">
-                <a:solidFill>
-                  <a:srgbClr val="000000"/>
-                </a:solidFill>
-                <a:latin typeface="Courier New" panose="02070309020205020404" pitchFamily="49" charset="0"/>
-                <a:cs typeface="Courier New" panose="02070309020205020404" pitchFamily="49" charset="0"/>
-              </a:rPr>
-              <a:t>    GROUP BY </a:t>
-            </a:r>
-            <a:r>
-              <a:rPr lang="en-US" sz="2400" dirty="0" err="1">
-                <a:solidFill>
-                  <a:srgbClr val="000000"/>
-                </a:solidFill>
-                <a:latin typeface="Courier New" panose="02070309020205020404" pitchFamily="49" charset="0"/>
-                <a:cs typeface="Courier New" panose="02070309020205020404" pitchFamily="49" charset="0"/>
-              </a:rPr>
-              <a:t>triple_id</a:t>
-            </a:r>
-            <a:endParaRPr lang="en-US" sz="2400" dirty="0">
-              <a:solidFill>
-                <a:srgbClr val="000000"/>
-              </a:solidFill>
-              <a:latin typeface="Courier New" panose="02070309020205020404" pitchFamily="49" charset="0"/>
-              <a:cs typeface="Courier New" panose="02070309020205020404" pitchFamily="49" charset="0"/>
-            </a:endParaRPr>
-          </a:p>
-          <a:p>
-            <a:pPr marL="0" marR="0" lvl="0" indent="0" algn="l" defTabSz="2949575" rtl="0" eaLnBrk="1" fontAlgn="base" latinLnBrk="0" hangingPunct="1">
-              <a:lnSpc>
-                <a:spcPts val="3200"/>
-              </a:lnSpc>
-              <a:spcBef>
-                <a:spcPct val="0"/>
-              </a:spcBef>
-              <a:spcAft>
-                <a:spcPct val="0"/>
-              </a:spcAft>
-              <a:buClrTx/>
-              <a:buSzTx/>
-              <a:buFontTx/>
-              <a:buNone/>
-              <a:tabLst/>
-              <a:defRPr/>
-            </a:pPr>
-            <a:r>
-              <a:rPr lang="en-US" sz="2400" dirty="0">
-                <a:solidFill>
-                  <a:srgbClr val="000000"/>
-                </a:solidFill>
-                <a:latin typeface="Courier New" panose="02070309020205020404" pitchFamily="49" charset="0"/>
-                <a:cs typeface="Courier New" panose="02070309020205020404" pitchFamily="49" charset="0"/>
-              </a:rPr>
-              <a:t>    HAVING VAR_POP(col) &lt; {TAU_PARAMETER};)</a:t>
-            </a:r>
-          </a:p>
-          <a:p>
-            <a:endParaRPr lang="en-GB" dirty="0"/>
-          </a:p>
-        </p:txBody>
-      </p:sp>
     </p:spTree>
   </p:cSld>
   <p:clrMapOvr>
